--- a/ASP.NET MVC/05. ASP.NET MVC Working with Data/ASP.NET-MVC-Working-with-Data.pptx
+++ b/ASP.NET MVC/05. ASP.NET MVC Working with Data/ASP.NET-MVC-Working-with-Data.pptx
@@ -5,10 +5,10 @@
     <p:sldMasterId id="2147483672" r:id="rId1"/>
   </p:sldMasterIdLst>
   <p:notesMasterIdLst>
-    <p:notesMasterId r:id="rId25"/>
+    <p:notesMasterId r:id="rId46"/>
   </p:notesMasterIdLst>
   <p:handoutMasterIdLst>
-    <p:handoutMasterId r:id="rId26"/>
+    <p:handoutMasterId r:id="rId47"/>
   </p:handoutMasterIdLst>
   <p:sldIdLst>
     <p:sldId id="338" r:id="rId2"/>
@@ -18,27 +18,48 @@
     <p:sldId id="469" r:id="rId6"/>
     <p:sldId id="429" r:id="rId7"/>
     <p:sldId id="454" r:id="rId8"/>
-    <p:sldId id="463" r:id="rId9"/>
-    <p:sldId id="426" r:id="rId10"/>
-    <p:sldId id="456" r:id="rId11"/>
-    <p:sldId id="458" r:id="rId12"/>
-    <p:sldId id="457" r:id="rId13"/>
-    <p:sldId id="459" r:id="rId14"/>
-    <p:sldId id="461" r:id="rId15"/>
-    <p:sldId id="462" r:id="rId16"/>
-    <p:sldId id="466" r:id="rId17"/>
-    <p:sldId id="465" r:id="rId18"/>
-    <p:sldId id="473" r:id="rId19"/>
-    <p:sldId id="474" r:id="rId20"/>
-    <p:sldId id="475" r:id="rId21"/>
-    <p:sldId id="334" r:id="rId22"/>
-    <p:sldId id="464" r:id="rId23"/>
-    <p:sldId id="403" r:id="rId24"/>
+    <p:sldId id="476" r:id="rId9"/>
+    <p:sldId id="477" r:id="rId10"/>
+    <p:sldId id="478" r:id="rId11"/>
+    <p:sldId id="479" r:id="rId12"/>
+    <p:sldId id="480" r:id="rId13"/>
+    <p:sldId id="481" r:id="rId14"/>
+    <p:sldId id="463" r:id="rId15"/>
+    <p:sldId id="483" r:id="rId16"/>
+    <p:sldId id="484" r:id="rId17"/>
+    <p:sldId id="485" r:id="rId18"/>
+    <p:sldId id="486" r:id="rId19"/>
+    <p:sldId id="487" r:id="rId20"/>
+    <p:sldId id="488" r:id="rId21"/>
+    <p:sldId id="489" r:id="rId22"/>
+    <p:sldId id="426" r:id="rId23"/>
+    <p:sldId id="456" r:id="rId24"/>
+    <p:sldId id="458" r:id="rId25"/>
+    <p:sldId id="457" r:id="rId26"/>
+    <p:sldId id="459" r:id="rId27"/>
+    <p:sldId id="461" r:id="rId28"/>
+    <p:sldId id="491" r:id="rId29"/>
+    <p:sldId id="490" r:id="rId30"/>
+    <p:sldId id="462" r:id="rId31"/>
+    <p:sldId id="492" r:id="rId32"/>
+    <p:sldId id="493" r:id="rId33"/>
+    <p:sldId id="494" r:id="rId34"/>
+    <p:sldId id="495" r:id="rId35"/>
+    <p:sldId id="466" r:id="rId36"/>
+    <p:sldId id="465" r:id="rId37"/>
+    <p:sldId id="473" r:id="rId38"/>
+    <p:sldId id="474" r:id="rId39"/>
+    <p:sldId id="475" r:id="rId40"/>
+    <p:sldId id="496" r:id="rId41"/>
+    <p:sldId id="497" r:id="rId42"/>
+    <p:sldId id="334" r:id="rId43"/>
+    <p:sldId id="464" r:id="rId44"/>
+    <p:sldId id="403" r:id="rId45"/>
   </p:sldIdLst>
   <p:sldSz cx="9144000" cy="6858000" type="screen4x3"/>
   <p:notesSz cx="6881813" cy="9296400"/>
   <p:custDataLst>
-    <p:tags r:id="rId27"/>
+    <p:tags r:id="rId48"/>
   </p:custDataLst>
   <p:defaultTextStyle>
     <a:defPPr>
@@ -185,7 +206,24 @@
           <p14:sldIdLst>
             <p14:sldId id="429"/>
             <p14:sldId id="454"/>
+            <p14:sldId id="476"/>
+            <p14:sldId id="477"/>
+            <p14:sldId id="478"/>
+            <p14:sldId id="479"/>
+            <p14:sldId id="480"/>
+            <p14:sldId id="481"/>
             <p14:sldId id="463"/>
+          </p14:sldIdLst>
+        </p14:section>
+        <p14:section name="Display &amp; Editor Templates" id="{81487B51-A8E7-4D01-B8FC-5099973D26BB}">
+          <p14:sldIdLst>
+            <p14:sldId id="483"/>
+            <p14:sldId id="484"/>
+            <p14:sldId id="485"/>
+            <p14:sldId id="486"/>
+            <p14:sldId id="487"/>
+            <p14:sldId id="488"/>
+            <p14:sldId id="489"/>
           </p14:sldIdLst>
         </p14:section>
         <p14:section name="Data Validation" id="{422460BE-98E3-4BBE-B9F2-A48820B6911A}">
@@ -196,7 +234,17 @@
             <p14:sldId id="457"/>
             <p14:sldId id="459"/>
             <p14:sldId id="461"/>
+            <p14:sldId id="491"/>
+            <p14:sldId id="490"/>
             <p14:sldId id="462"/>
+          </p14:sldIdLst>
+        </p14:section>
+        <p14:section name="Session, TempData, Cache" id="{A01F72C9-B2D8-49A1-8B57-D983383DF48B}">
+          <p14:sldIdLst>
+            <p14:sldId id="492"/>
+            <p14:sldId id="493"/>
+            <p14:sldId id="494"/>
+            <p14:sldId id="495"/>
           </p14:sldIdLst>
         </p14:section>
         <p14:section name="Working with Data Source" id="{8C82B9CC-4D99-4C45-A0A5-DBFCE95D573D}">
@@ -206,6 +254,8 @@
             <p14:sldId id="473"/>
             <p14:sldId id="474"/>
             <p14:sldId id="475"/>
+            <p14:sldId id="496"/>
+            <p14:sldId id="497"/>
           </p14:sldIdLst>
         </p14:section>
         <p14:section name="Summary, Questions, Homework" id="{052859EC-CAE7-45AF-B838-B3EBFE380EB4}">
@@ -218,7 +268,7 @@
       </p14:sectionLst>
     </p:ext>
     <p:ext uri="{EFAFB233-063F-42B5-8137-9DF3F51BA10A}">
-      <p15:sldGuideLst xmlns:p15="http://schemas.microsoft.com/office/powerpoint/2012/main">
+      <p15:sldGuideLst xmlns="" xmlns:p15="http://schemas.microsoft.com/office/powerpoint/2012/main">
         <p15:guide id="1" orient="horz" pos="2160">
           <p15:clr>
             <a:srgbClr val="A4A3A4"/>
@@ -232,7 +282,7 @@
       </p15:sldGuideLst>
     </p:ext>
     <p:ext uri="{2D200454-40CA-4A62-9FC3-DE9A4176ACB9}">
-      <p15:notesGuideLst xmlns:p15="http://schemas.microsoft.com/office/powerpoint/2012/main">
+      <p15:notesGuideLst xmlns="" xmlns:p15="http://schemas.microsoft.com/office/powerpoint/2012/main">
         <p15:guide id="1" orient="horz" pos="2928">
           <p15:clr>
             <a:srgbClr val="A4A3A4"/>
@@ -364,7 +414,7 @@
             <a:fld id="{3BF7C7B5-275F-4D1F-9AB4-9255447DBC73}" type="datetimeFigureOut">
               <a:rPr lang="en-US"/>
               <a:pPr/>
-              <a:t>9/28/2013</a:t>
+              <a:t>11/5/2014</a:t>
             </a:fld>
             <a:endParaRPr lang="en-US" dirty="0"/>
           </a:p>
@@ -595,7 +645,7 @@
             <a:fld id="{9B46F231-FB2B-4655-A644-E2477325E686}" type="datetimeFigureOut">
               <a:rPr lang="en-US"/>
               <a:pPr/>
-              <a:t>9/28/2013</a:t>
+              <a:t>11/5/2014</a:t>
             </a:fld>
             <a:endParaRPr lang="en-US" dirty="0"/>
           </a:p>
@@ -1388,7 +1438,427 @@
             <a:fld id="{BEB06EDD-DA58-4CEC-8FAE-477FD9274FA7}" type="slidenum">
               <a:rPr lang="en-US"/>
               <a:pPr/>
-              <a:t>9</a:t>
+              <a:t>15</a:t>
+            </a:fld>
+            <a:r>
+              <a:rPr lang="en-US" dirty="0"/>
+              <a:t>##</a:t>
+            </a:r>
+          </a:p>
+        </p:txBody>
+      </p:sp>
+      <p:sp>
+        <p:nvSpPr>
+          <p:cNvPr id="502786" name="Rectangle 2"/>
+          <p:cNvSpPr>
+            <a:spLocks noGrp="1" noRot="1" noChangeAspect="1" noChangeArrowheads="1" noTextEdit="1"/>
+          </p:cNvSpPr>
+          <p:nvPr>
+            <p:ph type="sldImg"/>
+          </p:nvPr>
+        </p:nvSpPr>
+        <p:spPr>
+          <a:ln/>
+        </p:spPr>
+      </p:sp>
+      <p:sp>
+        <p:nvSpPr>
+          <p:cNvPr id="502787" name="Rectangle 3"/>
+          <p:cNvSpPr>
+            <a:spLocks noGrp="1" noChangeArrowheads="1"/>
+          </p:cNvSpPr>
+          <p:nvPr>
+            <p:ph type="body" idx="1"/>
+          </p:nvPr>
+        </p:nvSpPr>
+        <p:spPr/>
+        <p:txBody>
+          <a:bodyPr/>
+          <a:lstStyle/>
+          <a:p>
+            <a:endParaRPr lang="bg-BG" dirty="0"/>
+          </a:p>
+        </p:txBody>
+      </p:sp>
+    </p:spTree>
+    <p:extLst>
+      <p:ext uri="{BB962C8B-B14F-4D97-AF65-F5344CB8AC3E}">
+        <p14:creationId xmlns:p14="http://schemas.microsoft.com/office/powerpoint/2010/main" val="1587977816"/>
+      </p:ext>
+    </p:extLst>
+  </p:cSld>
+  <p:clrMapOvr>
+    <a:masterClrMapping/>
+  </p:clrMapOvr>
+</p:notes>
+</file>
+
+<file path=ppt/notesSlides/notesSlide5.xml><?xml version="1.0" encoding="utf-8"?>
+<p:notes xmlns:a="http://schemas.openxmlformats.org/drawingml/2006/main" xmlns:r="http://schemas.openxmlformats.org/officeDocument/2006/relationships" xmlns:p="http://schemas.openxmlformats.org/presentationml/2006/main">
+  <p:cSld>
+    <p:spTree>
+      <p:nvGrpSpPr>
+        <p:cNvPr id="1" name=""/>
+        <p:cNvGrpSpPr/>
+        <p:nvPr/>
+      </p:nvGrpSpPr>
+      <p:grpSpPr>
+        <a:xfrm>
+          <a:off x="0" y="0"/>
+          <a:ext cx="0" cy="0"/>
+          <a:chOff x="0" y="0"/>
+          <a:chExt cx="0" cy="0"/>
+        </a:xfrm>
+      </p:grpSpPr>
+      <p:sp>
+        <p:nvSpPr>
+          <p:cNvPr id="4" name="Rectangle 2"/>
+          <p:cNvSpPr>
+            <a:spLocks noGrp="1" noChangeArrowheads="1"/>
+          </p:cNvSpPr>
+          <p:nvPr>
+            <p:ph type="hdr" sz="quarter"/>
+          </p:nvPr>
+        </p:nvSpPr>
+        <p:spPr>
+          <a:ln/>
+        </p:spPr>
+        <p:txBody>
+          <a:bodyPr/>
+          <a:lstStyle/>
+          <a:p>
+            <a:r>
+              <a:rPr lang="en-US" dirty="0"/>
+              <a:t>*</a:t>
+            </a:r>
+          </a:p>
+        </p:txBody>
+      </p:sp>
+      <p:sp>
+        <p:nvSpPr>
+          <p:cNvPr id="5" name="Rectangle 6"/>
+          <p:cNvSpPr>
+            <a:spLocks noGrp="1" noChangeArrowheads="1"/>
+          </p:cNvSpPr>
+          <p:nvPr>
+            <p:ph type="ftr" sz="quarter" idx="4"/>
+          </p:nvPr>
+        </p:nvSpPr>
+        <p:spPr>
+          <a:ln/>
+        </p:spPr>
+        <p:txBody>
+          <a:bodyPr/>
+          <a:lstStyle/>
+          <a:p>
+            <a:r>
+              <a:rPr lang="en-US" dirty="0"/>
+              <a:t>(c) 2008 National Academy for Software Development - http://academy.devbg.org. All rights reserved. Unauthorized copying or re-distribution is strictly prohibited.*</a:t>
+            </a:r>
+          </a:p>
+        </p:txBody>
+      </p:sp>
+      <p:sp>
+        <p:nvSpPr>
+          <p:cNvPr id="6" name="Rectangle 7"/>
+          <p:cNvSpPr>
+            <a:spLocks noGrp="1" noChangeArrowheads="1"/>
+          </p:cNvSpPr>
+          <p:nvPr>
+            <p:ph type="sldNum" sz="quarter" idx="5"/>
+          </p:nvPr>
+        </p:nvSpPr>
+        <p:spPr>
+          <a:ln/>
+        </p:spPr>
+        <p:txBody>
+          <a:bodyPr/>
+          <a:lstStyle/>
+          <a:p>
+            <a:fld id="{BEB06EDD-DA58-4CEC-8FAE-477FD9274FA7}" type="slidenum">
+              <a:rPr lang="en-US"/>
+              <a:pPr/>
+              <a:t>22</a:t>
+            </a:fld>
+            <a:r>
+              <a:rPr lang="en-US" dirty="0"/>
+              <a:t>##</a:t>
+            </a:r>
+          </a:p>
+        </p:txBody>
+      </p:sp>
+      <p:sp>
+        <p:nvSpPr>
+          <p:cNvPr id="502786" name="Rectangle 2"/>
+          <p:cNvSpPr>
+            <a:spLocks noGrp="1" noRot="1" noChangeAspect="1" noChangeArrowheads="1" noTextEdit="1"/>
+          </p:cNvSpPr>
+          <p:nvPr>
+            <p:ph type="sldImg"/>
+          </p:nvPr>
+        </p:nvSpPr>
+        <p:spPr>
+          <a:ln/>
+        </p:spPr>
+      </p:sp>
+      <p:sp>
+        <p:nvSpPr>
+          <p:cNvPr id="502787" name="Rectangle 3"/>
+          <p:cNvSpPr>
+            <a:spLocks noGrp="1" noChangeArrowheads="1"/>
+          </p:cNvSpPr>
+          <p:nvPr>
+            <p:ph type="body" idx="1"/>
+          </p:nvPr>
+        </p:nvSpPr>
+        <p:spPr/>
+        <p:txBody>
+          <a:bodyPr/>
+          <a:lstStyle/>
+          <a:p>
+            <a:endParaRPr lang="bg-BG" dirty="0"/>
+          </a:p>
+        </p:txBody>
+      </p:sp>
+    </p:spTree>
+    <p:extLst>
+      <p:ext uri="{BB962C8B-B14F-4D97-AF65-F5344CB8AC3E}">
+        <p14:creationId xmlns:p14="http://schemas.microsoft.com/office/powerpoint/2010/main" val="621250247"/>
+      </p:ext>
+    </p:extLst>
+  </p:cSld>
+  <p:clrMapOvr>
+    <a:masterClrMapping/>
+  </p:clrMapOvr>
+</p:notes>
+</file>
+
+<file path=ppt/notesSlides/notesSlide6.xml><?xml version="1.0" encoding="utf-8"?>
+<p:notes xmlns:a="http://schemas.openxmlformats.org/drawingml/2006/main" xmlns:r="http://schemas.openxmlformats.org/officeDocument/2006/relationships" xmlns:p="http://schemas.openxmlformats.org/presentationml/2006/main">
+  <p:cSld>
+    <p:spTree>
+      <p:nvGrpSpPr>
+        <p:cNvPr id="1" name=""/>
+        <p:cNvGrpSpPr/>
+        <p:nvPr/>
+      </p:nvGrpSpPr>
+      <p:grpSpPr>
+        <a:xfrm>
+          <a:off x="0" y="0"/>
+          <a:ext cx="0" cy="0"/>
+          <a:chOff x="0" y="0"/>
+          <a:chExt cx="0" cy="0"/>
+        </a:xfrm>
+      </p:grpSpPr>
+      <p:sp>
+        <p:nvSpPr>
+          <p:cNvPr id="4" name="Rectangle 2"/>
+          <p:cNvSpPr>
+            <a:spLocks noGrp="1" noChangeArrowheads="1"/>
+          </p:cNvSpPr>
+          <p:nvPr>
+            <p:ph type="hdr" sz="quarter"/>
+          </p:nvPr>
+        </p:nvSpPr>
+        <p:spPr>
+          <a:ln/>
+        </p:spPr>
+        <p:txBody>
+          <a:bodyPr/>
+          <a:lstStyle/>
+          <a:p>
+            <a:r>
+              <a:rPr lang="en-US" dirty="0"/>
+              <a:t>*</a:t>
+            </a:r>
+          </a:p>
+        </p:txBody>
+      </p:sp>
+      <p:sp>
+        <p:nvSpPr>
+          <p:cNvPr id="5" name="Rectangle 6"/>
+          <p:cNvSpPr>
+            <a:spLocks noGrp="1" noChangeArrowheads="1"/>
+          </p:cNvSpPr>
+          <p:nvPr>
+            <p:ph type="ftr" sz="quarter" idx="4"/>
+          </p:nvPr>
+        </p:nvSpPr>
+        <p:spPr>
+          <a:ln/>
+        </p:spPr>
+        <p:txBody>
+          <a:bodyPr/>
+          <a:lstStyle/>
+          <a:p>
+            <a:r>
+              <a:rPr lang="en-US" dirty="0"/>
+              <a:t>(c) 2008 National Academy for Software Development - http://academy.devbg.org. All rights reserved. Unauthorized copying or re-distribution is strictly prohibited.*</a:t>
+            </a:r>
+          </a:p>
+        </p:txBody>
+      </p:sp>
+      <p:sp>
+        <p:nvSpPr>
+          <p:cNvPr id="6" name="Rectangle 7"/>
+          <p:cNvSpPr>
+            <a:spLocks noGrp="1" noChangeArrowheads="1"/>
+          </p:cNvSpPr>
+          <p:nvPr>
+            <p:ph type="sldNum" sz="quarter" idx="5"/>
+          </p:nvPr>
+        </p:nvSpPr>
+        <p:spPr>
+          <a:ln/>
+        </p:spPr>
+        <p:txBody>
+          <a:bodyPr/>
+          <a:lstStyle/>
+          <a:p>
+            <a:fld id="{BEB06EDD-DA58-4CEC-8FAE-477FD9274FA7}" type="slidenum">
+              <a:rPr lang="en-US"/>
+              <a:pPr/>
+              <a:t>29</a:t>
+            </a:fld>
+            <a:r>
+              <a:rPr lang="en-US" dirty="0"/>
+              <a:t>##</a:t>
+            </a:r>
+          </a:p>
+        </p:txBody>
+      </p:sp>
+      <p:sp>
+        <p:nvSpPr>
+          <p:cNvPr id="502786" name="Rectangle 2"/>
+          <p:cNvSpPr>
+            <a:spLocks noGrp="1" noRot="1" noChangeAspect="1" noChangeArrowheads="1" noTextEdit="1"/>
+          </p:cNvSpPr>
+          <p:nvPr>
+            <p:ph type="sldImg"/>
+          </p:nvPr>
+        </p:nvSpPr>
+        <p:spPr>
+          <a:ln/>
+        </p:spPr>
+      </p:sp>
+      <p:sp>
+        <p:nvSpPr>
+          <p:cNvPr id="502787" name="Rectangle 3"/>
+          <p:cNvSpPr>
+            <a:spLocks noGrp="1" noChangeArrowheads="1"/>
+          </p:cNvSpPr>
+          <p:nvPr>
+            <p:ph type="body" idx="1"/>
+          </p:nvPr>
+        </p:nvSpPr>
+        <p:spPr/>
+        <p:txBody>
+          <a:bodyPr/>
+          <a:lstStyle/>
+          <a:p>
+            <a:endParaRPr lang="bg-BG" dirty="0"/>
+          </a:p>
+        </p:txBody>
+      </p:sp>
+    </p:spTree>
+    <p:extLst>
+      <p:ext uri="{BB962C8B-B14F-4D97-AF65-F5344CB8AC3E}">
+        <p14:creationId xmlns:p14="http://schemas.microsoft.com/office/powerpoint/2010/main" val="621250247"/>
+      </p:ext>
+    </p:extLst>
+  </p:cSld>
+  <p:clrMapOvr>
+    <a:masterClrMapping/>
+  </p:clrMapOvr>
+</p:notes>
+</file>
+
+<file path=ppt/notesSlides/notesSlide7.xml><?xml version="1.0" encoding="utf-8"?>
+<p:notes xmlns:a="http://schemas.openxmlformats.org/drawingml/2006/main" xmlns:r="http://schemas.openxmlformats.org/officeDocument/2006/relationships" xmlns:p="http://schemas.openxmlformats.org/presentationml/2006/main">
+  <p:cSld>
+    <p:spTree>
+      <p:nvGrpSpPr>
+        <p:cNvPr id="1" name=""/>
+        <p:cNvGrpSpPr/>
+        <p:nvPr/>
+      </p:nvGrpSpPr>
+      <p:grpSpPr>
+        <a:xfrm>
+          <a:off x="0" y="0"/>
+          <a:ext cx="0" cy="0"/>
+          <a:chOff x="0" y="0"/>
+          <a:chExt cx="0" cy="0"/>
+        </a:xfrm>
+      </p:grpSpPr>
+      <p:sp>
+        <p:nvSpPr>
+          <p:cNvPr id="4" name="Rectangle 2"/>
+          <p:cNvSpPr>
+            <a:spLocks noGrp="1" noChangeArrowheads="1"/>
+          </p:cNvSpPr>
+          <p:nvPr>
+            <p:ph type="hdr" sz="quarter"/>
+          </p:nvPr>
+        </p:nvSpPr>
+        <p:spPr>
+          <a:ln/>
+        </p:spPr>
+        <p:txBody>
+          <a:bodyPr/>
+          <a:lstStyle/>
+          <a:p>
+            <a:r>
+              <a:rPr lang="en-US" dirty="0"/>
+              <a:t>*</a:t>
+            </a:r>
+          </a:p>
+        </p:txBody>
+      </p:sp>
+      <p:sp>
+        <p:nvSpPr>
+          <p:cNvPr id="5" name="Rectangle 6"/>
+          <p:cNvSpPr>
+            <a:spLocks noGrp="1" noChangeArrowheads="1"/>
+          </p:cNvSpPr>
+          <p:nvPr>
+            <p:ph type="ftr" sz="quarter" idx="4"/>
+          </p:nvPr>
+        </p:nvSpPr>
+        <p:spPr>
+          <a:ln/>
+        </p:spPr>
+        <p:txBody>
+          <a:bodyPr/>
+          <a:lstStyle/>
+          <a:p>
+            <a:r>
+              <a:rPr lang="en-US" dirty="0"/>
+              <a:t>(c) 2008 National Academy for Software Development - http://academy.devbg.org. All rights reserved. Unauthorized copying or re-distribution is strictly prohibited.*</a:t>
+            </a:r>
+          </a:p>
+        </p:txBody>
+      </p:sp>
+      <p:sp>
+        <p:nvSpPr>
+          <p:cNvPr id="6" name="Rectangle 7"/>
+          <p:cNvSpPr>
+            <a:spLocks noGrp="1" noChangeArrowheads="1"/>
+          </p:cNvSpPr>
+          <p:nvPr>
+            <p:ph type="sldNum" sz="quarter" idx="5"/>
+          </p:nvPr>
+        </p:nvSpPr>
+        <p:spPr>
+          <a:ln/>
+        </p:spPr>
+        <p:txBody>
+          <a:bodyPr/>
+          <a:lstStyle/>
+          <a:p>
+            <a:fld id="{BEB06EDD-DA58-4CEC-8FAE-477FD9274FA7}" type="slidenum">
+              <a:rPr lang="en-US"/>
+              <a:pPr/>
+              <a:t>31</a:t>
             </a:fld>
             <a:r>
               <a:rPr lang="en-US" dirty="0"/>
@@ -6561,59 +7031,542 @@
       </p:pic>
       <p:sp>
         <p:nvSpPr>
-          <p:cNvPr id="14" name="Text Placeholder 4"/>
+          <p:cNvPr id="19" name="Text Placeholder 6"/>
           <p:cNvSpPr>
             <a:spLocks noGrp="1"/>
           </p:cNvSpPr>
-          <p:nvPr>
-            <p:ph type="body" sz="quarter" idx="10"/>
-          </p:nvPr>
+          <p:nvPr/>
         </p:nvSpPr>
         <p:spPr>
           <a:xfrm>
-            <a:off x="419099" y="4495800"/>
-            <a:ext cx="3853295" cy="533400"/>
+            <a:off x="429086" y="5726668"/>
+            <a:ext cx="3990513" cy="400110"/>
           </a:xfrm>
+          <a:prstGeom prst="rect">
+            <a:avLst/>
+          </a:prstGeom>
+          <a:noFill/>
         </p:spPr>
         <p:txBody>
-          <a:bodyPr/>
-          <a:lstStyle/>
-          <a:p>
-            <a:r>
-              <a:rPr lang="en-US" dirty="0" smtClean="0"/>
-              <a:t>Nikolay </a:t>
-            </a:r>
-            <a:r>
-              <a:rPr lang="en-US" noProof="1" smtClean="0"/>
-              <a:t>Kostov</a:t>
-            </a:r>
-            <a:endParaRPr lang="en-US" noProof="1"/>
+          <a:bodyPr wrap="square" rtlCol="0">
+            <a:spAutoFit/>
+          </a:bodyPr>
+          <a:lstStyle>
+            <a:lvl1pPr marL="319088" indent="-319088" algn="l" rtl="0" eaLnBrk="0" fontAlgn="base" hangingPunct="0">
+              <a:spcBef>
+                <a:spcPct val="20000"/>
+              </a:spcBef>
+              <a:spcAft>
+                <a:spcPct val="0"/>
+              </a:spcAft>
+              <a:buClr>
+                <a:schemeClr val="accent5">
+                  <a:lumMod val="40000"/>
+                  <a:lumOff val="60000"/>
+                </a:schemeClr>
+              </a:buClr>
+              <a:buSzPct val="70000"/>
+              <a:buFont typeface="Wingdings 2" pitchFamily="18" charset="2"/>
+              <a:buNone/>
+              <a:defRPr lang="en-US" sz="2000" b="1" kern="1200" dirty="0">
+                <a:solidFill>
+                  <a:schemeClr val="tx2">
+                    <a:lumMod val="20000"/>
+                    <a:lumOff val="80000"/>
+                  </a:schemeClr>
+                </a:solidFill>
+                <a:effectLst>
+                  <a:outerShdw blurRad="38100" dist="38100" dir="2700000" algn="tl">
+                    <a:srgbClr val="000000">
+                      <a:alpha val="43137"/>
+                    </a:srgbClr>
+                  </a:outerShdw>
+                </a:effectLst>
+                <a:latin typeface="Corbel" pitchFamily="34" charset="0"/>
+                <a:ea typeface="+mn-ea"/>
+                <a:cs typeface="+mn-cs"/>
+              </a:defRPr>
+            </a:lvl1pPr>
+            <a:lvl2pPr marL="630238" indent="-273050" algn="l" rtl="0" eaLnBrk="0" fontAlgn="base" hangingPunct="0">
+              <a:spcBef>
+                <a:spcPct val="20000"/>
+              </a:spcBef>
+              <a:spcAft>
+                <a:spcPct val="0"/>
+              </a:spcAft>
+              <a:buClr>
+                <a:schemeClr val="accent2">
+                  <a:lumMod val="60000"/>
+                  <a:lumOff val="40000"/>
+                </a:schemeClr>
+              </a:buClr>
+              <a:buFont typeface="Wingdings 2" pitchFamily="18" charset="2"/>
+              <a:buChar char=""/>
+              <a:defRPr sz="3000" b="1" kern="1200">
+                <a:solidFill>
+                  <a:schemeClr val="tx1">
+                    <a:lumMod val="20000"/>
+                    <a:lumOff val="80000"/>
+                  </a:schemeClr>
+                </a:solidFill>
+                <a:effectLst>
+                  <a:outerShdw blurRad="38100" dist="38100" dir="2700000" algn="tl">
+                    <a:srgbClr val="000000">
+                      <a:alpha val="43137"/>
+                    </a:srgbClr>
+                  </a:outerShdw>
+                </a:effectLst>
+                <a:latin typeface="+mn-lt"/>
+                <a:ea typeface="+mn-ea"/>
+                <a:cs typeface="+mn-cs"/>
+              </a:defRPr>
+            </a:lvl2pPr>
+            <a:lvl3pPr marL="922338" indent="-273050" algn="l" rtl="0" eaLnBrk="0" fontAlgn="base" hangingPunct="0">
+              <a:spcBef>
+                <a:spcPct val="20000"/>
+              </a:spcBef>
+              <a:spcAft>
+                <a:spcPct val="0"/>
+              </a:spcAft>
+              <a:buClr>
+                <a:schemeClr val="tx1">
+                  <a:lumMod val="50000"/>
+                </a:schemeClr>
+              </a:buClr>
+              <a:buFont typeface="Wingdings 2" pitchFamily="18" charset="2"/>
+              <a:buChar char=""/>
+              <a:defRPr sz="2800" b="1" kern="1200">
+                <a:solidFill>
+                  <a:schemeClr val="tx1">
+                    <a:lumMod val="20000"/>
+                    <a:lumOff val="80000"/>
+                  </a:schemeClr>
+                </a:solidFill>
+                <a:effectLst>
+                  <a:outerShdw blurRad="38100" dist="38100" dir="2700000" algn="tl">
+                    <a:srgbClr val="000000">
+                      <a:alpha val="43137"/>
+                    </a:srgbClr>
+                  </a:outerShdw>
+                </a:effectLst>
+                <a:latin typeface="+mn-lt"/>
+                <a:ea typeface="+mn-ea"/>
+                <a:cs typeface="+mn-cs"/>
+              </a:defRPr>
+            </a:lvl3pPr>
+            <a:lvl4pPr marL="1187450" indent="-228600" algn="l" rtl="0" eaLnBrk="0" fontAlgn="base" hangingPunct="0">
+              <a:spcBef>
+                <a:spcPct val="20000"/>
+              </a:spcBef>
+              <a:spcAft>
+                <a:spcPct val="0"/>
+              </a:spcAft>
+              <a:buClr>
+                <a:srgbClr val="F8BD52"/>
+              </a:buClr>
+              <a:buFont typeface="Wingdings 2" pitchFamily="18" charset="2"/>
+              <a:buChar char=""/>
+              <a:defRPr sz="2600" b="1" kern="1200">
+                <a:solidFill>
+                  <a:schemeClr val="tx1">
+                    <a:lumMod val="20000"/>
+                    <a:lumOff val="80000"/>
+                  </a:schemeClr>
+                </a:solidFill>
+                <a:effectLst>
+                  <a:outerShdw blurRad="38100" dist="38100" dir="2700000" algn="tl">
+                    <a:srgbClr val="000000">
+                      <a:alpha val="43137"/>
+                    </a:srgbClr>
+                  </a:outerShdw>
+                </a:effectLst>
+                <a:latin typeface="+mn-lt"/>
+                <a:ea typeface="+mn-ea"/>
+                <a:cs typeface="+mn-cs"/>
+              </a:defRPr>
+            </a:lvl4pPr>
+            <a:lvl5pPr marL="1425575" indent="-228600" algn="l" rtl="0" eaLnBrk="0" fontAlgn="base" hangingPunct="0">
+              <a:spcBef>
+                <a:spcPct val="20000"/>
+              </a:spcBef>
+              <a:spcAft>
+                <a:spcPct val="0"/>
+              </a:spcAft>
+              <a:buClr>
+                <a:srgbClr val="46A6BD"/>
+              </a:buClr>
+              <a:buFont typeface="Wingdings 2" pitchFamily="18" charset="2"/>
+              <a:buChar char=""/>
+              <a:defRPr sz="2400" b="1" kern="1200">
+                <a:solidFill>
+                  <a:schemeClr val="tx1">
+                    <a:lumMod val="20000"/>
+                    <a:lumOff val="80000"/>
+                  </a:schemeClr>
+                </a:solidFill>
+                <a:effectLst>
+                  <a:outerShdw blurRad="38100" dist="38100" dir="2700000" algn="tl">
+                    <a:srgbClr val="000000">
+                      <a:alpha val="43137"/>
+                    </a:srgbClr>
+                  </a:outerShdw>
+                </a:effectLst>
+                <a:latin typeface="+mn-lt"/>
+                <a:ea typeface="+mn-ea"/>
+                <a:cs typeface="+mn-cs"/>
+              </a:defRPr>
+            </a:lvl5pPr>
+            <a:lvl6pPr marL="1673352" indent="-228600" algn="l" rtl="0" eaLnBrk="1" latinLnBrk="0" hangingPunct="1">
+              <a:spcBef>
+                <a:spcPct val="20000"/>
+              </a:spcBef>
+              <a:buClr>
+                <a:schemeClr val="accent6"/>
+              </a:buClr>
+              <a:buFont typeface="Wingdings 2"/>
+              <a:buChar char=""/>
+              <a:defRPr sz="1800" kern="1200">
+                <a:solidFill>
+                  <a:schemeClr val="tx1"/>
+                </a:solidFill>
+                <a:latin typeface="+mn-lt"/>
+                <a:ea typeface="+mn-ea"/>
+                <a:cs typeface="+mn-cs"/>
+              </a:defRPr>
+            </a:lvl6pPr>
+            <a:lvl7pPr marL="1911096" indent="-228600" algn="l" rtl="0" eaLnBrk="1" latinLnBrk="0" hangingPunct="1">
+              <a:spcBef>
+                <a:spcPct val="20000"/>
+              </a:spcBef>
+              <a:buClr>
+                <a:schemeClr val="tx2"/>
+              </a:buClr>
+              <a:buFont typeface="Wingdings 2"/>
+              <a:buChar char=""/>
+              <a:defRPr sz="1600" kern="1200">
+                <a:solidFill>
+                  <a:schemeClr val="tx1"/>
+                </a:solidFill>
+                <a:latin typeface="+mn-lt"/>
+                <a:ea typeface="+mn-ea"/>
+                <a:cs typeface="+mn-cs"/>
+              </a:defRPr>
+            </a:lvl7pPr>
+            <a:lvl8pPr marL="2121408" indent="-182880" algn="l" rtl="0" eaLnBrk="1" latinLnBrk="0" hangingPunct="1">
+              <a:spcBef>
+                <a:spcPct val="20000"/>
+              </a:spcBef>
+              <a:buClr>
+                <a:schemeClr val="tx2"/>
+              </a:buClr>
+              <a:buFont typeface="Wingdings 2"/>
+              <a:buChar char=""/>
+              <a:defRPr sz="1400" kern="1200">
+                <a:solidFill>
+                  <a:schemeClr val="tx1"/>
+                </a:solidFill>
+                <a:latin typeface="+mn-lt"/>
+                <a:ea typeface="+mn-ea"/>
+                <a:cs typeface="+mn-cs"/>
+              </a:defRPr>
+            </a:lvl8pPr>
+            <a:lvl9pPr marL="2322576" indent="-182880" algn="l" rtl="0" eaLnBrk="1" latinLnBrk="0" hangingPunct="1">
+              <a:spcBef>
+                <a:spcPct val="20000"/>
+              </a:spcBef>
+              <a:buClr>
+                <a:schemeClr val="tx2"/>
+              </a:buClr>
+              <a:buFont typeface="Wingdings 2"/>
+              <a:buChar char=""/>
+              <a:defRPr sz="1400" kern="1200">
+                <a:solidFill>
+                  <a:schemeClr val="tx1"/>
+                </a:solidFill>
+                <a:latin typeface="+mn-lt"/>
+                <a:ea typeface="+mn-ea"/>
+                <a:cs typeface="+mn-cs"/>
+              </a:defRPr>
+            </a:lvl9pPr>
+          </a:lstStyle>
+          <a:p>
+            <a:r>
+              <a:rPr lang="en-US" dirty="0"/>
+              <a:t>Telerik Software Academy</a:t>
+            </a:r>
           </a:p>
         </p:txBody>
       </p:sp>
       <p:sp>
         <p:nvSpPr>
-          <p:cNvPr id="15" name="Text Placeholder 5"/>
+          <p:cNvPr id="20" name="Text Placeholder 7"/>
           <p:cNvSpPr>
             <a:spLocks noGrp="1"/>
           </p:cNvSpPr>
-          <p:nvPr>
-            <p:ph type="body" sz="quarter" idx="11"/>
-          </p:nvPr>
+          <p:nvPr/>
         </p:nvSpPr>
         <p:spPr>
           <a:xfrm>
-            <a:off x="457200" y="5955268"/>
-            <a:ext cx="3810000" cy="369332"/>
+            <a:off x="429087" y="6031468"/>
+            <a:ext cx="3990513" cy="369332"/>
           </a:xfrm>
+          <a:prstGeom prst="rect">
+            <a:avLst/>
+          </a:prstGeom>
+          <a:noFill/>
         </p:spPr>
         <p:txBody>
-          <a:bodyPr/>
-          <a:lstStyle/>
-          <a:p>
+          <a:bodyPr wrap="square" rtlCol="0">
+            <a:spAutoFit/>
+          </a:bodyPr>
+          <a:lstStyle>
+            <a:lvl1pPr marL="319088" indent="-319088" algn="l" rtl="0" eaLnBrk="0" fontAlgn="base" hangingPunct="0">
+              <a:spcBef>
+                <a:spcPct val="20000"/>
+              </a:spcBef>
+              <a:spcAft>
+                <a:spcPct val="0"/>
+              </a:spcAft>
+              <a:buClr>
+                <a:schemeClr val="accent5">
+                  <a:lumMod val="40000"/>
+                  <a:lumOff val="60000"/>
+                </a:schemeClr>
+              </a:buClr>
+              <a:buSzPct val="70000"/>
+              <a:buFont typeface="Wingdings 2" pitchFamily="18" charset="2"/>
+              <a:buNone/>
+              <a:defRPr lang="en-US" sz="1800" b="1" kern="1200" dirty="0">
+                <a:solidFill>
+                  <a:schemeClr val="tx2">
+                    <a:lumMod val="20000"/>
+                    <a:lumOff val="80000"/>
+                  </a:schemeClr>
+                </a:solidFill>
+                <a:effectLst>
+                  <a:outerShdw blurRad="38100" dist="38100" dir="2700000" algn="tl">
+                    <a:srgbClr val="000000">
+                      <a:alpha val="43137"/>
+                    </a:srgbClr>
+                  </a:outerShdw>
+                </a:effectLst>
+                <a:latin typeface="Corbel" pitchFamily="34" charset="0"/>
+                <a:ea typeface="+mn-ea"/>
+                <a:cs typeface="+mn-cs"/>
+              </a:defRPr>
+            </a:lvl1pPr>
+            <a:lvl2pPr marL="630238" indent="-273050" algn="l" rtl="0" eaLnBrk="0" fontAlgn="base" hangingPunct="0">
+              <a:spcBef>
+                <a:spcPct val="20000"/>
+              </a:spcBef>
+              <a:spcAft>
+                <a:spcPct val="0"/>
+              </a:spcAft>
+              <a:buClr>
+                <a:schemeClr val="accent2">
+                  <a:lumMod val="60000"/>
+                  <a:lumOff val="40000"/>
+                </a:schemeClr>
+              </a:buClr>
+              <a:buFont typeface="Wingdings 2" pitchFamily="18" charset="2"/>
+              <a:buChar char=""/>
+              <a:defRPr sz="3000" b="1" kern="1200">
+                <a:solidFill>
+                  <a:schemeClr val="tx1">
+                    <a:lumMod val="20000"/>
+                    <a:lumOff val="80000"/>
+                  </a:schemeClr>
+                </a:solidFill>
+                <a:effectLst>
+                  <a:outerShdw blurRad="38100" dist="38100" dir="2700000" algn="tl">
+                    <a:srgbClr val="000000">
+                      <a:alpha val="43137"/>
+                    </a:srgbClr>
+                  </a:outerShdw>
+                </a:effectLst>
+                <a:latin typeface="+mn-lt"/>
+                <a:ea typeface="+mn-ea"/>
+                <a:cs typeface="+mn-cs"/>
+              </a:defRPr>
+            </a:lvl2pPr>
+            <a:lvl3pPr marL="922338" indent="-273050" algn="l" rtl="0" eaLnBrk="0" fontAlgn="base" hangingPunct="0">
+              <a:spcBef>
+                <a:spcPct val="20000"/>
+              </a:spcBef>
+              <a:spcAft>
+                <a:spcPct val="0"/>
+              </a:spcAft>
+              <a:buClr>
+                <a:schemeClr val="tx1">
+                  <a:lumMod val="50000"/>
+                </a:schemeClr>
+              </a:buClr>
+              <a:buFont typeface="Wingdings 2" pitchFamily="18" charset="2"/>
+              <a:buChar char=""/>
+              <a:defRPr sz="2800" b="1" kern="1200">
+                <a:solidFill>
+                  <a:schemeClr val="tx1">
+                    <a:lumMod val="20000"/>
+                    <a:lumOff val="80000"/>
+                  </a:schemeClr>
+                </a:solidFill>
+                <a:effectLst>
+                  <a:outerShdw blurRad="38100" dist="38100" dir="2700000" algn="tl">
+                    <a:srgbClr val="000000">
+                      <a:alpha val="43137"/>
+                    </a:srgbClr>
+                  </a:outerShdw>
+                </a:effectLst>
+                <a:latin typeface="+mn-lt"/>
+                <a:ea typeface="+mn-ea"/>
+                <a:cs typeface="+mn-cs"/>
+              </a:defRPr>
+            </a:lvl3pPr>
+            <a:lvl4pPr marL="1187450" indent="-228600" algn="l" rtl="0" eaLnBrk="0" fontAlgn="base" hangingPunct="0">
+              <a:spcBef>
+                <a:spcPct val="20000"/>
+              </a:spcBef>
+              <a:spcAft>
+                <a:spcPct val="0"/>
+              </a:spcAft>
+              <a:buClr>
+                <a:srgbClr val="F8BD52"/>
+              </a:buClr>
+              <a:buFont typeface="Wingdings 2" pitchFamily="18" charset="2"/>
+              <a:buChar char=""/>
+              <a:defRPr sz="2600" b="1" kern="1200">
+                <a:solidFill>
+                  <a:schemeClr val="tx1">
+                    <a:lumMod val="20000"/>
+                    <a:lumOff val="80000"/>
+                  </a:schemeClr>
+                </a:solidFill>
+                <a:effectLst>
+                  <a:outerShdw blurRad="38100" dist="38100" dir="2700000" algn="tl">
+                    <a:srgbClr val="000000">
+                      <a:alpha val="43137"/>
+                    </a:srgbClr>
+                  </a:outerShdw>
+                </a:effectLst>
+                <a:latin typeface="+mn-lt"/>
+                <a:ea typeface="+mn-ea"/>
+                <a:cs typeface="+mn-cs"/>
+              </a:defRPr>
+            </a:lvl4pPr>
+            <a:lvl5pPr marL="1425575" indent="-228600" algn="l" rtl="0" eaLnBrk="0" fontAlgn="base" hangingPunct="0">
+              <a:spcBef>
+                <a:spcPct val="20000"/>
+              </a:spcBef>
+              <a:spcAft>
+                <a:spcPct val="0"/>
+              </a:spcAft>
+              <a:buClr>
+                <a:srgbClr val="46A6BD"/>
+              </a:buClr>
+              <a:buFont typeface="Wingdings 2" pitchFamily="18" charset="2"/>
+              <a:buChar char=""/>
+              <a:defRPr sz="2400" b="1" kern="1200">
+                <a:solidFill>
+                  <a:schemeClr val="tx1">
+                    <a:lumMod val="20000"/>
+                    <a:lumOff val="80000"/>
+                  </a:schemeClr>
+                </a:solidFill>
+                <a:effectLst>
+                  <a:outerShdw blurRad="38100" dist="38100" dir="2700000" algn="tl">
+                    <a:srgbClr val="000000">
+                      <a:alpha val="43137"/>
+                    </a:srgbClr>
+                  </a:outerShdw>
+                </a:effectLst>
+                <a:latin typeface="+mn-lt"/>
+                <a:ea typeface="+mn-ea"/>
+                <a:cs typeface="+mn-cs"/>
+              </a:defRPr>
+            </a:lvl5pPr>
+            <a:lvl6pPr marL="1673352" indent="-228600" algn="l" rtl="0" eaLnBrk="1" latinLnBrk="0" hangingPunct="1">
+              <a:spcBef>
+                <a:spcPct val="20000"/>
+              </a:spcBef>
+              <a:buClr>
+                <a:schemeClr val="accent6"/>
+              </a:buClr>
+              <a:buFont typeface="Wingdings 2"/>
+              <a:buChar char=""/>
+              <a:defRPr sz="1800" kern="1200">
+                <a:solidFill>
+                  <a:schemeClr val="tx1"/>
+                </a:solidFill>
+                <a:latin typeface="+mn-lt"/>
+                <a:ea typeface="+mn-ea"/>
+                <a:cs typeface="+mn-cs"/>
+              </a:defRPr>
+            </a:lvl6pPr>
+            <a:lvl7pPr marL="1911096" indent="-228600" algn="l" rtl="0" eaLnBrk="1" latinLnBrk="0" hangingPunct="1">
+              <a:spcBef>
+                <a:spcPct val="20000"/>
+              </a:spcBef>
+              <a:buClr>
+                <a:schemeClr val="tx2"/>
+              </a:buClr>
+              <a:buFont typeface="Wingdings 2"/>
+              <a:buChar char=""/>
+              <a:defRPr sz="1600" kern="1200">
+                <a:solidFill>
+                  <a:schemeClr val="tx1"/>
+                </a:solidFill>
+                <a:latin typeface="+mn-lt"/>
+                <a:ea typeface="+mn-ea"/>
+                <a:cs typeface="+mn-cs"/>
+              </a:defRPr>
+            </a:lvl7pPr>
+            <a:lvl8pPr marL="2121408" indent="-182880" algn="l" rtl="0" eaLnBrk="1" latinLnBrk="0" hangingPunct="1">
+              <a:spcBef>
+                <a:spcPct val="20000"/>
+              </a:spcBef>
+              <a:buClr>
+                <a:schemeClr val="tx2"/>
+              </a:buClr>
+              <a:buFont typeface="Wingdings 2"/>
+              <a:buChar char=""/>
+              <a:defRPr sz="1400" kern="1200">
+                <a:solidFill>
+                  <a:schemeClr val="tx1"/>
+                </a:solidFill>
+                <a:latin typeface="+mn-lt"/>
+                <a:ea typeface="+mn-ea"/>
+                <a:cs typeface="+mn-cs"/>
+              </a:defRPr>
+            </a:lvl8pPr>
+            <a:lvl9pPr marL="2322576" indent="-182880" algn="l" rtl="0" eaLnBrk="1" latinLnBrk="0" hangingPunct="1">
+              <a:spcBef>
+                <a:spcPct val="20000"/>
+              </a:spcBef>
+              <a:buClr>
+                <a:schemeClr val="tx2"/>
+              </a:buClr>
+              <a:buFont typeface="Wingdings 2"/>
+              <a:buChar char=""/>
+              <a:defRPr sz="1400" kern="1200">
+                <a:solidFill>
+                  <a:schemeClr val="tx1"/>
+                </a:solidFill>
+                <a:latin typeface="+mn-lt"/>
+                <a:ea typeface="+mn-ea"/>
+                <a:cs typeface="+mn-cs"/>
+              </a:defRPr>
+            </a:lvl9pPr>
+          </a:lstStyle>
+          <a:p>
+            <a:r>
+              <a:rPr lang="en-US" dirty="0" smtClean="0">
+                <a:hlinkClick r:id="rId6"/>
+              </a:rPr>
+              <a:t>http://academy.telerik.com</a:t>
+            </a:r>
             <a:r>
               <a:rPr lang="en-US" dirty="0" smtClean="0"/>
-              <a:t>Telerik Software Academy</a:t>
+              <a:t> </a:t>
             </a:r>
             <a:endParaRPr lang="en-US" dirty="0"/>
           </a:p>
@@ -6621,97 +7574,269 @@
       </p:sp>
       <p:sp>
         <p:nvSpPr>
-          <p:cNvPr id="16" name="Text Placeholder 6"/>
+          <p:cNvPr id="21" name="Text Placeholder 13"/>
           <p:cNvSpPr>
             <a:spLocks noGrp="1"/>
           </p:cNvSpPr>
-          <p:nvPr>
-            <p:ph type="body" sz="quarter" idx="12"/>
-          </p:nvPr>
+          <p:nvPr/>
         </p:nvSpPr>
         <p:spPr>
           <a:xfrm>
-            <a:off x="457200" y="6214646"/>
-            <a:ext cx="3810000" cy="338554"/>
+            <a:off x="429087" y="5352025"/>
+            <a:ext cx="3990513" cy="461665"/>
           </a:xfrm>
+          <a:prstGeom prst="rect">
+            <a:avLst/>
+          </a:prstGeom>
+          <a:noFill/>
         </p:spPr>
         <p:txBody>
-          <a:bodyPr/>
-          <a:lstStyle/>
-          <a:p>
-            <a:r>
-              <a:rPr lang="en-US" dirty="0" smtClean="0">
-                <a:hlinkClick r:id="rId6"/>
-              </a:rPr>
-              <a:t>academy.telerik.com</a:t>
+          <a:bodyPr wrap="square" rtlCol="0">
+            <a:spAutoFit/>
+          </a:bodyPr>
+          <a:lstStyle>
+            <a:lvl1pPr marL="0" indent="0" algn="l" rtl="0" eaLnBrk="0" fontAlgn="base" hangingPunct="0">
+              <a:spcBef>
+                <a:spcPct val="20000"/>
+              </a:spcBef>
+              <a:spcAft>
+                <a:spcPct val="0"/>
+              </a:spcAft>
+              <a:buClr>
+                <a:schemeClr val="accent5">
+                  <a:lumMod val="40000"/>
+                  <a:lumOff val="60000"/>
+                </a:schemeClr>
+              </a:buClr>
+              <a:buSzPct val="70000"/>
+              <a:buFont typeface="Wingdings 2" pitchFamily="18" charset="2"/>
+              <a:buNone/>
+              <a:defRPr lang="en-US" sz="2400" b="1" kern="1200" dirty="0">
+                <a:solidFill>
+                  <a:schemeClr val="tx2">
+                    <a:lumMod val="50000"/>
+                  </a:schemeClr>
+                </a:solidFill>
+                <a:effectLst>
+                  <a:outerShdw blurRad="38100" dist="38100" dir="2700000" algn="tl">
+                    <a:srgbClr val="000000">
+                      <a:alpha val="43137"/>
+                    </a:srgbClr>
+                  </a:outerShdw>
+                </a:effectLst>
+                <a:latin typeface="Corbel" pitchFamily="34" charset="0"/>
+                <a:ea typeface="+mn-ea"/>
+                <a:cs typeface="+mn-cs"/>
+              </a:defRPr>
+            </a:lvl1pPr>
+            <a:lvl2pPr marL="630238" indent="-273050" algn="l" rtl="0" eaLnBrk="0" fontAlgn="base" hangingPunct="0">
+              <a:spcBef>
+                <a:spcPct val="20000"/>
+              </a:spcBef>
+              <a:spcAft>
+                <a:spcPct val="0"/>
+              </a:spcAft>
+              <a:buClr>
+                <a:schemeClr val="accent2">
+                  <a:lumMod val="60000"/>
+                  <a:lumOff val="40000"/>
+                </a:schemeClr>
+              </a:buClr>
+              <a:buFont typeface="Wingdings 2" pitchFamily="18" charset="2"/>
+              <a:buChar char=""/>
+              <a:defRPr sz="3000" b="1" kern="1200">
+                <a:solidFill>
+                  <a:schemeClr val="tx1">
+                    <a:lumMod val="20000"/>
+                    <a:lumOff val="80000"/>
+                  </a:schemeClr>
+                </a:solidFill>
+                <a:effectLst>
+                  <a:outerShdw blurRad="38100" dist="38100" dir="2700000" algn="tl">
+                    <a:srgbClr val="000000">
+                      <a:alpha val="43137"/>
+                    </a:srgbClr>
+                  </a:outerShdw>
+                </a:effectLst>
+                <a:latin typeface="+mn-lt"/>
+                <a:ea typeface="+mn-ea"/>
+                <a:cs typeface="+mn-cs"/>
+              </a:defRPr>
+            </a:lvl2pPr>
+            <a:lvl3pPr marL="922338" indent="-273050" algn="l" rtl="0" eaLnBrk="0" fontAlgn="base" hangingPunct="0">
+              <a:spcBef>
+                <a:spcPct val="20000"/>
+              </a:spcBef>
+              <a:spcAft>
+                <a:spcPct val="0"/>
+              </a:spcAft>
+              <a:buClr>
+                <a:schemeClr val="tx1">
+                  <a:lumMod val="50000"/>
+                </a:schemeClr>
+              </a:buClr>
+              <a:buFont typeface="Wingdings 2" pitchFamily="18" charset="2"/>
+              <a:buChar char=""/>
+              <a:defRPr sz="2800" b="1" kern="1200">
+                <a:solidFill>
+                  <a:schemeClr val="tx1">
+                    <a:lumMod val="20000"/>
+                    <a:lumOff val="80000"/>
+                  </a:schemeClr>
+                </a:solidFill>
+                <a:effectLst>
+                  <a:outerShdw blurRad="38100" dist="38100" dir="2700000" algn="tl">
+                    <a:srgbClr val="000000">
+                      <a:alpha val="43137"/>
+                    </a:srgbClr>
+                  </a:outerShdw>
+                </a:effectLst>
+                <a:latin typeface="+mn-lt"/>
+                <a:ea typeface="+mn-ea"/>
+                <a:cs typeface="+mn-cs"/>
+              </a:defRPr>
+            </a:lvl3pPr>
+            <a:lvl4pPr marL="1187450" indent="-228600" algn="l" rtl="0" eaLnBrk="0" fontAlgn="base" hangingPunct="0">
+              <a:spcBef>
+                <a:spcPct val="20000"/>
+              </a:spcBef>
+              <a:spcAft>
+                <a:spcPct val="0"/>
+              </a:spcAft>
+              <a:buClr>
+                <a:srgbClr val="F8BD52"/>
+              </a:buClr>
+              <a:buFont typeface="Wingdings 2" pitchFamily="18" charset="2"/>
+              <a:buChar char=""/>
+              <a:defRPr sz="2600" b="1" kern="1200">
+                <a:solidFill>
+                  <a:schemeClr val="tx1">
+                    <a:lumMod val="20000"/>
+                    <a:lumOff val="80000"/>
+                  </a:schemeClr>
+                </a:solidFill>
+                <a:effectLst>
+                  <a:outerShdw blurRad="38100" dist="38100" dir="2700000" algn="tl">
+                    <a:srgbClr val="000000">
+                      <a:alpha val="43137"/>
+                    </a:srgbClr>
+                  </a:outerShdw>
+                </a:effectLst>
+                <a:latin typeface="+mn-lt"/>
+                <a:ea typeface="+mn-ea"/>
+                <a:cs typeface="+mn-cs"/>
+              </a:defRPr>
+            </a:lvl4pPr>
+            <a:lvl5pPr marL="1425575" indent="-228600" algn="l" rtl="0" eaLnBrk="0" fontAlgn="base" hangingPunct="0">
+              <a:spcBef>
+                <a:spcPct val="20000"/>
+              </a:spcBef>
+              <a:spcAft>
+                <a:spcPct val="0"/>
+              </a:spcAft>
+              <a:buClr>
+                <a:srgbClr val="46A6BD"/>
+              </a:buClr>
+              <a:buFont typeface="Wingdings 2" pitchFamily="18" charset="2"/>
+              <a:buChar char=""/>
+              <a:defRPr sz="2400" b="1" kern="1200">
+                <a:solidFill>
+                  <a:schemeClr val="tx1">
+                    <a:lumMod val="20000"/>
+                    <a:lumOff val="80000"/>
+                  </a:schemeClr>
+                </a:solidFill>
+                <a:effectLst>
+                  <a:outerShdw blurRad="38100" dist="38100" dir="2700000" algn="tl">
+                    <a:srgbClr val="000000">
+                      <a:alpha val="43137"/>
+                    </a:srgbClr>
+                  </a:outerShdw>
+                </a:effectLst>
+                <a:latin typeface="+mn-lt"/>
+                <a:ea typeface="+mn-ea"/>
+                <a:cs typeface="+mn-cs"/>
+              </a:defRPr>
+            </a:lvl5pPr>
+            <a:lvl6pPr marL="1673352" indent="-228600" algn="l" rtl="0" eaLnBrk="1" latinLnBrk="0" hangingPunct="1">
+              <a:spcBef>
+                <a:spcPct val="20000"/>
+              </a:spcBef>
+              <a:buClr>
+                <a:schemeClr val="accent6"/>
+              </a:buClr>
+              <a:buFont typeface="Wingdings 2"/>
+              <a:buChar char=""/>
+              <a:defRPr sz="1800" kern="1200">
+                <a:solidFill>
+                  <a:schemeClr val="tx1"/>
+                </a:solidFill>
+                <a:latin typeface="+mn-lt"/>
+                <a:ea typeface="+mn-ea"/>
+                <a:cs typeface="+mn-cs"/>
+              </a:defRPr>
+            </a:lvl6pPr>
+            <a:lvl7pPr marL="1911096" indent="-228600" algn="l" rtl="0" eaLnBrk="1" latinLnBrk="0" hangingPunct="1">
+              <a:spcBef>
+                <a:spcPct val="20000"/>
+              </a:spcBef>
+              <a:buClr>
+                <a:schemeClr val="tx2"/>
+              </a:buClr>
+              <a:buFont typeface="Wingdings 2"/>
+              <a:buChar char=""/>
+              <a:defRPr sz="1600" kern="1200">
+                <a:solidFill>
+                  <a:schemeClr val="tx1"/>
+                </a:solidFill>
+                <a:latin typeface="+mn-lt"/>
+                <a:ea typeface="+mn-ea"/>
+                <a:cs typeface="+mn-cs"/>
+              </a:defRPr>
+            </a:lvl7pPr>
+            <a:lvl8pPr marL="2121408" indent="-182880" algn="l" rtl="0" eaLnBrk="1" latinLnBrk="0" hangingPunct="1">
+              <a:spcBef>
+                <a:spcPct val="20000"/>
+              </a:spcBef>
+              <a:buClr>
+                <a:schemeClr val="tx2"/>
+              </a:buClr>
+              <a:buFont typeface="Wingdings 2"/>
+              <a:buChar char=""/>
+              <a:defRPr sz="1400" kern="1200">
+                <a:solidFill>
+                  <a:schemeClr val="tx1"/>
+                </a:solidFill>
+                <a:latin typeface="+mn-lt"/>
+                <a:ea typeface="+mn-ea"/>
+                <a:cs typeface="+mn-cs"/>
+              </a:defRPr>
+            </a:lvl8pPr>
+            <a:lvl9pPr marL="2322576" indent="-182880" algn="l" rtl="0" eaLnBrk="1" latinLnBrk="0" hangingPunct="1">
+              <a:spcBef>
+                <a:spcPct val="20000"/>
+              </a:spcBef>
+              <a:buClr>
+                <a:schemeClr val="tx2"/>
+              </a:buClr>
+              <a:buFont typeface="Wingdings 2"/>
+              <a:buChar char=""/>
+              <a:defRPr sz="1400" kern="1200">
+                <a:solidFill>
+                  <a:schemeClr val="tx1"/>
+                </a:solidFill>
+                <a:latin typeface="+mn-lt"/>
+                <a:ea typeface="+mn-ea"/>
+                <a:cs typeface="+mn-cs"/>
+              </a:defRPr>
+            </a:lvl9pPr>
+          </a:lstStyle>
+          <a:p>
+            <a:r>
+              <a:rPr lang="en-US" dirty="0" smtClean="0"/>
+              <a:t>ASP.NET MVC</a:t>
             </a:r>
             <a:endParaRPr lang="en-US" dirty="0"/>
-          </a:p>
-        </p:txBody>
-      </p:sp>
-      <p:sp>
-        <p:nvSpPr>
-          <p:cNvPr id="17" name="Text Placeholder 3"/>
-          <p:cNvSpPr>
-            <a:spLocks noGrp="1"/>
-          </p:cNvSpPr>
-          <p:nvPr>
-            <p:ph type="body" sz="quarter" idx="13"/>
-          </p:nvPr>
-        </p:nvSpPr>
-        <p:spPr>
-          <a:xfrm>
-            <a:off x="431800" y="4914781"/>
-            <a:ext cx="3555998" cy="800219"/>
-          </a:xfrm>
-        </p:spPr>
-        <p:txBody>
-          <a:bodyPr/>
-          <a:lstStyle/>
-          <a:p>
-            <a:pPr marL="0" indent="0"/>
-            <a:r>
-              <a:rPr lang="en-US" dirty="0" smtClean="0"/>
-              <a:t>Team Lead, Senior</a:t>
-            </a:r>
-            <a:br>
-              <a:rPr lang="en-US" dirty="0" smtClean="0"/>
-            </a:br>
-            <a:r>
-              <a:rPr lang="en-US" dirty="0" smtClean="0"/>
-              <a:t>Developer and Trainer</a:t>
-            </a:r>
-            <a:endParaRPr lang="en-US" dirty="0"/>
-          </a:p>
-        </p:txBody>
-      </p:sp>
-      <p:sp>
-        <p:nvSpPr>
-          <p:cNvPr id="18" name="Text Placeholder 5"/>
-          <p:cNvSpPr>
-            <a:spLocks noGrp="1"/>
-          </p:cNvSpPr>
-          <p:nvPr>
-            <p:ph type="body" sz="quarter" idx="14"/>
-          </p:nvPr>
-        </p:nvSpPr>
-        <p:spPr>
-          <a:xfrm>
-            <a:off x="457200" y="5650468"/>
-            <a:ext cx="3810000" cy="369332"/>
-          </a:xfrm>
-        </p:spPr>
-        <p:txBody>
-          <a:bodyPr/>
-          <a:lstStyle/>
-          <a:p>
-            <a:r>
-              <a:rPr lang="en-US" sz="1800" dirty="0" smtClean="0">
-                <a:hlinkClick r:id="rId7"/>
-              </a:rPr>
-              <a:t>http://Nikolay.IT</a:t>
-            </a:r>
-            <a:endParaRPr lang="en-US" sz="1800" dirty="0"/>
           </a:p>
         </p:txBody>
       </p:sp>
@@ -6768,10 +7893,10 @@
           <a:lstStyle/>
           <a:p>
             <a:r>
-              <a:rPr lang="en-US" dirty="0"/>
-              <a:t>Validation with Annotations </a:t>
-            </a:r>
-            <a:endParaRPr lang="en-US" b="0" dirty="0"/>
+              <a:rPr lang="en-US" dirty="0" smtClean="0"/>
+              <a:t>Model Binders</a:t>
+            </a:r>
+            <a:endParaRPr lang="en-US" dirty="0"/>
           </a:p>
         </p:txBody>
       </p:sp>
@@ -6792,83 +7917,97 @@
           <a:p>
             <a:r>
               <a:rPr lang="en-US" dirty="0" smtClean="0"/>
-              <a:t>Attributes </a:t>
-            </a:r>
-            <a:r>
-              <a:rPr lang="en-US" dirty="0"/>
-              <a:t>defined in </a:t>
-            </a:r>
-            <a:r>
-              <a:rPr lang="en-US" dirty="0" err="1">
-                <a:solidFill>
-                  <a:schemeClr val="accent6">
+              <a:t>Nested Objects binding</a:t>
+            </a:r>
+          </a:p>
+          <a:p>
+            <a:pPr lvl="1"/>
+            <a:r>
+              <a:rPr lang="en-US" dirty="0" smtClean="0"/>
+              <a:t>Use name attributes as following </a:t>
+            </a:r>
+            <a:r>
+              <a:rPr lang="en-US" dirty="0" smtClean="0">
+                <a:solidFill>
+                  <a:schemeClr val="accent5">
                     <a:lumMod val="20000"/>
                     <a:lumOff val="80000"/>
                   </a:schemeClr>
                 </a:solidFill>
               </a:rPr>
-              <a:t>System.ComponentModel.DataAnnotations</a:t>
-            </a:r>
-            <a:r>
-              <a:rPr lang="en-US" dirty="0"/>
-              <a:t> </a:t>
-            </a:r>
-            <a:endParaRPr lang="en-US" dirty="0" smtClean="0"/>
-          </a:p>
-          <a:p>
+              <a:t>"{</a:t>
+            </a:r>
+            <a:r>
+              <a:rPr lang="en-US" dirty="0" err="1" smtClean="0">
+                <a:solidFill>
+                  <a:schemeClr val="accent5">
+                    <a:lumMod val="20000"/>
+                    <a:lumOff val="80000"/>
+                  </a:schemeClr>
+                </a:solidFill>
+              </a:rPr>
+              <a:t>obj</a:t>
+            </a:r>
+            <a:r>
+              <a:rPr lang="en-US" dirty="0" smtClean="0">
+                <a:solidFill>
+                  <a:schemeClr val="accent5">
+                    <a:lumMod val="20000"/>
+                    <a:lumOff val="80000"/>
+                  </a:schemeClr>
+                </a:solidFill>
+              </a:rPr>
+              <a:t>}.{</a:t>
+            </a:r>
+            <a:r>
+              <a:rPr lang="en-US" dirty="0" err="1" smtClean="0">
+                <a:solidFill>
+                  <a:schemeClr val="accent5">
+                    <a:lumMod val="20000"/>
+                    <a:lumOff val="80000"/>
+                  </a:schemeClr>
+                </a:solidFill>
+              </a:rPr>
+              <a:t>nestedObj</a:t>
+            </a:r>
+            <a:r>
+              <a:rPr lang="en-US" dirty="0" smtClean="0">
+                <a:solidFill>
+                  <a:schemeClr val="accent5">
+                    <a:lumMod val="20000"/>
+                    <a:lumOff val="80000"/>
+                  </a:schemeClr>
+                </a:solidFill>
+              </a:rPr>
+              <a:t>}</a:t>
+            </a:r>
             <a:r>
               <a:rPr lang="en-US" dirty="0" smtClean="0"/>
-              <a:t>Covers </a:t>
-            </a:r>
-            <a:r>
-              <a:rPr lang="en-US" dirty="0"/>
-              <a:t>common validation </a:t>
-            </a:r>
-            <a:r>
-              <a:rPr lang="en-US" dirty="0" smtClean="0"/>
-              <a:t>patterns</a:t>
-            </a:r>
+              <a:t>" or use </a:t>
+            </a:r>
+            <a:r>
+              <a:rPr lang="en-US" dirty="0" err="1" smtClean="0">
+                <a:solidFill>
+                  <a:schemeClr val="accent5">
+                    <a:lumMod val="20000"/>
+                    <a:lumOff val="80000"/>
+                  </a:schemeClr>
+                </a:solidFill>
+              </a:rPr>
+              <a:t>EditorFor</a:t>
+            </a:r>
+            <a:endParaRPr lang="en-US" dirty="0" smtClean="0">
+              <a:solidFill>
+                <a:schemeClr val="accent5">
+                  <a:lumMod val="20000"/>
+                  <a:lumOff val="80000"/>
+                </a:schemeClr>
+              </a:solidFill>
+            </a:endParaRPr>
           </a:p>
           <a:p>
             <a:pPr lvl="1"/>
-            <a:r>
-              <a:rPr lang="en-US" dirty="0"/>
-              <a:t>Required</a:t>
-            </a:r>
-          </a:p>
-          <a:p>
-            <a:pPr lvl="1"/>
-            <a:r>
-              <a:rPr lang="en-US" dirty="0" err="1"/>
-              <a:t>StringLength</a:t>
-            </a:r>
             <a:endParaRPr lang="en-US" dirty="0"/>
-          </a:p>
-          <a:p>
-            <a:pPr lvl="1"/>
-            <a:r>
-              <a:rPr lang="en-US" dirty="0"/>
-              <a:t>Regex</a:t>
-            </a:r>
-          </a:p>
-          <a:p>
-            <a:pPr lvl="1"/>
-            <a:r>
-              <a:rPr lang="en-US" dirty="0"/>
-              <a:t>Range</a:t>
-            </a:r>
-          </a:p>
-          <a:p>
-            <a:endParaRPr lang="en-US" b="0" dirty="0"/>
-          </a:p>
-          <a:p>
-            <a:endParaRPr lang="en-US" b="0" dirty="0"/>
-          </a:p>
-          <a:p>
-            <a:endParaRPr lang="en-US" b="0" dirty="0"/>
-          </a:p>
-          <a:p>
-            <a:endParaRPr lang="en-US" dirty="0" smtClean="0"/>
           </a:p>
         </p:txBody>
       </p:sp>
@@ -6896,6 +8035,3926 @@
                 <a:defRPr/>
               </a:pPr>
               <a:t>10</a:t>
+            </a:fld>
+            <a:endParaRPr lang="en-US" dirty="0"/>
+          </a:p>
+        </p:txBody>
+      </p:sp>
+      <p:pic>
+        <p:nvPicPr>
+          <p:cNvPr id="3074" name="Picture 2"/>
+          <p:cNvPicPr>
+            <a:picLocks noChangeAspect="1" noChangeArrowheads="1"/>
+          </p:cNvPicPr>
+          <p:nvPr/>
+        </p:nvPicPr>
+        <p:blipFill>
+          <a:blip r:embed="rId2">
+            <a:extLst>
+              <a:ext uri="{28A0092B-C50C-407E-A947-70E740481C1C}">
+                <a14:useLocalDpi xmlns:a14="http://schemas.microsoft.com/office/drawing/2010/main" val="0"/>
+              </a:ext>
+            </a:extLst>
+          </a:blip>
+          <a:srcRect/>
+          <a:stretch>
+            <a:fillRect/>
+          </a:stretch>
+        </p:blipFill>
+        <p:spPr bwMode="auto">
+          <a:xfrm>
+            <a:off x="5791200" y="3675529"/>
+            <a:ext cx="2819400" cy="1990725"/>
+          </a:xfrm>
+          <a:prstGeom prst="rect">
+            <a:avLst/>
+          </a:prstGeom>
+          <a:noFill/>
+          <a:ln>
+            <a:noFill/>
+          </a:ln>
+          <a:extLst>
+            <a:ext uri="{909E8E84-426E-40DD-AFC4-6F175D3DCCD1}">
+              <a14:hiddenFill xmlns:a14="http://schemas.microsoft.com/office/drawing/2010/main">
+                <a:solidFill>
+                  <a:schemeClr val="accent1"/>
+                </a:solidFill>
+              </a14:hiddenFill>
+            </a:ext>
+            <a:ext uri="{91240B29-F687-4F45-9708-019B960494DF}">
+              <a14:hiddenLine xmlns:a14="http://schemas.microsoft.com/office/drawing/2010/main" w="9525">
+                <a:solidFill>
+                  <a:schemeClr val="tx1"/>
+                </a:solidFill>
+                <a:miter lim="800000"/>
+                <a:headEnd/>
+                <a:tailEnd/>
+              </a14:hiddenLine>
+            </a:ext>
+          </a:extLst>
+        </p:spPr>
+      </p:pic>
+      <p:pic>
+        <p:nvPicPr>
+          <p:cNvPr id="3075" name="Picture 3"/>
+          <p:cNvPicPr>
+            <a:picLocks noChangeAspect="1" noChangeArrowheads="1"/>
+          </p:cNvPicPr>
+          <p:nvPr/>
+        </p:nvPicPr>
+        <p:blipFill>
+          <a:blip r:embed="rId3">
+            <a:extLst>
+              <a:ext uri="{28A0092B-C50C-407E-A947-70E740481C1C}">
+                <a14:useLocalDpi xmlns:a14="http://schemas.microsoft.com/office/drawing/2010/main" val="0"/>
+              </a:ext>
+            </a:extLst>
+          </a:blip>
+          <a:srcRect/>
+          <a:stretch>
+            <a:fillRect/>
+          </a:stretch>
+        </p:blipFill>
+        <p:spPr bwMode="auto">
+          <a:xfrm>
+            <a:off x="761998" y="3581400"/>
+            <a:ext cx="4279392" cy="609600"/>
+          </a:xfrm>
+          <a:prstGeom prst="rect">
+            <a:avLst/>
+          </a:prstGeom>
+          <a:noFill/>
+          <a:ln>
+            <a:noFill/>
+          </a:ln>
+          <a:extLst>
+            <a:ext uri="{909E8E84-426E-40DD-AFC4-6F175D3DCCD1}">
+              <a14:hiddenFill xmlns:a14="http://schemas.microsoft.com/office/drawing/2010/main">
+                <a:solidFill>
+                  <a:schemeClr val="accent1"/>
+                </a:solidFill>
+              </a14:hiddenFill>
+            </a:ext>
+            <a:ext uri="{91240B29-F687-4F45-9708-019B960494DF}">
+              <a14:hiddenLine xmlns:a14="http://schemas.microsoft.com/office/drawing/2010/main" w="9525">
+                <a:solidFill>
+                  <a:schemeClr val="tx1"/>
+                </a:solidFill>
+                <a:miter lim="800000"/>
+                <a:headEnd/>
+                <a:tailEnd/>
+              </a14:hiddenLine>
+            </a:ext>
+          </a:extLst>
+        </p:spPr>
+      </p:pic>
+      <p:pic>
+        <p:nvPicPr>
+          <p:cNvPr id="3076" name="Picture 4"/>
+          <p:cNvPicPr>
+            <a:picLocks noChangeAspect="1" noChangeArrowheads="1"/>
+          </p:cNvPicPr>
+          <p:nvPr/>
+        </p:nvPicPr>
+        <p:blipFill>
+          <a:blip r:embed="rId4">
+            <a:extLst>
+              <a:ext uri="{28A0092B-C50C-407E-A947-70E740481C1C}">
+                <a14:useLocalDpi xmlns:a14="http://schemas.microsoft.com/office/drawing/2010/main" val="0"/>
+              </a:ext>
+            </a:extLst>
+          </a:blip>
+          <a:srcRect/>
+          <a:stretch>
+            <a:fillRect/>
+          </a:stretch>
+        </p:blipFill>
+        <p:spPr bwMode="auto">
+          <a:xfrm>
+            <a:off x="1295400" y="2891116"/>
+            <a:ext cx="6000750" cy="228600"/>
+          </a:xfrm>
+          <a:prstGeom prst="rect">
+            <a:avLst/>
+          </a:prstGeom>
+          <a:noFill/>
+          <a:ln>
+            <a:noFill/>
+          </a:ln>
+          <a:extLst>
+            <a:ext uri="{909E8E84-426E-40DD-AFC4-6F175D3DCCD1}">
+              <a14:hiddenFill xmlns:a14="http://schemas.microsoft.com/office/drawing/2010/main">
+                <a:solidFill>
+                  <a:schemeClr val="accent1"/>
+                </a:solidFill>
+              </a14:hiddenFill>
+            </a:ext>
+            <a:ext uri="{91240B29-F687-4F45-9708-019B960494DF}">
+              <a14:hiddenLine xmlns:a14="http://schemas.microsoft.com/office/drawing/2010/main" w="9525">
+                <a:solidFill>
+                  <a:schemeClr val="tx1"/>
+                </a:solidFill>
+                <a:miter lim="800000"/>
+                <a:headEnd/>
+                <a:tailEnd/>
+              </a14:hiddenLine>
+            </a:ext>
+          </a:extLst>
+        </p:spPr>
+      </p:pic>
+      <p:pic>
+        <p:nvPicPr>
+          <p:cNvPr id="3077" name="Picture 5"/>
+          <p:cNvPicPr>
+            <a:picLocks noChangeAspect="1" noChangeArrowheads="1"/>
+          </p:cNvPicPr>
+          <p:nvPr/>
+        </p:nvPicPr>
+        <p:blipFill>
+          <a:blip r:embed="rId5">
+            <a:extLst>
+              <a:ext uri="{28A0092B-C50C-407E-A947-70E740481C1C}">
+                <a14:useLocalDpi xmlns:a14="http://schemas.microsoft.com/office/drawing/2010/main" val="0"/>
+              </a:ext>
+            </a:extLst>
+          </a:blip>
+          <a:srcRect/>
+          <a:stretch>
+            <a:fillRect/>
+          </a:stretch>
+        </p:blipFill>
+        <p:spPr bwMode="auto">
+          <a:xfrm>
+            <a:off x="450106" y="4876800"/>
+            <a:ext cx="4903177" cy="1066800"/>
+          </a:xfrm>
+          <a:prstGeom prst="rect">
+            <a:avLst/>
+          </a:prstGeom>
+          <a:noFill/>
+          <a:ln>
+            <a:noFill/>
+          </a:ln>
+          <a:extLst>
+            <a:ext uri="{909E8E84-426E-40DD-AFC4-6F175D3DCCD1}">
+              <a14:hiddenFill xmlns:a14="http://schemas.microsoft.com/office/drawing/2010/main">
+                <a:solidFill>
+                  <a:schemeClr val="accent1"/>
+                </a:solidFill>
+              </a14:hiddenFill>
+            </a:ext>
+            <a:ext uri="{91240B29-F687-4F45-9708-019B960494DF}">
+              <a14:hiddenLine xmlns:a14="http://schemas.microsoft.com/office/drawing/2010/main" w="9525">
+                <a:solidFill>
+                  <a:schemeClr val="tx1"/>
+                </a:solidFill>
+                <a:miter lim="800000"/>
+                <a:headEnd/>
+                <a:tailEnd/>
+              </a14:hiddenLine>
+            </a:ext>
+          </a:extLst>
+        </p:spPr>
+      </p:pic>
+    </p:spTree>
+    <p:extLst>
+      <p:ext uri="{BB962C8B-B14F-4D97-AF65-F5344CB8AC3E}">
+        <p14:creationId xmlns:p14="http://schemas.microsoft.com/office/powerpoint/2010/main" val="2752695480"/>
+      </p:ext>
+    </p:extLst>
+  </p:cSld>
+  <p:clrMapOvr>
+    <a:masterClrMapping/>
+  </p:clrMapOvr>
+  <p:timing>
+    <p:tnLst>
+      <p:par>
+        <p:cTn id="1" dur="indefinite" restart="never" nodeType="tmRoot"/>
+      </p:par>
+    </p:tnLst>
+  </p:timing>
+</p:sld>
+</file>
+
+<file path=ppt/slides/slide11.xml><?xml version="1.0" encoding="utf-8"?>
+<p:sld xmlns:a="http://schemas.openxmlformats.org/drawingml/2006/main" xmlns:r="http://schemas.openxmlformats.org/officeDocument/2006/relationships" xmlns:p="http://schemas.openxmlformats.org/presentationml/2006/main">
+  <p:cSld>
+    <p:spTree>
+      <p:nvGrpSpPr>
+        <p:cNvPr id="1" name=""/>
+        <p:cNvGrpSpPr/>
+        <p:nvPr/>
+      </p:nvGrpSpPr>
+      <p:grpSpPr>
+        <a:xfrm>
+          <a:off x="0" y="0"/>
+          <a:ext cx="0" cy="0"/>
+          <a:chOff x="0" y="0"/>
+          <a:chExt cx="0" cy="0"/>
+        </a:xfrm>
+      </p:grpSpPr>
+      <p:sp>
+        <p:nvSpPr>
+          <p:cNvPr id="2" name="Title 1"/>
+          <p:cNvSpPr>
+            <a:spLocks noGrp="1"/>
+          </p:cNvSpPr>
+          <p:nvPr>
+            <p:ph type="title"/>
+          </p:nvPr>
+        </p:nvSpPr>
+        <p:spPr/>
+        <p:txBody>
+          <a:bodyPr/>
+          <a:lstStyle/>
+          <a:p>
+            <a:r>
+              <a:rPr lang="en-US" dirty="0" smtClean="0"/>
+              <a:t>Model Binders</a:t>
+            </a:r>
+            <a:endParaRPr lang="en-US" dirty="0"/>
+          </a:p>
+        </p:txBody>
+      </p:sp>
+      <p:sp>
+        <p:nvSpPr>
+          <p:cNvPr id="3" name="Content Placeholder 2"/>
+          <p:cNvSpPr>
+            <a:spLocks noGrp="1"/>
+          </p:cNvSpPr>
+          <p:nvPr>
+            <p:ph idx="1"/>
+          </p:nvPr>
+        </p:nvSpPr>
+        <p:spPr/>
+        <p:txBody>
+          <a:bodyPr/>
+          <a:lstStyle/>
+          <a:p>
+            <a:r>
+              <a:rPr lang="en-US" dirty="0" smtClean="0"/>
+              <a:t>Collection of primitive types binding</a:t>
+            </a:r>
+          </a:p>
+          <a:p>
+            <a:pPr lvl="1"/>
+            <a:r>
+              <a:rPr lang="en-US" dirty="0" smtClean="0"/>
+              <a:t>Use the same name attribute on every input element and the parameter name of the collection in the action (you can use loops)</a:t>
+            </a:r>
+            <a:endParaRPr lang="en-US" dirty="0" smtClean="0">
+              <a:solidFill>
+                <a:schemeClr val="accent5">
+                  <a:lumMod val="20000"/>
+                  <a:lumOff val="80000"/>
+                </a:schemeClr>
+              </a:solidFill>
+            </a:endParaRPr>
+          </a:p>
+          <a:p>
+            <a:pPr lvl="1"/>
+            <a:endParaRPr lang="en-US" dirty="0"/>
+          </a:p>
+        </p:txBody>
+      </p:sp>
+      <p:sp>
+        <p:nvSpPr>
+          <p:cNvPr id="4" name="Slide Number Placeholder 3"/>
+          <p:cNvSpPr>
+            <a:spLocks noGrp="1"/>
+          </p:cNvSpPr>
+          <p:nvPr>
+            <p:ph type="sldNum" sz="quarter" idx="10"/>
+          </p:nvPr>
+        </p:nvSpPr>
+        <p:spPr/>
+        <p:txBody>
+          <a:bodyPr/>
+          <a:lstStyle/>
+          <a:p>
+            <a:pPr>
+              <a:defRPr/>
+            </a:pPr>
+            <a:fld id="{58452FF4-89E3-4D1B-9927-2DBDC00E58D7}" type="slidenum">
+              <a:rPr lang="en-US" smtClean="0"/>
+              <a:pPr>
+                <a:defRPr/>
+              </a:pPr>
+              <a:t>11</a:t>
+            </a:fld>
+            <a:endParaRPr lang="en-US" dirty="0"/>
+          </a:p>
+        </p:txBody>
+      </p:sp>
+      <p:pic>
+        <p:nvPicPr>
+          <p:cNvPr id="4098" name="Picture 2"/>
+          <p:cNvPicPr>
+            <a:picLocks noChangeAspect="1" noChangeArrowheads="1"/>
+          </p:cNvPicPr>
+          <p:nvPr/>
+        </p:nvPicPr>
+        <p:blipFill>
+          <a:blip r:embed="rId2">
+            <a:extLst>
+              <a:ext uri="{28A0092B-C50C-407E-A947-70E740481C1C}">
+                <a14:useLocalDpi xmlns:a14="http://schemas.microsoft.com/office/drawing/2010/main" val="0"/>
+              </a:ext>
+            </a:extLst>
+          </a:blip>
+          <a:srcRect/>
+          <a:stretch>
+            <a:fillRect/>
+          </a:stretch>
+        </p:blipFill>
+        <p:spPr bwMode="auto">
+          <a:xfrm>
+            <a:off x="2779058" y="3429000"/>
+            <a:ext cx="3354636" cy="1066800"/>
+          </a:xfrm>
+          <a:prstGeom prst="rect">
+            <a:avLst/>
+          </a:prstGeom>
+          <a:noFill/>
+          <a:ln>
+            <a:noFill/>
+          </a:ln>
+          <a:extLst>
+            <a:ext uri="{909E8E84-426E-40DD-AFC4-6F175D3DCCD1}">
+              <a14:hiddenFill xmlns:a14="http://schemas.microsoft.com/office/drawing/2010/main">
+                <a:solidFill>
+                  <a:schemeClr val="accent1"/>
+                </a:solidFill>
+              </a14:hiddenFill>
+            </a:ext>
+            <a:ext uri="{91240B29-F687-4F45-9708-019B960494DF}">
+              <a14:hiddenLine xmlns:a14="http://schemas.microsoft.com/office/drawing/2010/main" w="9525">
+                <a:solidFill>
+                  <a:schemeClr val="tx1"/>
+                </a:solidFill>
+                <a:miter lim="800000"/>
+                <a:headEnd/>
+                <a:tailEnd/>
+              </a14:hiddenLine>
+            </a:ext>
+          </a:extLst>
+        </p:spPr>
+      </p:pic>
+      <p:pic>
+        <p:nvPicPr>
+          <p:cNvPr id="4099" name="Picture 3"/>
+          <p:cNvPicPr>
+            <a:picLocks noChangeAspect="1" noChangeArrowheads="1"/>
+          </p:cNvPicPr>
+          <p:nvPr/>
+        </p:nvPicPr>
+        <p:blipFill>
+          <a:blip r:embed="rId3">
+            <a:extLst>
+              <a:ext uri="{28A0092B-C50C-407E-A947-70E740481C1C}">
+                <a14:useLocalDpi xmlns:a14="http://schemas.microsoft.com/office/drawing/2010/main" val="0"/>
+              </a:ext>
+            </a:extLst>
+          </a:blip>
+          <a:srcRect/>
+          <a:stretch>
+            <a:fillRect/>
+          </a:stretch>
+        </p:blipFill>
+        <p:spPr bwMode="auto">
+          <a:xfrm>
+            <a:off x="1027376" y="5105400"/>
+            <a:ext cx="6858000" cy="914400"/>
+          </a:xfrm>
+          <a:prstGeom prst="rect">
+            <a:avLst/>
+          </a:prstGeom>
+          <a:noFill/>
+          <a:ln>
+            <a:noFill/>
+          </a:ln>
+          <a:extLst>
+            <a:ext uri="{909E8E84-426E-40DD-AFC4-6F175D3DCCD1}">
+              <a14:hiddenFill xmlns:a14="http://schemas.microsoft.com/office/drawing/2010/main">
+                <a:solidFill>
+                  <a:schemeClr val="accent1"/>
+                </a:solidFill>
+              </a14:hiddenFill>
+            </a:ext>
+            <a:ext uri="{91240B29-F687-4F45-9708-019B960494DF}">
+              <a14:hiddenLine xmlns:a14="http://schemas.microsoft.com/office/drawing/2010/main" w="9525">
+                <a:solidFill>
+                  <a:schemeClr val="tx1"/>
+                </a:solidFill>
+                <a:miter lim="800000"/>
+                <a:headEnd/>
+                <a:tailEnd/>
+              </a14:hiddenLine>
+            </a:ext>
+          </a:extLst>
+        </p:spPr>
+      </p:pic>
+    </p:spTree>
+    <p:extLst>
+      <p:ext uri="{BB962C8B-B14F-4D97-AF65-F5344CB8AC3E}">
+        <p14:creationId xmlns:p14="http://schemas.microsoft.com/office/powerpoint/2010/main" val="1501362918"/>
+      </p:ext>
+    </p:extLst>
+  </p:cSld>
+  <p:clrMapOvr>
+    <a:masterClrMapping/>
+  </p:clrMapOvr>
+  <p:timing>
+    <p:tnLst>
+      <p:par>
+        <p:cTn id="1" dur="indefinite" restart="never" nodeType="tmRoot"/>
+      </p:par>
+    </p:tnLst>
+  </p:timing>
+</p:sld>
+</file>
+
+<file path=ppt/slides/slide12.xml><?xml version="1.0" encoding="utf-8"?>
+<p:sld xmlns:a="http://schemas.openxmlformats.org/drawingml/2006/main" xmlns:r="http://schemas.openxmlformats.org/officeDocument/2006/relationships" xmlns:p="http://schemas.openxmlformats.org/presentationml/2006/main">
+  <p:cSld>
+    <p:spTree>
+      <p:nvGrpSpPr>
+        <p:cNvPr id="1" name=""/>
+        <p:cNvGrpSpPr/>
+        <p:nvPr/>
+      </p:nvGrpSpPr>
+      <p:grpSpPr>
+        <a:xfrm>
+          <a:off x="0" y="0"/>
+          <a:ext cx="0" cy="0"/>
+          <a:chOff x="0" y="0"/>
+          <a:chExt cx="0" cy="0"/>
+        </a:xfrm>
+      </p:grpSpPr>
+      <p:sp>
+        <p:nvSpPr>
+          <p:cNvPr id="2" name="Title 1"/>
+          <p:cNvSpPr>
+            <a:spLocks noGrp="1"/>
+          </p:cNvSpPr>
+          <p:nvPr>
+            <p:ph type="title"/>
+          </p:nvPr>
+        </p:nvSpPr>
+        <p:spPr/>
+        <p:txBody>
+          <a:bodyPr/>
+          <a:lstStyle/>
+          <a:p>
+            <a:r>
+              <a:rPr lang="en-US" dirty="0" smtClean="0"/>
+              <a:t>Model Binders</a:t>
+            </a:r>
+            <a:endParaRPr lang="en-US" dirty="0"/>
+          </a:p>
+        </p:txBody>
+      </p:sp>
+      <p:sp>
+        <p:nvSpPr>
+          <p:cNvPr id="3" name="Content Placeholder 2"/>
+          <p:cNvSpPr>
+            <a:spLocks noGrp="1"/>
+          </p:cNvSpPr>
+          <p:nvPr>
+            <p:ph idx="1"/>
+          </p:nvPr>
+        </p:nvSpPr>
+        <p:spPr/>
+        <p:txBody>
+          <a:bodyPr/>
+          <a:lstStyle/>
+          <a:p>
+            <a:r>
+              <a:rPr lang="en-US" dirty="0" smtClean="0"/>
+              <a:t>Collection of objects binding</a:t>
+            </a:r>
+          </a:p>
+          <a:p>
+            <a:pPr lvl="1"/>
+            <a:r>
+              <a:rPr lang="en-US" dirty="0" smtClean="0"/>
+              <a:t>Use name attributes like "</a:t>
+            </a:r>
+            <a:r>
+              <a:rPr lang="en-US" dirty="0" smtClean="0">
+                <a:solidFill>
+                  <a:schemeClr val="accent5">
+                    <a:lumMod val="20000"/>
+                    <a:lumOff val="80000"/>
+                  </a:schemeClr>
+                </a:solidFill>
+              </a:rPr>
+              <a:t>[{index}].{property}</a:t>
+            </a:r>
+            <a:r>
+              <a:rPr lang="en-US" dirty="0" smtClean="0"/>
+              <a:t>" or use </a:t>
+            </a:r>
+            <a:r>
+              <a:rPr lang="en-US" dirty="0" err="1" smtClean="0">
+                <a:solidFill>
+                  <a:schemeClr val="accent5">
+                    <a:lumMod val="20000"/>
+                    <a:lumOff val="80000"/>
+                  </a:schemeClr>
+                </a:solidFill>
+              </a:rPr>
+              <a:t>EditorFor</a:t>
+            </a:r>
+            <a:r>
+              <a:rPr lang="en-US" dirty="0" smtClean="0"/>
+              <a:t> in a </a:t>
+            </a:r>
+            <a:r>
+              <a:rPr lang="en-US" dirty="0" smtClean="0">
+                <a:solidFill>
+                  <a:schemeClr val="accent5">
+                    <a:lumMod val="20000"/>
+                    <a:lumOff val="80000"/>
+                  </a:schemeClr>
+                </a:solidFill>
+              </a:rPr>
+              <a:t>for</a:t>
+            </a:r>
+            <a:r>
+              <a:rPr lang="en-US" dirty="0" smtClean="0"/>
+              <a:t> loop</a:t>
+            </a:r>
+            <a:endParaRPr lang="en-US" dirty="0" smtClean="0">
+              <a:solidFill>
+                <a:schemeClr val="accent5">
+                  <a:lumMod val="20000"/>
+                  <a:lumOff val="80000"/>
+                </a:schemeClr>
+              </a:solidFill>
+            </a:endParaRPr>
+          </a:p>
+          <a:p>
+            <a:pPr lvl="1"/>
+            <a:endParaRPr lang="en-US" dirty="0"/>
+          </a:p>
+        </p:txBody>
+      </p:sp>
+      <p:sp>
+        <p:nvSpPr>
+          <p:cNvPr id="4" name="Slide Number Placeholder 3"/>
+          <p:cNvSpPr>
+            <a:spLocks noGrp="1"/>
+          </p:cNvSpPr>
+          <p:nvPr>
+            <p:ph type="sldNum" sz="quarter" idx="10"/>
+          </p:nvPr>
+        </p:nvSpPr>
+        <p:spPr/>
+        <p:txBody>
+          <a:bodyPr/>
+          <a:lstStyle/>
+          <a:p>
+            <a:pPr>
+              <a:defRPr/>
+            </a:pPr>
+            <a:fld id="{58452FF4-89E3-4D1B-9927-2DBDC00E58D7}" type="slidenum">
+              <a:rPr lang="en-US" smtClean="0"/>
+              <a:pPr>
+                <a:defRPr/>
+              </a:pPr>
+              <a:t>12</a:t>
+            </a:fld>
+            <a:endParaRPr lang="en-US" dirty="0"/>
+          </a:p>
+        </p:txBody>
+      </p:sp>
+      <p:pic>
+        <p:nvPicPr>
+          <p:cNvPr id="5122" name="Picture 2"/>
+          <p:cNvPicPr>
+            <a:picLocks noChangeAspect="1" noChangeArrowheads="1"/>
+          </p:cNvPicPr>
+          <p:nvPr/>
+        </p:nvPicPr>
+        <p:blipFill>
+          <a:blip r:embed="rId2">
+            <a:extLst>
+              <a:ext uri="{28A0092B-C50C-407E-A947-70E740481C1C}">
+                <a14:useLocalDpi xmlns:a14="http://schemas.microsoft.com/office/drawing/2010/main" val="0"/>
+              </a:ext>
+            </a:extLst>
+          </a:blip>
+          <a:srcRect/>
+          <a:stretch>
+            <a:fillRect/>
+          </a:stretch>
+        </p:blipFill>
+        <p:spPr bwMode="auto">
+          <a:xfrm>
+            <a:off x="645459" y="2743200"/>
+            <a:ext cx="4340646" cy="1828800"/>
+          </a:xfrm>
+          <a:prstGeom prst="rect">
+            <a:avLst/>
+          </a:prstGeom>
+          <a:noFill/>
+          <a:ln>
+            <a:noFill/>
+          </a:ln>
+          <a:extLst>
+            <a:ext uri="{909E8E84-426E-40DD-AFC4-6F175D3DCCD1}">
+              <a14:hiddenFill xmlns:a14="http://schemas.microsoft.com/office/drawing/2010/main">
+                <a:solidFill>
+                  <a:schemeClr val="accent1"/>
+                </a:solidFill>
+              </a14:hiddenFill>
+            </a:ext>
+            <a:ext uri="{91240B29-F687-4F45-9708-019B960494DF}">
+              <a14:hiddenLine xmlns:a14="http://schemas.microsoft.com/office/drawing/2010/main" w="9525">
+                <a:solidFill>
+                  <a:schemeClr val="tx1"/>
+                </a:solidFill>
+                <a:miter lim="800000"/>
+                <a:headEnd/>
+                <a:tailEnd/>
+              </a14:hiddenLine>
+            </a:ext>
+          </a:extLst>
+        </p:spPr>
+      </p:pic>
+      <p:pic>
+        <p:nvPicPr>
+          <p:cNvPr id="5123" name="Picture 3"/>
+          <p:cNvPicPr>
+            <a:picLocks noChangeAspect="1" noChangeArrowheads="1"/>
+          </p:cNvPicPr>
+          <p:nvPr/>
+        </p:nvPicPr>
+        <p:blipFill>
+          <a:blip r:embed="rId3">
+            <a:extLst>
+              <a:ext uri="{28A0092B-C50C-407E-A947-70E740481C1C}">
+                <a14:useLocalDpi xmlns:a14="http://schemas.microsoft.com/office/drawing/2010/main" val="0"/>
+              </a:ext>
+            </a:extLst>
+          </a:blip>
+          <a:srcRect/>
+          <a:stretch>
+            <a:fillRect/>
+          </a:stretch>
+        </p:blipFill>
+        <p:spPr bwMode="auto">
+          <a:xfrm>
+            <a:off x="762000" y="6172200"/>
+            <a:ext cx="6149748" cy="219075"/>
+          </a:xfrm>
+          <a:prstGeom prst="rect">
+            <a:avLst/>
+          </a:prstGeom>
+          <a:noFill/>
+          <a:ln>
+            <a:noFill/>
+          </a:ln>
+          <a:extLst>
+            <a:ext uri="{909E8E84-426E-40DD-AFC4-6F175D3DCCD1}">
+              <a14:hiddenFill xmlns:a14="http://schemas.microsoft.com/office/drawing/2010/main">
+                <a:solidFill>
+                  <a:schemeClr val="accent1"/>
+                </a:solidFill>
+              </a14:hiddenFill>
+            </a:ext>
+            <a:ext uri="{91240B29-F687-4F45-9708-019B960494DF}">
+              <a14:hiddenLine xmlns:a14="http://schemas.microsoft.com/office/drawing/2010/main" w="9525">
+                <a:solidFill>
+                  <a:schemeClr val="tx1"/>
+                </a:solidFill>
+                <a:miter lim="800000"/>
+                <a:headEnd/>
+                <a:tailEnd/>
+              </a14:hiddenLine>
+            </a:ext>
+          </a:extLst>
+        </p:spPr>
+      </p:pic>
+      <p:pic>
+        <p:nvPicPr>
+          <p:cNvPr id="5124" name="Picture 4"/>
+          <p:cNvPicPr>
+            <a:picLocks noChangeAspect="1" noChangeArrowheads="1"/>
+          </p:cNvPicPr>
+          <p:nvPr/>
+        </p:nvPicPr>
+        <p:blipFill>
+          <a:blip r:embed="rId4">
+            <a:extLst>
+              <a:ext uri="{28A0092B-C50C-407E-A947-70E740481C1C}">
+                <a14:useLocalDpi xmlns:a14="http://schemas.microsoft.com/office/drawing/2010/main" val="0"/>
+              </a:ext>
+            </a:extLst>
+          </a:blip>
+          <a:srcRect/>
+          <a:stretch>
+            <a:fillRect/>
+          </a:stretch>
+        </p:blipFill>
+        <p:spPr bwMode="auto">
+          <a:xfrm>
+            <a:off x="3429000" y="4800600"/>
+            <a:ext cx="5295900" cy="1009650"/>
+          </a:xfrm>
+          <a:prstGeom prst="rect">
+            <a:avLst/>
+          </a:prstGeom>
+          <a:noFill/>
+          <a:ln>
+            <a:noFill/>
+          </a:ln>
+          <a:extLst>
+            <a:ext uri="{909E8E84-426E-40DD-AFC4-6F175D3DCCD1}">
+              <a14:hiddenFill xmlns:a14="http://schemas.microsoft.com/office/drawing/2010/main">
+                <a:solidFill>
+                  <a:schemeClr val="accent1"/>
+                </a:solidFill>
+              </a14:hiddenFill>
+            </a:ext>
+            <a:ext uri="{91240B29-F687-4F45-9708-019B960494DF}">
+              <a14:hiddenLine xmlns:a14="http://schemas.microsoft.com/office/drawing/2010/main" w="9525">
+                <a:solidFill>
+                  <a:schemeClr val="tx1"/>
+                </a:solidFill>
+                <a:miter lim="800000"/>
+                <a:headEnd/>
+                <a:tailEnd/>
+              </a14:hiddenLine>
+            </a:ext>
+          </a:extLst>
+        </p:spPr>
+      </p:pic>
+    </p:spTree>
+    <p:extLst>
+      <p:ext uri="{BB962C8B-B14F-4D97-AF65-F5344CB8AC3E}">
+        <p14:creationId xmlns:p14="http://schemas.microsoft.com/office/powerpoint/2010/main" val="2533883953"/>
+      </p:ext>
+    </p:extLst>
+  </p:cSld>
+  <p:clrMapOvr>
+    <a:masterClrMapping/>
+  </p:clrMapOvr>
+  <p:timing>
+    <p:tnLst>
+      <p:par>
+        <p:cTn id="1" dur="indefinite" restart="never" nodeType="tmRoot"/>
+      </p:par>
+    </p:tnLst>
+  </p:timing>
+</p:sld>
+</file>
+
+<file path=ppt/slides/slide13.xml><?xml version="1.0" encoding="utf-8"?>
+<p:sld xmlns:a="http://schemas.openxmlformats.org/drawingml/2006/main" xmlns:r="http://schemas.openxmlformats.org/officeDocument/2006/relationships" xmlns:p="http://schemas.openxmlformats.org/presentationml/2006/main">
+  <p:cSld>
+    <p:spTree>
+      <p:nvGrpSpPr>
+        <p:cNvPr id="1" name=""/>
+        <p:cNvGrpSpPr/>
+        <p:nvPr/>
+      </p:nvGrpSpPr>
+      <p:grpSpPr>
+        <a:xfrm>
+          <a:off x="0" y="0"/>
+          <a:ext cx="0" cy="0"/>
+          <a:chOff x="0" y="0"/>
+          <a:chExt cx="0" cy="0"/>
+        </a:xfrm>
+      </p:grpSpPr>
+      <p:sp>
+        <p:nvSpPr>
+          <p:cNvPr id="2" name="Title 1"/>
+          <p:cNvSpPr>
+            <a:spLocks noGrp="1"/>
+          </p:cNvSpPr>
+          <p:nvPr>
+            <p:ph type="title"/>
+          </p:nvPr>
+        </p:nvSpPr>
+        <p:spPr/>
+        <p:txBody>
+          <a:bodyPr/>
+          <a:lstStyle/>
+          <a:p>
+            <a:r>
+              <a:rPr lang="en-US" dirty="0" smtClean="0"/>
+              <a:t>Model Binders</a:t>
+            </a:r>
+            <a:endParaRPr lang="en-US" dirty="0"/>
+          </a:p>
+        </p:txBody>
+      </p:sp>
+      <p:sp>
+        <p:nvSpPr>
+          <p:cNvPr id="3" name="Content Placeholder 2"/>
+          <p:cNvSpPr>
+            <a:spLocks noGrp="1"/>
+          </p:cNvSpPr>
+          <p:nvPr>
+            <p:ph idx="1"/>
+          </p:nvPr>
+        </p:nvSpPr>
+        <p:spPr/>
+        <p:txBody>
+          <a:bodyPr/>
+          <a:lstStyle/>
+          <a:p>
+            <a:r>
+              <a:rPr lang="en-US" dirty="0" smtClean="0"/>
+              <a:t>Collection of files binding</a:t>
+            </a:r>
+          </a:p>
+          <a:p>
+            <a:pPr lvl="1"/>
+            <a:r>
+              <a:rPr lang="en-US" dirty="0" smtClean="0"/>
+              <a:t>Use the same name attribute on all input type files as the name of the collection</a:t>
+            </a:r>
+            <a:endParaRPr lang="en-US" dirty="0" smtClean="0">
+              <a:solidFill>
+                <a:schemeClr val="accent5">
+                  <a:lumMod val="20000"/>
+                  <a:lumOff val="80000"/>
+                </a:schemeClr>
+              </a:solidFill>
+            </a:endParaRPr>
+          </a:p>
+          <a:p>
+            <a:pPr lvl="1"/>
+            <a:endParaRPr lang="en-US" dirty="0"/>
+          </a:p>
+        </p:txBody>
+      </p:sp>
+      <p:sp>
+        <p:nvSpPr>
+          <p:cNvPr id="4" name="Slide Number Placeholder 3"/>
+          <p:cNvSpPr>
+            <a:spLocks noGrp="1"/>
+          </p:cNvSpPr>
+          <p:nvPr>
+            <p:ph type="sldNum" sz="quarter" idx="10"/>
+          </p:nvPr>
+        </p:nvSpPr>
+        <p:spPr/>
+        <p:txBody>
+          <a:bodyPr/>
+          <a:lstStyle/>
+          <a:p>
+            <a:pPr>
+              <a:defRPr/>
+            </a:pPr>
+            <a:fld id="{58452FF4-89E3-4D1B-9927-2DBDC00E58D7}" type="slidenum">
+              <a:rPr lang="en-US" smtClean="0"/>
+              <a:pPr>
+                <a:defRPr/>
+              </a:pPr>
+              <a:t>13</a:t>
+            </a:fld>
+            <a:endParaRPr lang="en-US" dirty="0"/>
+          </a:p>
+        </p:txBody>
+      </p:sp>
+      <p:pic>
+        <p:nvPicPr>
+          <p:cNvPr id="6146" name="Picture 2"/>
+          <p:cNvPicPr>
+            <a:picLocks noChangeAspect="1" noChangeArrowheads="1"/>
+          </p:cNvPicPr>
+          <p:nvPr/>
+        </p:nvPicPr>
+        <p:blipFill>
+          <a:blip r:embed="rId2">
+            <a:extLst>
+              <a:ext uri="{28A0092B-C50C-407E-A947-70E740481C1C}">
+                <a14:useLocalDpi xmlns:a14="http://schemas.microsoft.com/office/drawing/2010/main" val="0"/>
+              </a:ext>
+            </a:extLst>
+          </a:blip>
+          <a:srcRect/>
+          <a:stretch>
+            <a:fillRect/>
+          </a:stretch>
+        </p:blipFill>
+        <p:spPr bwMode="auto">
+          <a:xfrm>
+            <a:off x="616252" y="3312459"/>
+            <a:ext cx="3339495" cy="838200"/>
+          </a:xfrm>
+          <a:prstGeom prst="rect">
+            <a:avLst/>
+          </a:prstGeom>
+          <a:noFill/>
+          <a:ln>
+            <a:noFill/>
+          </a:ln>
+          <a:extLst>
+            <a:ext uri="{909E8E84-426E-40DD-AFC4-6F175D3DCCD1}">
+              <a14:hiddenFill xmlns:a14="http://schemas.microsoft.com/office/drawing/2010/main">
+                <a:solidFill>
+                  <a:schemeClr val="accent1"/>
+                </a:solidFill>
+              </a14:hiddenFill>
+            </a:ext>
+            <a:ext uri="{91240B29-F687-4F45-9708-019B960494DF}">
+              <a14:hiddenLine xmlns:a14="http://schemas.microsoft.com/office/drawing/2010/main" w="9525">
+                <a:solidFill>
+                  <a:schemeClr val="tx1"/>
+                </a:solidFill>
+                <a:miter lim="800000"/>
+                <a:headEnd/>
+                <a:tailEnd/>
+              </a14:hiddenLine>
+            </a:ext>
+          </a:extLst>
+        </p:spPr>
+      </p:pic>
+      <p:pic>
+        <p:nvPicPr>
+          <p:cNvPr id="6147" name="Picture 3"/>
+          <p:cNvPicPr>
+            <a:picLocks noChangeAspect="1" noChangeArrowheads="1"/>
+          </p:cNvPicPr>
+          <p:nvPr/>
+        </p:nvPicPr>
+        <p:blipFill>
+          <a:blip r:embed="rId3">
+            <a:extLst>
+              <a:ext uri="{28A0092B-C50C-407E-A947-70E740481C1C}">
+                <a14:useLocalDpi xmlns:a14="http://schemas.microsoft.com/office/drawing/2010/main" val="0"/>
+              </a:ext>
+            </a:extLst>
+          </a:blip>
+          <a:srcRect/>
+          <a:stretch>
+            <a:fillRect/>
+          </a:stretch>
+        </p:blipFill>
+        <p:spPr bwMode="auto">
+          <a:xfrm>
+            <a:off x="2362200" y="4648200"/>
+            <a:ext cx="6293224" cy="1371600"/>
+          </a:xfrm>
+          <a:prstGeom prst="rect">
+            <a:avLst/>
+          </a:prstGeom>
+          <a:noFill/>
+          <a:ln>
+            <a:noFill/>
+          </a:ln>
+          <a:extLst>
+            <a:ext uri="{909E8E84-426E-40DD-AFC4-6F175D3DCCD1}">
+              <a14:hiddenFill xmlns:a14="http://schemas.microsoft.com/office/drawing/2010/main">
+                <a:solidFill>
+                  <a:schemeClr val="accent1"/>
+                </a:solidFill>
+              </a14:hiddenFill>
+            </a:ext>
+            <a:ext uri="{91240B29-F687-4F45-9708-019B960494DF}">
+              <a14:hiddenLine xmlns:a14="http://schemas.microsoft.com/office/drawing/2010/main" w="9525">
+                <a:solidFill>
+                  <a:schemeClr val="tx1"/>
+                </a:solidFill>
+                <a:miter lim="800000"/>
+                <a:headEnd/>
+                <a:tailEnd/>
+              </a14:hiddenLine>
+            </a:ext>
+          </a:extLst>
+        </p:spPr>
+      </p:pic>
+    </p:spTree>
+    <p:extLst>
+      <p:ext uri="{BB962C8B-B14F-4D97-AF65-F5344CB8AC3E}">
+        <p14:creationId xmlns:p14="http://schemas.microsoft.com/office/powerpoint/2010/main" val="1535267218"/>
+      </p:ext>
+    </p:extLst>
+  </p:cSld>
+  <p:clrMapOvr>
+    <a:masterClrMapping/>
+  </p:clrMapOvr>
+  <p:timing>
+    <p:tnLst>
+      <p:par>
+        <p:cTn id="1" dur="indefinite" restart="never" nodeType="tmRoot"/>
+      </p:par>
+    </p:tnLst>
+  </p:timing>
+</p:sld>
+</file>
+
+<file path=ppt/slides/slide14.xml><?xml version="1.0" encoding="utf-8"?>
+<p:sld xmlns:a="http://schemas.openxmlformats.org/drawingml/2006/main" xmlns:r="http://schemas.openxmlformats.org/officeDocument/2006/relationships" xmlns:p="http://schemas.openxmlformats.org/presentationml/2006/main">
+  <p:cSld>
+    <p:spTree>
+      <p:nvGrpSpPr>
+        <p:cNvPr id="1" name=""/>
+        <p:cNvGrpSpPr/>
+        <p:nvPr/>
+      </p:nvGrpSpPr>
+      <p:grpSpPr>
+        <a:xfrm>
+          <a:off x="0" y="0"/>
+          <a:ext cx="0" cy="0"/>
+          <a:chOff x="0" y="0"/>
+          <a:chExt cx="0" cy="0"/>
+        </a:xfrm>
+      </p:grpSpPr>
+      <p:sp>
+        <p:nvSpPr>
+          <p:cNvPr id="2" name="Title 1"/>
+          <p:cNvSpPr>
+            <a:spLocks noGrp="1"/>
+          </p:cNvSpPr>
+          <p:nvPr>
+            <p:ph type="title"/>
+          </p:nvPr>
+        </p:nvSpPr>
+        <p:spPr/>
+        <p:txBody>
+          <a:bodyPr/>
+          <a:lstStyle/>
+          <a:p>
+            <a:r>
+              <a:rPr lang="en-US" dirty="0" smtClean="0"/>
+              <a:t>Custom Model Binder</a:t>
+            </a:r>
+            <a:endParaRPr lang="en-US" dirty="0"/>
+          </a:p>
+        </p:txBody>
+      </p:sp>
+      <p:pic>
+        <p:nvPicPr>
+          <p:cNvPr id="5" name="Content Placeholder 4"/>
+          <p:cNvPicPr>
+            <a:picLocks noGrp="1" noChangeAspect="1"/>
+          </p:cNvPicPr>
+          <p:nvPr>
+            <p:ph idx="1"/>
+          </p:nvPr>
+        </p:nvPicPr>
+        <p:blipFill>
+          <a:blip r:embed="rId2"/>
+          <a:stretch>
+            <a:fillRect/>
+          </a:stretch>
+        </p:blipFill>
+        <p:spPr>
+          <a:xfrm>
+            <a:off x="457200" y="1066800"/>
+            <a:ext cx="8239125" cy="4133850"/>
+          </a:xfrm>
+          <a:prstGeom prst="rect">
+            <a:avLst/>
+          </a:prstGeom>
+          <a:ln>
+            <a:noFill/>
+          </a:ln>
+          <a:effectLst>
+            <a:outerShdw blurRad="190500" algn="tl" rotWithShape="0">
+              <a:srgbClr val="000000">
+                <a:alpha val="70000"/>
+              </a:srgbClr>
+            </a:outerShdw>
+          </a:effectLst>
+        </p:spPr>
+      </p:pic>
+      <p:sp>
+        <p:nvSpPr>
+          <p:cNvPr id="4" name="Slide Number Placeholder 3"/>
+          <p:cNvSpPr>
+            <a:spLocks noGrp="1"/>
+          </p:cNvSpPr>
+          <p:nvPr>
+            <p:ph type="sldNum" sz="quarter" idx="10"/>
+          </p:nvPr>
+        </p:nvSpPr>
+        <p:spPr/>
+        <p:txBody>
+          <a:bodyPr/>
+          <a:lstStyle/>
+          <a:p>
+            <a:pPr>
+              <a:defRPr/>
+            </a:pPr>
+            <a:fld id="{58452FF4-89E3-4D1B-9927-2DBDC00E58D7}" type="slidenum">
+              <a:rPr lang="en-US" smtClean="0"/>
+              <a:pPr>
+                <a:defRPr/>
+              </a:pPr>
+              <a:t>14</a:t>
+            </a:fld>
+            <a:endParaRPr lang="en-US" dirty="0"/>
+          </a:p>
+        </p:txBody>
+      </p:sp>
+      <p:pic>
+        <p:nvPicPr>
+          <p:cNvPr id="8" name="Picture 7"/>
+          <p:cNvPicPr>
+            <a:picLocks noChangeAspect="1"/>
+          </p:cNvPicPr>
+          <p:nvPr/>
+        </p:nvPicPr>
+        <p:blipFill>
+          <a:blip r:embed="rId3"/>
+          <a:stretch>
+            <a:fillRect/>
+          </a:stretch>
+        </p:blipFill>
+        <p:spPr>
+          <a:xfrm>
+            <a:off x="714375" y="5029200"/>
+            <a:ext cx="8124825" cy="1247775"/>
+          </a:xfrm>
+          <a:prstGeom prst="rect">
+            <a:avLst/>
+          </a:prstGeom>
+          <a:ln>
+            <a:noFill/>
+          </a:ln>
+          <a:effectLst>
+            <a:outerShdw blurRad="190500" algn="tl" rotWithShape="0">
+              <a:srgbClr val="000000">
+                <a:alpha val="70000"/>
+              </a:srgbClr>
+            </a:outerShdw>
+          </a:effectLst>
+        </p:spPr>
+      </p:pic>
+    </p:spTree>
+    <p:extLst>
+      <p:ext uri="{BB962C8B-B14F-4D97-AF65-F5344CB8AC3E}">
+        <p14:creationId xmlns:p14="http://schemas.microsoft.com/office/powerpoint/2010/main" val="2823879330"/>
+      </p:ext>
+    </p:extLst>
+  </p:cSld>
+  <p:clrMapOvr>
+    <a:masterClrMapping/>
+  </p:clrMapOvr>
+  <p:timing>
+    <p:tnLst>
+      <p:par>
+        <p:cTn id="1" dur="indefinite" restart="never" nodeType="tmRoot"/>
+      </p:par>
+    </p:tnLst>
+  </p:timing>
+</p:sld>
+</file>
+
+<file path=ppt/slides/slide15.xml><?xml version="1.0" encoding="utf-8"?>
+<p:sld xmlns:a="http://schemas.openxmlformats.org/drawingml/2006/main" xmlns:r="http://schemas.openxmlformats.org/officeDocument/2006/relationships" xmlns:p="http://schemas.openxmlformats.org/presentationml/2006/main">
+  <p:cSld>
+    <p:spTree>
+      <p:nvGrpSpPr>
+        <p:cNvPr id="1" name=""/>
+        <p:cNvGrpSpPr/>
+        <p:nvPr/>
+      </p:nvGrpSpPr>
+      <p:grpSpPr>
+        <a:xfrm>
+          <a:off x="0" y="0"/>
+          <a:ext cx="0" cy="0"/>
+          <a:chOff x="0" y="0"/>
+          <a:chExt cx="0" cy="0"/>
+        </a:xfrm>
+      </p:grpSpPr>
+      <p:sp>
+        <p:nvSpPr>
+          <p:cNvPr id="501762" name="Rectangle 2"/>
+          <p:cNvSpPr>
+            <a:spLocks noGrp="1" noChangeArrowheads="1"/>
+          </p:cNvSpPr>
+          <p:nvPr>
+            <p:ph type="ctrTitle"/>
+          </p:nvPr>
+        </p:nvSpPr>
+        <p:spPr>
+          <a:xfrm>
+            <a:off x="1485900" y="914400"/>
+            <a:ext cx="6172200" cy="1006707"/>
+          </a:xfrm>
+        </p:spPr>
+        <p:txBody>
+          <a:bodyPr/>
+          <a:lstStyle/>
+          <a:p>
+            <a:pPr indent="-838200">
+              <a:lnSpc>
+                <a:spcPct val="110000"/>
+              </a:lnSpc>
+            </a:pPr>
+            <a:r>
+              <a:rPr lang="en-US" dirty="0" smtClean="0"/>
+              <a:t>Display &amp; Editor Templates</a:t>
+            </a:r>
+            <a:endParaRPr lang="bg-BG" dirty="0"/>
+          </a:p>
+        </p:txBody>
+      </p:sp>
+      <p:sp>
+        <p:nvSpPr>
+          <p:cNvPr id="501763" name="Rectangle 3"/>
+          <p:cNvSpPr>
+            <a:spLocks noChangeArrowheads="1"/>
+          </p:cNvSpPr>
+          <p:nvPr/>
+        </p:nvSpPr>
+        <p:spPr bwMode="auto">
+          <a:xfrm>
+            <a:off x="1187450" y="3463925"/>
+            <a:ext cx="6480175" cy="469900"/>
+          </a:xfrm>
+          <a:prstGeom prst="rect">
+            <a:avLst/>
+          </a:prstGeom>
+          <a:noFill/>
+          <a:ln w="9525">
+            <a:noFill/>
+            <a:miter lim="800000"/>
+            <a:headEnd/>
+            <a:tailEnd/>
+          </a:ln>
+          <a:effectLst/>
+        </p:spPr>
+        <p:txBody>
+          <a:bodyPr lIns="0" tIns="0" rIns="0" bIns="0" anchor="b">
+            <a:spAutoFit/>
+          </a:bodyPr>
+          <a:lstStyle/>
+          <a:p>
+            <a:pPr algn="ctr">
+              <a:lnSpc>
+                <a:spcPct val="110000"/>
+              </a:lnSpc>
+            </a:pPr>
+            <a:endParaRPr lang="bg-BG" sz="2800" dirty="0">
+              <a:effectLst>
+                <a:outerShdw blurRad="38100" dist="38100" dir="2700000" algn="tl">
+                  <a:srgbClr val="FFFFFF"/>
+                </a:outerShdw>
+              </a:effectLst>
+            </a:endParaRPr>
+          </a:p>
+        </p:txBody>
+      </p:sp>
+      <p:pic>
+        <p:nvPicPr>
+          <p:cNvPr id="7170" name="Picture 2" descr="https://teenagertoday.files.wordpress.com/2012/03/angry-writer.jpg"/>
+          <p:cNvPicPr>
+            <a:picLocks noChangeAspect="1" noChangeArrowheads="1"/>
+          </p:cNvPicPr>
+          <p:nvPr/>
+        </p:nvPicPr>
+        <p:blipFill>
+          <a:blip r:embed="rId3">
+            <a:extLst>
+              <a:ext uri="{28A0092B-C50C-407E-A947-70E740481C1C}">
+                <a14:useLocalDpi xmlns:a14="http://schemas.microsoft.com/office/drawing/2010/main" val="0"/>
+              </a:ext>
+            </a:extLst>
+          </a:blip>
+          <a:srcRect/>
+          <a:stretch>
+            <a:fillRect/>
+          </a:stretch>
+        </p:blipFill>
+        <p:spPr bwMode="auto">
+          <a:xfrm>
+            <a:off x="2514600" y="2654487"/>
+            <a:ext cx="4123038" cy="3467101"/>
+          </a:xfrm>
+          <a:prstGeom prst="roundRect">
+            <a:avLst/>
+          </a:prstGeom>
+          <a:noFill/>
+          <a:extLst>
+            <a:ext uri="{909E8E84-426E-40DD-AFC4-6F175D3DCCD1}">
+              <a14:hiddenFill xmlns:a14="http://schemas.microsoft.com/office/drawing/2010/main">
+                <a:solidFill>
+                  <a:srgbClr val="FFFFFF"/>
+                </a:solidFill>
+              </a14:hiddenFill>
+            </a:ext>
+          </a:extLst>
+        </p:spPr>
+      </p:pic>
+    </p:spTree>
+    <p:extLst>
+      <p:ext uri="{BB962C8B-B14F-4D97-AF65-F5344CB8AC3E}">
+        <p14:creationId xmlns:p14="http://schemas.microsoft.com/office/powerpoint/2010/main" val="1881341575"/>
+      </p:ext>
+    </p:extLst>
+  </p:cSld>
+  <p:clrMapOvr>
+    <a:masterClrMapping/>
+  </p:clrMapOvr>
+  <p:transition/>
+  <p:timing>
+    <p:tnLst>
+      <p:par>
+        <p:cTn id="1" dur="indefinite" restart="never" nodeType="tmRoot"/>
+      </p:par>
+    </p:tnLst>
+  </p:timing>
+</p:sld>
+</file>
+
+<file path=ppt/slides/slide16.xml><?xml version="1.0" encoding="utf-8"?>
+<p:sld xmlns:a="http://schemas.openxmlformats.org/drawingml/2006/main" xmlns:r="http://schemas.openxmlformats.org/officeDocument/2006/relationships" xmlns:p="http://schemas.openxmlformats.org/presentationml/2006/main">
+  <p:cSld>
+    <p:spTree>
+      <p:nvGrpSpPr>
+        <p:cNvPr id="1" name=""/>
+        <p:cNvGrpSpPr/>
+        <p:nvPr/>
+      </p:nvGrpSpPr>
+      <p:grpSpPr>
+        <a:xfrm>
+          <a:off x="0" y="0"/>
+          <a:ext cx="0" cy="0"/>
+          <a:chOff x="0" y="0"/>
+          <a:chExt cx="0" cy="0"/>
+        </a:xfrm>
+      </p:grpSpPr>
+      <p:sp>
+        <p:nvSpPr>
+          <p:cNvPr id="2" name="Title 1"/>
+          <p:cNvSpPr>
+            <a:spLocks noGrp="1"/>
+          </p:cNvSpPr>
+          <p:nvPr>
+            <p:ph type="title"/>
+          </p:nvPr>
+        </p:nvSpPr>
+        <p:spPr/>
+        <p:txBody>
+          <a:bodyPr/>
+          <a:lstStyle/>
+          <a:p>
+            <a:r>
+              <a:rPr lang="en-US" dirty="0" smtClean="0"/>
+              <a:t>Templates</a:t>
+            </a:r>
+            <a:endParaRPr lang="en-US" dirty="0"/>
+          </a:p>
+        </p:txBody>
+      </p:sp>
+      <p:sp>
+        <p:nvSpPr>
+          <p:cNvPr id="3" name="Content Placeholder 2"/>
+          <p:cNvSpPr>
+            <a:spLocks noGrp="1"/>
+          </p:cNvSpPr>
+          <p:nvPr>
+            <p:ph idx="1"/>
+          </p:nvPr>
+        </p:nvSpPr>
+        <p:spPr/>
+        <p:txBody>
+          <a:bodyPr/>
+          <a:lstStyle/>
+          <a:p>
+            <a:r>
+              <a:rPr lang="en-US" dirty="0" smtClean="0"/>
+              <a:t>ASP.NET MVC comes with helpers methods</a:t>
+            </a:r>
+          </a:p>
+          <a:p>
+            <a:pPr lvl="1"/>
+            <a:r>
+              <a:rPr lang="en-US" dirty="0" err="1" smtClean="0">
+                <a:solidFill>
+                  <a:schemeClr val="accent5">
+                    <a:lumMod val="20000"/>
+                    <a:lumOff val="80000"/>
+                  </a:schemeClr>
+                </a:solidFill>
+              </a:rPr>
+              <a:t>DisplayFor</a:t>
+            </a:r>
+            <a:r>
+              <a:rPr lang="en-US" dirty="0" smtClean="0">
+                <a:solidFill>
+                  <a:schemeClr val="accent5">
+                    <a:lumMod val="20000"/>
+                    <a:lumOff val="80000"/>
+                  </a:schemeClr>
+                </a:solidFill>
+              </a:rPr>
+              <a:t>()</a:t>
+            </a:r>
+            <a:r>
+              <a:rPr lang="en-US" dirty="0" smtClean="0"/>
+              <a:t>, </a:t>
+            </a:r>
+            <a:r>
+              <a:rPr lang="en-US" dirty="0" err="1" smtClean="0">
+                <a:solidFill>
+                  <a:schemeClr val="accent5">
+                    <a:lumMod val="20000"/>
+                    <a:lumOff val="80000"/>
+                  </a:schemeClr>
+                </a:solidFill>
+              </a:rPr>
+              <a:t>DisplayForModel</a:t>
+            </a:r>
+            <a:r>
+              <a:rPr lang="en-US" dirty="0" smtClean="0">
+                <a:solidFill>
+                  <a:schemeClr val="accent5">
+                    <a:lumMod val="20000"/>
+                    <a:lumOff val="80000"/>
+                  </a:schemeClr>
+                </a:solidFill>
+              </a:rPr>
+              <a:t>()</a:t>
+            </a:r>
+          </a:p>
+          <a:p>
+            <a:pPr lvl="1"/>
+            <a:r>
+              <a:rPr lang="en-US" dirty="0" err="1" smtClean="0">
+                <a:solidFill>
+                  <a:schemeClr val="accent5">
+                    <a:lumMod val="20000"/>
+                    <a:lumOff val="80000"/>
+                  </a:schemeClr>
+                </a:solidFill>
+              </a:rPr>
+              <a:t>EditorFor</a:t>
+            </a:r>
+            <a:r>
+              <a:rPr lang="en-US" dirty="0" smtClean="0">
+                <a:solidFill>
+                  <a:schemeClr val="accent5">
+                    <a:lumMod val="20000"/>
+                    <a:lumOff val="80000"/>
+                  </a:schemeClr>
+                </a:solidFill>
+              </a:rPr>
+              <a:t>()</a:t>
+            </a:r>
+            <a:r>
+              <a:rPr lang="en-US" dirty="0" smtClean="0"/>
+              <a:t>, </a:t>
+            </a:r>
+            <a:r>
+              <a:rPr lang="en-US" dirty="0" err="1" smtClean="0">
+                <a:solidFill>
+                  <a:schemeClr val="accent5">
+                    <a:lumMod val="20000"/>
+                    <a:lumOff val="80000"/>
+                  </a:schemeClr>
+                </a:solidFill>
+              </a:rPr>
+              <a:t>EditorForModel</a:t>
+            </a:r>
+            <a:r>
+              <a:rPr lang="en-US" dirty="0" smtClean="0">
+                <a:solidFill>
+                  <a:schemeClr val="accent5">
+                    <a:lumMod val="20000"/>
+                    <a:lumOff val="80000"/>
+                  </a:schemeClr>
+                </a:solidFill>
+              </a:rPr>
+              <a:t>()</a:t>
+            </a:r>
+          </a:p>
+          <a:p>
+            <a:r>
+              <a:rPr lang="en-US" dirty="0" smtClean="0"/>
+              <a:t>There are default implementation</a:t>
+            </a:r>
+          </a:p>
+          <a:p>
+            <a:r>
+              <a:rPr lang="en-US" dirty="0" smtClean="0"/>
+              <a:t>Easily to be configured</a:t>
+            </a:r>
+          </a:p>
+          <a:p>
+            <a:r>
+              <a:rPr lang="en-US" dirty="0" smtClean="0"/>
+              <a:t>Create folders "</a:t>
+            </a:r>
+            <a:r>
+              <a:rPr lang="en-US" dirty="0" err="1" smtClean="0">
+                <a:solidFill>
+                  <a:schemeClr val="accent5">
+                    <a:lumMod val="20000"/>
+                    <a:lumOff val="80000"/>
+                  </a:schemeClr>
+                </a:solidFill>
+              </a:rPr>
+              <a:t>DisplayTemplates</a:t>
+            </a:r>
+            <a:r>
+              <a:rPr lang="en-US" dirty="0" smtClean="0"/>
+              <a:t>" and "</a:t>
+            </a:r>
+            <a:r>
+              <a:rPr lang="en-US" dirty="0" err="1" smtClean="0">
+                <a:solidFill>
+                  <a:schemeClr val="accent5">
+                    <a:lumMod val="20000"/>
+                    <a:lumOff val="80000"/>
+                  </a:schemeClr>
+                </a:solidFill>
+              </a:rPr>
+              <a:t>EditorTemplates</a:t>
+            </a:r>
+            <a:r>
+              <a:rPr lang="en-US" dirty="0" smtClean="0"/>
+              <a:t>" the "</a:t>
+            </a:r>
+            <a:r>
+              <a:rPr lang="en-US" dirty="0" smtClean="0">
+                <a:solidFill>
+                  <a:schemeClr val="accent5">
+                    <a:lumMod val="20000"/>
+                    <a:lumOff val="80000"/>
+                  </a:schemeClr>
+                </a:solidFill>
+              </a:rPr>
+              <a:t>Shared</a:t>
+            </a:r>
+            <a:r>
+              <a:rPr lang="en-US" dirty="0" smtClean="0"/>
+              <a:t>" folder or in the "</a:t>
+            </a:r>
+            <a:r>
+              <a:rPr lang="en-US" dirty="0" smtClean="0">
+                <a:solidFill>
+                  <a:schemeClr val="accent5">
+                    <a:lumMod val="20000"/>
+                    <a:lumOff val="80000"/>
+                  </a:schemeClr>
+                </a:solidFill>
+              </a:rPr>
+              <a:t>Views/{Controller}</a:t>
+            </a:r>
+            <a:r>
+              <a:rPr lang="en-US" dirty="0" smtClean="0"/>
+              <a:t>" folder</a:t>
+            </a:r>
+            <a:endParaRPr lang="en-US" dirty="0"/>
+          </a:p>
+        </p:txBody>
+      </p:sp>
+      <p:sp>
+        <p:nvSpPr>
+          <p:cNvPr id="4" name="Slide Number Placeholder 3"/>
+          <p:cNvSpPr>
+            <a:spLocks noGrp="1"/>
+          </p:cNvSpPr>
+          <p:nvPr>
+            <p:ph type="sldNum" sz="quarter" idx="10"/>
+          </p:nvPr>
+        </p:nvSpPr>
+        <p:spPr/>
+        <p:txBody>
+          <a:bodyPr/>
+          <a:lstStyle/>
+          <a:p>
+            <a:pPr>
+              <a:defRPr/>
+            </a:pPr>
+            <a:fld id="{58452FF4-89E3-4D1B-9927-2DBDC00E58D7}" type="slidenum">
+              <a:rPr lang="en-US" smtClean="0"/>
+              <a:pPr>
+                <a:defRPr/>
+              </a:pPr>
+              <a:t>16</a:t>
+            </a:fld>
+            <a:endParaRPr lang="en-US" dirty="0"/>
+          </a:p>
+        </p:txBody>
+      </p:sp>
+      <p:pic>
+        <p:nvPicPr>
+          <p:cNvPr id="8194" name="Picture 2"/>
+          <p:cNvPicPr>
+            <a:picLocks noChangeAspect="1" noChangeArrowheads="1"/>
+          </p:cNvPicPr>
+          <p:nvPr/>
+        </p:nvPicPr>
+        <p:blipFill>
+          <a:blip r:embed="rId2">
+            <a:extLst>
+              <a:ext uri="{28A0092B-C50C-407E-A947-70E740481C1C}">
+                <a14:useLocalDpi xmlns:a14="http://schemas.microsoft.com/office/drawing/2010/main" val="0"/>
+              </a:ext>
+            </a:extLst>
+          </a:blip>
+          <a:srcRect/>
+          <a:stretch>
+            <a:fillRect/>
+          </a:stretch>
+        </p:blipFill>
+        <p:spPr bwMode="auto">
+          <a:xfrm>
+            <a:off x="6858000" y="2438400"/>
+            <a:ext cx="1885950" cy="1609725"/>
+          </a:xfrm>
+          <a:prstGeom prst="rect">
+            <a:avLst/>
+          </a:prstGeom>
+          <a:noFill/>
+          <a:ln>
+            <a:noFill/>
+          </a:ln>
+          <a:extLst>
+            <a:ext uri="{909E8E84-426E-40DD-AFC4-6F175D3DCCD1}">
+              <a14:hiddenFill xmlns:a14="http://schemas.microsoft.com/office/drawing/2010/main">
+                <a:solidFill>
+                  <a:schemeClr val="accent1"/>
+                </a:solidFill>
+              </a14:hiddenFill>
+            </a:ext>
+            <a:ext uri="{91240B29-F687-4F45-9708-019B960494DF}">
+              <a14:hiddenLine xmlns:a14="http://schemas.microsoft.com/office/drawing/2010/main" w="9525">
+                <a:solidFill>
+                  <a:schemeClr val="tx1"/>
+                </a:solidFill>
+                <a:miter lim="800000"/>
+                <a:headEnd/>
+                <a:tailEnd/>
+              </a14:hiddenLine>
+            </a:ext>
+          </a:extLst>
+        </p:spPr>
+      </p:pic>
+      <p:pic>
+        <p:nvPicPr>
+          <p:cNvPr id="8195" name="Picture 3"/>
+          <p:cNvPicPr>
+            <a:picLocks noChangeAspect="1" noChangeArrowheads="1"/>
+          </p:cNvPicPr>
+          <p:nvPr/>
+        </p:nvPicPr>
+        <p:blipFill>
+          <a:blip r:embed="rId3">
+            <a:extLst>
+              <a:ext uri="{28A0092B-C50C-407E-A947-70E740481C1C}">
+                <a14:useLocalDpi xmlns:a14="http://schemas.microsoft.com/office/drawing/2010/main" val="0"/>
+              </a:ext>
+            </a:extLst>
+          </a:blip>
+          <a:srcRect/>
+          <a:stretch>
+            <a:fillRect/>
+          </a:stretch>
+        </p:blipFill>
+        <p:spPr bwMode="auto">
+          <a:xfrm>
+            <a:off x="6400800" y="1524000"/>
+            <a:ext cx="2593788" cy="609600"/>
+          </a:xfrm>
+          <a:prstGeom prst="rect">
+            <a:avLst/>
+          </a:prstGeom>
+          <a:noFill/>
+          <a:ln>
+            <a:noFill/>
+          </a:ln>
+          <a:extLst>
+            <a:ext uri="{909E8E84-426E-40DD-AFC4-6F175D3DCCD1}">
+              <a14:hiddenFill xmlns:a14="http://schemas.microsoft.com/office/drawing/2010/main">
+                <a:solidFill>
+                  <a:schemeClr val="accent1"/>
+                </a:solidFill>
+              </a14:hiddenFill>
+            </a:ext>
+            <a:ext uri="{91240B29-F687-4F45-9708-019B960494DF}">
+              <a14:hiddenLine xmlns:a14="http://schemas.microsoft.com/office/drawing/2010/main" w="9525">
+                <a:solidFill>
+                  <a:schemeClr val="tx1"/>
+                </a:solidFill>
+                <a:miter lim="800000"/>
+                <a:headEnd/>
+                <a:tailEnd/>
+              </a14:hiddenLine>
+            </a:ext>
+          </a:extLst>
+        </p:spPr>
+      </p:pic>
+    </p:spTree>
+    <p:extLst>
+      <p:ext uri="{BB962C8B-B14F-4D97-AF65-F5344CB8AC3E}">
+        <p14:creationId xmlns:p14="http://schemas.microsoft.com/office/powerpoint/2010/main" val="886258522"/>
+      </p:ext>
+    </p:extLst>
+  </p:cSld>
+  <p:clrMapOvr>
+    <a:masterClrMapping/>
+  </p:clrMapOvr>
+  <p:timing>
+    <p:tnLst>
+      <p:par>
+        <p:cTn id="1" dur="indefinite" restart="never" nodeType="tmRoot"/>
+      </p:par>
+    </p:tnLst>
+  </p:timing>
+</p:sld>
+</file>
+
+<file path=ppt/slides/slide17.xml><?xml version="1.0" encoding="utf-8"?>
+<p:sld xmlns:a="http://schemas.openxmlformats.org/drawingml/2006/main" xmlns:r="http://schemas.openxmlformats.org/officeDocument/2006/relationships" xmlns:p="http://schemas.openxmlformats.org/presentationml/2006/main">
+  <p:cSld>
+    <p:spTree>
+      <p:nvGrpSpPr>
+        <p:cNvPr id="1" name=""/>
+        <p:cNvGrpSpPr/>
+        <p:nvPr/>
+      </p:nvGrpSpPr>
+      <p:grpSpPr>
+        <a:xfrm>
+          <a:off x="0" y="0"/>
+          <a:ext cx="0" cy="0"/>
+          <a:chOff x="0" y="0"/>
+          <a:chExt cx="0" cy="0"/>
+        </a:xfrm>
+      </p:grpSpPr>
+      <p:sp>
+        <p:nvSpPr>
+          <p:cNvPr id="2" name="Title 1"/>
+          <p:cNvSpPr>
+            <a:spLocks noGrp="1"/>
+          </p:cNvSpPr>
+          <p:nvPr>
+            <p:ph type="title"/>
+          </p:nvPr>
+        </p:nvSpPr>
+        <p:spPr/>
+        <p:txBody>
+          <a:bodyPr/>
+          <a:lstStyle/>
+          <a:p>
+            <a:r>
+              <a:rPr lang="en-US" dirty="0" smtClean="0"/>
+              <a:t>Custom Templates</a:t>
+            </a:r>
+            <a:endParaRPr lang="en-US" dirty="0"/>
+          </a:p>
+        </p:txBody>
+      </p:sp>
+      <p:sp>
+        <p:nvSpPr>
+          <p:cNvPr id="3" name="Content Placeholder 2"/>
+          <p:cNvSpPr>
+            <a:spLocks noGrp="1"/>
+          </p:cNvSpPr>
+          <p:nvPr>
+            <p:ph idx="1"/>
+          </p:nvPr>
+        </p:nvSpPr>
+        <p:spPr>
+          <a:xfrm>
+            <a:off x="228600" y="1028700"/>
+            <a:ext cx="8686800" cy="5791200"/>
+          </a:xfrm>
+        </p:spPr>
+        <p:txBody>
+          <a:bodyPr/>
+          <a:lstStyle/>
+          <a:p>
+            <a:r>
+              <a:rPr lang="en-US" dirty="0" smtClean="0"/>
+              <a:t>In the two new folders create a view for each type you want</a:t>
+            </a:r>
+          </a:p>
+          <a:p>
+            <a:pPr lvl="1"/>
+            <a:r>
+              <a:rPr lang="en-US" dirty="0" smtClean="0">
+                <a:solidFill>
+                  <a:schemeClr val="accent5">
+                    <a:lumMod val="20000"/>
+                    <a:lumOff val="80000"/>
+                  </a:schemeClr>
+                </a:solidFill>
+              </a:rPr>
+              <a:t>string</a:t>
+            </a:r>
+            <a:r>
+              <a:rPr lang="en-US" dirty="0" smtClean="0"/>
+              <a:t> -&gt; </a:t>
+            </a:r>
+            <a:r>
+              <a:rPr lang="en-US" dirty="0" err="1" smtClean="0"/>
+              <a:t>String.cshtml</a:t>
+            </a:r>
+            <a:endParaRPr lang="en-US" dirty="0" smtClean="0"/>
+          </a:p>
+          <a:p>
+            <a:pPr lvl="1"/>
+            <a:r>
+              <a:rPr lang="en-US" dirty="0" err="1" smtClean="0">
+                <a:solidFill>
+                  <a:schemeClr val="accent5">
+                    <a:lumMod val="20000"/>
+                    <a:lumOff val="80000"/>
+                  </a:schemeClr>
+                </a:solidFill>
+              </a:rPr>
+              <a:t>int</a:t>
+            </a:r>
+            <a:r>
+              <a:rPr lang="en-US" dirty="0" smtClean="0">
+                <a:solidFill>
+                  <a:schemeClr val="accent5">
+                    <a:lumMod val="20000"/>
+                    <a:lumOff val="80000"/>
+                  </a:schemeClr>
+                </a:solidFill>
+              </a:rPr>
+              <a:t> </a:t>
+            </a:r>
+            <a:r>
+              <a:rPr lang="en-US" dirty="0" smtClean="0"/>
+              <a:t>-&gt; Int32.cshtml</a:t>
+            </a:r>
+          </a:p>
+          <a:p>
+            <a:pPr lvl="1"/>
+            <a:r>
+              <a:rPr lang="en-US" dirty="0" err="1" smtClean="0">
+                <a:solidFill>
+                  <a:schemeClr val="accent5">
+                    <a:lumMod val="20000"/>
+                    <a:lumOff val="80000"/>
+                  </a:schemeClr>
+                </a:solidFill>
+              </a:rPr>
+              <a:t>DateTime</a:t>
+            </a:r>
+            <a:r>
+              <a:rPr lang="en-US" dirty="0" smtClean="0">
+                <a:solidFill>
+                  <a:schemeClr val="accent5">
+                    <a:lumMod val="20000"/>
+                    <a:lumOff val="80000"/>
+                  </a:schemeClr>
+                </a:solidFill>
+              </a:rPr>
+              <a:t> </a:t>
+            </a:r>
+            <a:r>
+              <a:rPr lang="en-US" dirty="0" smtClean="0"/>
+              <a:t>-&gt; </a:t>
+            </a:r>
+            <a:r>
+              <a:rPr lang="en-US" dirty="0" err="1" smtClean="0"/>
+              <a:t>DateTime.cshtml</a:t>
+            </a:r>
+            <a:endParaRPr lang="en-US" dirty="0" smtClean="0"/>
+          </a:p>
+          <a:p>
+            <a:pPr lvl="1"/>
+            <a:r>
+              <a:rPr lang="en-US" dirty="0" smtClean="0">
+                <a:solidFill>
+                  <a:schemeClr val="accent5">
+                    <a:lumMod val="20000"/>
+                    <a:lumOff val="80000"/>
+                  </a:schemeClr>
+                </a:solidFill>
+              </a:rPr>
+              <a:t>Student</a:t>
+            </a:r>
+            <a:r>
+              <a:rPr lang="en-US" dirty="0" smtClean="0"/>
+              <a:t> -&gt; </a:t>
+            </a:r>
+            <a:r>
+              <a:rPr lang="en-US" dirty="0" err="1" smtClean="0"/>
+              <a:t>Student.cshtml</a:t>
+            </a:r>
+            <a:endParaRPr lang="en-US" dirty="0" smtClean="0"/>
+          </a:p>
+          <a:p>
+            <a:r>
+              <a:rPr lang="en-US" dirty="0" smtClean="0"/>
+              <a:t>The name of the files must reflect the data types and the </a:t>
+            </a:r>
+            <a:r>
+              <a:rPr lang="en-US" dirty="0" smtClean="0">
+                <a:solidFill>
+                  <a:schemeClr val="accent5">
+                    <a:lumMod val="20000"/>
+                    <a:lumOff val="80000"/>
+                  </a:schemeClr>
+                </a:solidFill>
+              </a:rPr>
+              <a:t>@model </a:t>
+            </a:r>
+            <a:r>
+              <a:rPr lang="en-US" dirty="0" smtClean="0"/>
+              <a:t>in them</a:t>
+            </a:r>
+            <a:endParaRPr lang="en-US" dirty="0"/>
+          </a:p>
+        </p:txBody>
+      </p:sp>
+      <p:sp>
+        <p:nvSpPr>
+          <p:cNvPr id="4" name="Slide Number Placeholder 3"/>
+          <p:cNvSpPr>
+            <a:spLocks noGrp="1"/>
+          </p:cNvSpPr>
+          <p:nvPr>
+            <p:ph type="sldNum" sz="quarter" idx="10"/>
+          </p:nvPr>
+        </p:nvSpPr>
+        <p:spPr/>
+        <p:txBody>
+          <a:bodyPr/>
+          <a:lstStyle/>
+          <a:p>
+            <a:pPr>
+              <a:defRPr/>
+            </a:pPr>
+            <a:fld id="{58452FF4-89E3-4D1B-9927-2DBDC00E58D7}" type="slidenum">
+              <a:rPr lang="en-US" smtClean="0"/>
+              <a:pPr>
+                <a:defRPr/>
+              </a:pPr>
+              <a:t>17</a:t>
+            </a:fld>
+            <a:endParaRPr lang="en-US" dirty="0"/>
+          </a:p>
+        </p:txBody>
+      </p:sp>
+      <p:pic>
+        <p:nvPicPr>
+          <p:cNvPr id="9218" name="Picture 2"/>
+          <p:cNvPicPr>
+            <a:picLocks noChangeAspect="1" noChangeArrowheads="1"/>
+          </p:cNvPicPr>
+          <p:nvPr/>
+        </p:nvPicPr>
+        <p:blipFill>
+          <a:blip r:embed="rId2">
+            <a:extLst>
+              <a:ext uri="{28A0092B-C50C-407E-A947-70E740481C1C}">
+                <a14:useLocalDpi xmlns:a14="http://schemas.microsoft.com/office/drawing/2010/main" val="0"/>
+              </a:ext>
+            </a:extLst>
+          </a:blip>
+          <a:srcRect/>
+          <a:stretch>
+            <a:fillRect/>
+          </a:stretch>
+        </p:blipFill>
+        <p:spPr bwMode="auto">
+          <a:xfrm>
+            <a:off x="6324600" y="2895600"/>
+            <a:ext cx="2297884" cy="1447800"/>
+          </a:xfrm>
+          <a:prstGeom prst="rect">
+            <a:avLst/>
+          </a:prstGeom>
+          <a:noFill/>
+          <a:ln>
+            <a:noFill/>
+          </a:ln>
+          <a:extLst>
+            <a:ext uri="{909E8E84-426E-40DD-AFC4-6F175D3DCCD1}">
+              <a14:hiddenFill xmlns:a14="http://schemas.microsoft.com/office/drawing/2010/main">
+                <a:solidFill>
+                  <a:schemeClr val="accent1"/>
+                </a:solidFill>
+              </a14:hiddenFill>
+            </a:ext>
+            <a:ext uri="{91240B29-F687-4F45-9708-019B960494DF}">
+              <a14:hiddenLine xmlns:a14="http://schemas.microsoft.com/office/drawing/2010/main" w="9525">
+                <a:solidFill>
+                  <a:schemeClr val="tx1"/>
+                </a:solidFill>
+                <a:miter lim="800000"/>
+                <a:headEnd/>
+                <a:tailEnd/>
+              </a14:hiddenLine>
+            </a:ext>
+          </a:extLst>
+        </p:spPr>
+      </p:pic>
+    </p:spTree>
+    <p:extLst>
+      <p:ext uri="{BB962C8B-B14F-4D97-AF65-F5344CB8AC3E}">
+        <p14:creationId xmlns:p14="http://schemas.microsoft.com/office/powerpoint/2010/main" val="3190973646"/>
+      </p:ext>
+    </p:extLst>
+  </p:cSld>
+  <p:clrMapOvr>
+    <a:masterClrMapping/>
+  </p:clrMapOvr>
+  <p:timing>
+    <p:tnLst>
+      <p:par>
+        <p:cTn id="1" dur="indefinite" restart="never" nodeType="tmRoot"/>
+      </p:par>
+    </p:tnLst>
+  </p:timing>
+</p:sld>
+</file>
+
+<file path=ppt/slides/slide18.xml><?xml version="1.0" encoding="utf-8"?>
+<p:sld xmlns:a="http://schemas.openxmlformats.org/drawingml/2006/main" xmlns:r="http://schemas.openxmlformats.org/officeDocument/2006/relationships" xmlns:p="http://schemas.openxmlformats.org/presentationml/2006/main">
+  <p:cSld>
+    <p:spTree>
+      <p:nvGrpSpPr>
+        <p:cNvPr id="1" name=""/>
+        <p:cNvGrpSpPr/>
+        <p:nvPr/>
+      </p:nvGrpSpPr>
+      <p:grpSpPr>
+        <a:xfrm>
+          <a:off x="0" y="0"/>
+          <a:ext cx="0" cy="0"/>
+          <a:chOff x="0" y="0"/>
+          <a:chExt cx="0" cy="0"/>
+        </a:xfrm>
+      </p:grpSpPr>
+      <p:sp>
+        <p:nvSpPr>
+          <p:cNvPr id="2" name="Title 1"/>
+          <p:cNvSpPr>
+            <a:spLocks noGrp="1"/>
+          </p:cNvSpPr>
+          <p:nvPr>
+            <p:ph type="title"/>
+          </p:nvPr>
+        </p:nvSpPr>
+        <p:spPr/>
+        <p:txBody>
+          <a:bodyPr/>
+          <a:lstStyle/>
+          <a:p>
+            <a:r>
+              <a:rPr lang="en-US" dirty="0" smtClean="0"/>
+              <a:t>Custom Templates</a:t>
+            </a:r>
+            <a:endParaRPr lang="en-US" dirty="0"/>
+          </a:p>
+        </p:txBody>
+      </p:sp>
+      <p:sp>
+        <p:nvSpPr>
+          <p:cNvPr id="3" name="Content Placeholder 2"/>
+          <p:cNvSpPr>
+            <a:spLocks noGrp="1"/>
+          </p:cNvSpPr>
+          <p:nvPr>
+            <p:ph idx="1"/>
+          </p:nvPr>
+        </p:nvSpPr>
+        <p:spPr>
+          <a:xfrm>
+            <a:off x="228600" y="762000"/>
+            <a:ext cx="8686800" cy="5791200"/>
+          </a:xfrm>
+        </p:spPr>
+        <p:txBody>
+          <a:bodyPr/>
+          <a:lstStyle/>
+          <a:p>
+            <a:r>
+              <a:rPr lang="en-US" dirty="0" smtClean="0"/>
+              <a:t>These view are normal view files</a:t>
+            </a:r>
+          </a:p>
+          <a:p>
+            <a:r>
+              <a:rPr lang="en-US" dirty="0" smtClean="0"/>
+              <a:t>The framework will start using them instead of the default implementations</a:t>
+            </a:r>
+          </a:p>
+          <a:p>
+            <a:r>
+              <a:rPr lang="en-US" dirty="0" smtClean="0"/>
+              <a:t>For example in the </a:t>
+            </a:r>
+            <a:r>
+              <a:rPr lang="en-US" dirty="0" err="1" smtClean="0">
+                <a:solidFill>
+                  <a:schemeClr val="accent5">
+                    <a:lumMod val="20000"/>
+                    <a:lumOff val="80000"/>
+                  </a:schemeClr>
+                </a:solidFill>
+              </a:rPr>
+              <a:t>String.cshtml</a:t>
+            </a:r>
+            <a:endParaRPr lang="en-US" dirty="0" smtClean="0">
+              <a:solidFill>
+                <a:schemeClr val="accent5">
+                  <a:lumMod val="20000"/>
+                  <a:lumOff val="80000"/>
+                </a:schemeClr>
+              </a:solidFill>
+            </a:endParaRPr>
+          </a:p>
+          <a:p>
+            <a:r>
+              <a:rPr lang="en-US" dirty="0" smtClean="0"/>
+              <a:t>Now all strings will be in paragraph</a:t>
+            </a:r>
+            <a:br>
+              <a:rPr lang="en-US" dirty="0" smtClean="0"/>
+            </a:br>
+            <a:r>
+              <a:rPr lang="en-US" dirty="0" smtClean="0"/>
+              <a:t>element and will have quotes surrounding them</a:t>
+            </a:r>
+          </a:p>
+          <a:p>
+            <a:r>
+              <a:rPr lang="en-US" dirty="0" err="1" smtClean="0">
+                <a:solidFill>
+                  <a:schemeClr val="accent5">
+                    <a:lumMod val="20000"/>
+                    <a:lumOff val="80000"/>
+                  </a:schemeClr>
+                </a:solidFill>
+              </a:rPr>
+              <a:t>DisplayFor</a:t>
+            </a:r>
+            <a:r>
+              <a:rPr lang="en-US" dirty="0" smtClean="0"/>
+              <a:t>, </a:t>
+            </a:r>
+            <a:r>
+              <a:rPr lang="en-US" dirty="0" err="1" smtClean="0">
+                <a:solidFill>
+                  <a:schemeClr val="accent5">
+                    <a:lumMod val="20000"/>
+                    <a:lumOff val="80000"/>
+                  </a:schemeClr>
+                </a:solidFill>
+              </a:rPr>
+              <a:t>EditorFor</a:t>
+            </a:r>
+            <a:r>
+              <a:rPr lang="en-US" dirty="0" smtClean="0">
+                <a:solidFill>
+                  <a:schemeClr val="accent5">
+                    <a:lumMod val="20000"/>
+                    <a:lumOff val="80000"/>
+                  </a:schemeClr>
+                </a:solidFill>
+              </a:rPr>
+              <a:t> </a:t>
+            </a:r>
+            <a:r>
+              <a:rPr lang="en-US" dirty="0" smtClean="0"/>
+              <a:t>-&gt; for properties</a:t>
+            </a:r>
+          </a:p>
+          <a:p>
+            <a:r>
+              <a:rPr lang="en-US" dirty="0" err="1" smtClean="0">
+                <a:solidFill>
+                  <a:schemeClr val="accent5">
+                    <a:lumMod val="20000"/>
+                    <a:lumOff val="80000"/>
+                  </a:schemeClr>
+                </a:solidFill>
+              </a:rPr>
+              <a:t>DisplayForModel</a:t>
+            </a:r>
+            <a:r>
+              <a:rPr lang="en-US" dirty="0" smtClean="0"/>
+              <a:t>, </a:t>
+            </a:r>
+            <a:r>
+              <a:rPr lang="en-US" dirty="0" err="1" smtClean="0">
+                <a:solidFill>
+                  <a:schemeClr val="accent5">
+                    <a:lumMod val="20000"/>
+                    <a:lumOff val="80000"/>
+                  </a:schemeClr>
+                </a:solidFill>
+              </a:rPr>
+              <a:t>EditorForModel</a:t>
+            </a:r>
+            <a:r>
+              <a:rPr lang="en-US" dirty="0" smtClean="0">
+                <a:solidFill>
+                  <a:schemeClr val="accent5">
+                    <a:lumMod val="20000"/>
+                    <a:lumOff val="80000"/>
+                  </a:schemeClr>
+                </a:solidFill>
+              </a:rPr>
+              <a:t> </a:t>
+            </a:r>
+            <a:r>
+              <a:rPr lang="en-US" dirty="0" smtClean="0"/>
+              <a:t>-&gt; for model</a:t>
+            </a:r>
+            <a:endParaRPr lang="en-US" dirty="0" smtClean="0"/>
+          </a:p>
+          <a:p>
+            <a:endParaRPr lang="en-US" dirty="0"/>
+          </a:p>
+        </p:txBody>
+      </p:sp>
+      <p:sp>
+        <p:nvSpPr>
+          <p:cNvPr id="4" name="Slide Number Placeholder 3"/>
+          <p:cNvSpPr>
+            <a:spLocks noGrp="1"/>
+          </p:cNvSpPr>
+          <p:nvPr>
+            <p:ph type="sldNum" sz="quarter" idx="10"/>
+          </p:nvPr>
+        </p:nvSpPr>
+        <p:spPr/>
+        <p:txBody>
+          <a:bodyPr/>
+          <a:lstStyle/>
+          <a:p>
+            <a:pPr>
+              <a:defRPr/>
+            </a:pPr>
+            <a:fld id="{58452FF4-89E3-4D1B-9927-2DBDC00E58D7}" type="slidenum">
+              <a:rPr lang="en-US" smtClean="0"/>
+              <a:pPr>
+                <a:defRPr/>
+              </a:pPr>
+              <a:t>18</a:t>
+            </a:fld>
+            <a:endParaRPr lang="en-US" dirty="0"/>
+          </a:p>
+        </p:txBody>
+      </p:sp>
+      <p:pic>
+        <p:nvPicPr>
+          <p:cNvPr id="10242" name="Picture 2"/>
+          <p:cNvPicPr>
+            <a:picLocks noChangeAspect="1" noChangeArrowheads="1"/>
+          </p:cNvPicPr>
+          <p:nvPr/>
+        </p:nvPicPr>
+        <p:blipFill>
+          <a:blip r:embed="rId2">
+            <a:extLst>
+              <a:ext uri="{28A0092B-C50C-407E-A947-70E740481C1C}">
+                <a14:useLocalDpi xmlns:a14="http://schemas.microsoft.com/office/drawing/2010/main" val="0"/>
+              </a:ext>
+            </a:extLst>
+          </a:blip>
+          <a:srcRect/>
+          <a:stretch>
+            <a:fillRect/>
+          </a:stretch>
+        </p:blipFill>
+        <p:spPr bwMode="auto">
+          <a:xfrm>
+            <a:off x="6934200" y="2286000"/>
+            <a:ext cx="1524000" cy="1243263"/>
+          </a:xfrm>
+          <a:prstGeom prst="rect">
+            <a:avLst/>
+          </a:prstGeom>
+          <a:noFill/>
+          <a:ln>
+            <a:noFill/>
+          </a:ln>
+          <a:extLst>
+            <a:ext uri="{909E8E84-426E-40DD-AFC4-6F175D3DCCD1}">
+              <a14:hiddenFill xmlns:a14="http://schemas.microsoft.com/office/drawing/2010/main">
+                <a:solidFill>
+                  <a:schemeClr val="accent1"/>
+                </a:solidFill>
+              </a14:hiddenFill>
+            </a:ext>
+            <a:ext uri="{91240B29-F687-4F45-9708-019B960494DF}">
+              <a14:hiddenLine xmlns:a14="http://schemas.microsoft.com/office/drawing/2010/main" w="9525">
+                <a:solidFill>
+                  <a:schemeClr val="tx1"/>
+                </a:solidFill>
+                <a:miter lim="800000"/>
+                <a:headEnd/>
+                <a:tailEnd/>
+              </a14:hiddenLine>
+            </a:ext>
+          </a:extLst>
+        </p:spPr>
+      </p:pic>
+    </p:spTree>
+    <p:extLst>
+      <p:ext uri="{BB962C8B-B14F-4D97-AF65-F5344CB8AC3E}">
+        <p14:creationId xmlns:p14="http://schemas.microsoft.com/office/powerpoint/2010/main" val="2522278271"/>
+      </p:ext>
+    </p:extLst>
+  </p:cSld>
+  <p:clrMapOvr>
+    <a:masterClrMapping/>
+  </p:clrMapOvr>
+  <p:timing>
+    <p:tnLst>
+      <p:par>
+        <p:cTn id="1" dur="indefinite" restart="never" nodeType="tmRoot"/>
+      </p:par>
+    </p:tnLst>
+  </p:timing>
+</p:sld>
+</file>
+
+<file path=ppt/slides/slide19.xml><?xml version="1.0" encoding="utf-8"?>
+<p:sld xmlns:a="http://schemas.openxmlformats.org/drawingml/2006/main" xmlns:r="http://schemas.openxmlformats.org/officeDocument/2006/relationships" xmlns:p="http://schemas.openxmlformats.org/presentationml/2006/main">
+  <p:cSld>
+    <p:spTree>
+      <p:nvGrpSpPr>
+        <p:cNvPr id="1" name=""/>
+        <p:cNvGrpSpPr/>
+        <p:nvPr/>
+      </p:nvGrpSpPr>
+      <p:grpSpPr>
+        <a:xfrm>
+          <a:off x="0" y="0"/>
+          <a:ext cx="0" cy="0"/>
+          <a:chOff x="0" y="0"/>
+          <a:chExt cx="0" cy="0"/>
+        </a:xfrm>
+      </p:grpSpPr>
+      <p:sp>
+        <p:nvSpPr>
+          <p:cNvPr id="2" name="Title 1"/>
+          <p:cNvSpPr>
+            <a:spLocks noGrp="1"/>
+          </p:cNvSpPr>
+          <p:nvPr>
+            <p:ph type="title"/>
+          </p:nvPr>
+        </p:nvSpPr>
+        <p:spPr/>
+        <p:txBody>
+          <a:bodyPr/>
+          <a:lstStyle/>
+          <a:p>
+            <a:r>
+              <a:rPr lang="en-US" dirty="0" smtClean="0"/>
+              <a:t>Custom Templates</a:t>
+            </a:r>
+            <a:endParaRPr lang="en-US" dirty="0"/>
+          </a:p>
+        </p:txBody>
+      </p:sp>
+      <p:sp>
+        <p:nvSpPr>
+          <p:cNvPr id="3" name="Content Placeholder 2"/>
+          <p:cNvSpPr>
+            <a:spLocks noGrp="1"/>
+          </p:cNvSpPr>
+          <p:nvPr>
+            <p:ph idx="1"/>
+          </p:nvPr>
+        </p:nvSpPr>
+        <p:spPr>
+          <a:xfrm>
+            <a:off x="228600" y="762000"/>
+            <a:ext cx="8686800" cy="5791200"/>
+          </a:xfrm>
+        </p:spPr>
+        <p:txBody>
+          <a:bodyPr/>
+          <a:lstStyle/>
+          <a:p>
+            <a:r>
+              <a:rPr lang="en-US" dirty="0" smtClean="0"/>
+              <a:t>These view are normal view files</a:t>
+            </a:r>
+          </a:p>
+          <a:p>
+            <a:r>
+              <a:rPr lang="en-US" dirty="0" smtClean="0"/>
+              <a:t>The framework will start using them instead of the default implementations</a:t>
+            </a:r>
+          </a:p>
+          <a:p>
+            <a:r>
+              <a:rPr lang="en-US" dirty="0" smtClean="0"/>
+              <a:t>For example in the </a:t>
+            </a:r>
+            <a:r>
+              <a:rPr lang="en-US" dirty="0" err="1" smtClean="0">
+                <a:solidFill>
+                  <a:schemeClr val="accent5">
+                    <a:lumMod val="20000"/>
+                    <a:lumOff val="80000"/>
+                  </a:schemeClr>
+                </a:solidFill>
+              </a:rPr>
+              <a:t>String.cshtml</a:t>
+            </a:r>
+            <a:endParaRPr lang="en-US" dirty="0" smtClean="0">
+              <a:solidFill>
+                <a:schemeClr val="accent5">
+                  <a:lumMod val="20000"/>
+                  <a:lumOff val="80000"/>
+                </a:schemeClr>
+              </a:solidFill>
+            </a:endParaRPr>
+          </a:p>
+          <a:p>
+            <a:r>
+              <a:rPr lang="en-US" dirty="0" smtClean="0"/>
+              <a:t>Now all strings will be in paragraph</a:t>
+            </a:r>
+            <a:br>
+              <a:rPr lang="en-US" dirty="0" smtClean="0"/>
+            </a:br>
+            <a:r>
+              <a:rPr lang="en-US" dirty="0" smtClean="0"/>
+              <a:t>element and will have quotes surrounding them</a:t>
+            </a:r>
+          </a:p>
+          <a:p>
+            <a:r>
+              <a:rPr lang="en-US" dirty="0" err="1" smtClean="0">
+                <a:solidFill>
+                  <a:schemeClr val="accent5">
+                    <a:lumMod val="20000"/>
+                    <a:lumOff val="80000"/>
+                  </a:schemeClr>
+                </a:solidFill>
+              </a:rPr>
+              <a:t>DisplayFor</a:t>
+            </a:r>
+            <a:r>
+              <a:rPr lang="en-US" dirty="0" smtClean="0"/>
+              <a:t>, </a:t>
+            </a:r>
+            <a:r>
+              <a:rPr lang="en-US" dirty="0" err="1" smtClean="0">
+                <a:solidFill>
+                  <a:schemeClr val="accent5">
+                    <a:lumMod val="20000"/>
+                    <a:lumOff val="80000"/>
+                  </a:schemeClr>
+                </a:solidFill>
+              </a:rPr>
+              <a:t>EditorFor</a:t>
+            </a:r>
+            <a:r>
+              <a:rPr lang="en-US" dirty="0" smtClean="0">
+                <a:solidFill>
+                  <a:schemeClr val="accent5">
+                    <a:lumMod val="20000"/>
+                    <a:lumOff val="80000"/>
+                  </a:schemeClr>
+                </a:solidFill>
+              </a:rPr>
+              <a:t> </a:t>
+            </a:r>
+            <a:r>
+              <a:rPr lang="en-US" dirty="0" smtClean="0"/>
+              <a:t>-&gt; for properties</a:t>
+            </a:r>
+          </a:p>
+          <a:p>
+            <a:r>
+              <a:rPr lang="en-US" dirty="0" err="1" smtClean="0">
+                <a:solidFill>
+                  <a:schemeClr val="accent5">
+                    <a:lumMod val="20000"/>
+                    <a:lumOff val="80000"/>
+                  </a:schemeClr>
+                </a:solidFill>
+              </a:rPr>
+              <a:t>DisplayForModel</a:t>
+            </a:r>
+            <a:r>
+              <a:rPr lang="en-US" dirty="0" smtClean="0"/>
+              <a:t>, </a:t>
+            </a:r>
+            <a:r>
+              <a:rPr lang="en-US" dirty="0" err="1" smtClean="0">
+                <a:solidFill>
+                  <a:schemeClr val="accent5">
+                    <a:lumMod val="20000"/>
+                    <a:lumOff val="80000"/>
+                  </a:schemeClr>
+                </a:solidFill>
+              </a:rPr>
+              <a:t>EditorForModel</a:t>
+            </a:r>
+            <a:r>
+              <a:rPr lang="en-US" dirty="0" smtClean="0">
+                <a:solidFill>
+                  <a:schemeClr val="accent5">
+                    <a:lumMod val="20000"/>
+                    <a:lumOff val="80000"/>
+                  </a:schemeClr>
+                </a:solidFill>
+              </a:rPr>
+              <a:t> </a:t>
+            </a:r>
+            <a:r>
+              <a:rPr lang="en-US" dirty="0" smtClean="0"/>
+              <a:t>-&gt; for model</a:t>
+            </a:r>
+            <a:endParaRPr lang="en-US" dirty="0" smtClean="0"/>
+          </a:p>
+          <a:p>
+            <a:endParaRPr lang="en-US" dirty="0"/>
+          </a:p>
+        </p:txBody>
+      </p:sp>
+      <p:sp>
+        <p:nvSpPr>
+          <p:cNvPr id="4" name="Slide Number Placeholder 3"/>
+          <p:cNvSpPr>
+            <a:spLocks noGrp="1"/>
+          </p:cNvSpPr>
+          <p:nvPr>
+            <p:ph type="sldNum" sz="quarter" idx="10"/>
+          </p:nvPr>
+        </p:nvSpPr>
+        <p:spPr/>
+        <p:txBody>
+          <a:bodyPr/>
+          <a:lstStyle/>
+          <a:p>
+            <a:pPr>
+              <a:defRPr/>
+            </a:pPr>
+            <a:fld id="{58452FF4-89E3-4D1B-9927-2DBDC00E58D7}" type="slidenum">
+              <a:rPr lang="en-US" smtClean="0"/>
+              <a:pPr>
+                <a:defRPr/>
+              </a:pPr>
+              <a:t>19</a:t>
+            </a:fld>
+            <a:endParaRPr lang="en-US" dirty="0"/>
+          </a:p>
+        </p:txBody>
+      </p:sp>
+      <p:pic>
+        <p:nvPicPr>
+          <p:cNvPr id="10242" name="Picture 2"/>
+          <p:cNvPicPr>
+            <a:picLocks noChangeAspect="1" noChangeArrowheads="1"/>
+          </p:cNvPicPr>
+          <p:nvPr/>
+        </p:nvPicPr>
+        <p:blipFill>
+          <a:blip r:embed="rId2">
+            <a:extLst>
+              <a:ext uri="{28A0092B-C50C-407E-A947-70E740481C1C}">
+                <a14:useLocalDpi xmlns:a14="http://schemas.microsoft.com/office/drawing/2010/main" val="0"/>
+              </a:ext>
+            </a:extLst>
+          </a:blip>
+          <a:srcRect/>
+          <a:stretch>
+            <a:fillRect/>
+          </a:stretch>
+        </p:blipFill>
+        <p:spPr bwMode="auto">
+          <a:xfrm>
+            <a:off x="6934200" y="2286000"/>
+            <a:ext cx="1524000" cy="1243263"/>
+          </a:xfrm>
+          <a:prstGeom prst="rect">
+            <a:avLst/>
+          </a:prstGeom>
+          <a:noFill/>
+          <a:ln>
+            <a:noFill/>
+          </a:ln>
+          <a:extLst>
+            <a:ext uri="{909E8E84-426E-40DD-AFC4-6F175D3DCCD1}">
+              <a14:hiddenFill xmlns:a14="http://schemas.microsoft.com/office/drawing/2010/main">
+                <a:solidFill>
+                  <a:schemeClr val="accent1"/>
+                </a:solidFill>
+              </a14:hiddenFill>
+            </a:ext>
+            <a:ext uri="{91240B29-F687-4F45-9708-019B960494DF}">
+              <a14:hiddenLine xmlns:a14="http://schemas.microsoft.com/office/drawing/2010/main" w="9525">
+                <a:solidFill>
+                  <a:schemeClr val="tx1"/>
+                </a:solidFill>
+                <a:miter lim="800000"/>
+                <a:headEnd/>
+                <a:tailEnd/>
+              </a14:hiddenLine>
+            </a:ext>
+          </a:extLst>
+        </p:spPr>
+      </p:pic>
+    </p:spTree>
+    <p:extLst>
+      <p:ext uri="{BB962C8B-B14F-4D97-AF65-F5344CB8AC3E}">
+        <p14:creationId xmlns:p14="http://schemas.microsoft.com/office/powerpoint/2010/main" val="1080372831"/>
+      </p:ext>
+    </p:extLst>
+  </p:cSld>
+  <p:clrMapOvr>
+    <a:masterClrMapping/>
+  </p:clrMapOvr>
+  <p:timing>
+    <p:tnLst>
+      <p:par>
+        <p:cTn id="1" dur="indefinite" restart="never" nodeType="tmRoot"/>
+      </p:par>
+    </p:tnLst>
+  </p:timing>
+</p:sld>
+</file>
+
+<file path=ppt/slides/slide2.xml><?xml version="1.0" encoding="utf-8"?>
+<p:sld xmlns:a="http://schemas.openxmlformats.org/drawingml/2006/main" xmlns:r="http://schemas.openxmlformats.org/officeDocument/2006/relationships" xmlns:p="http://schemas.openxmlformats.org/presentationml/2006/main">
+  <p:cSld>
+    <p:spTree>
+      <p:nvGrpSpPr>
+        <p:cNvPr id="1" name=""/>
+        <p:cNvGrpSpPr/>
+        <p:nvPr/>
+      </p:nvGrpSpPr>
+      <p:grpSpPr>
+        <a:xfrm>
+          <a:off x="0" y="0"/>
+          <a:ext cx="0" cy="0"/>
+          <a:chOff x="0" y="0"/>
+          <a:chExt cx="0" cy="0"/>
+        </a:xfrm>
+      </p:grpSpPr>
+      <p:sp>
+        <p:nvSpPr>
+          <p:cNvPr id="2" name="Title 1"/>
+          <p:cNvSpPr>
+            <a:spLocks noGrp="1"/>
+          </p:cNvSpPr>
+          <p:nvPr>
+            <p:ph type="title"/>
+          </p:nvPr>
+        </p:nvSpPr>
+        <p:spPr/>
+        <p:txBody>
+          <a:bodyPr/>
+          <a:lstStyle/>
+          <a:p>
+            <a:r>
+              <a:rPr lang="en-US" dirty="0" smtClean="0"/>
+              <a:t>Table of Contents</a:t>
+            </a:r>
+            <a:endParaRPr lang="bg-BG" dirty="0"/>
+          </a:p>
+        </p:txBody>
+      </p:sp>
+      <p:sp>
+        <p:nvSpPr>
+          <p:cNvPr id="3" name="Content Placeholder 2"/>
+          <p:cNvSpPr>
+            <a:spLocks noGrp="1"/>
+          </p:cNvSpPr>
+          <p:nvPr>
+            <p:ph idx="1"/>
+          </p:nvPr>
+        </p:nvSpPr>
+        <p:spPr>
+          <a:xfrm>
+            <a:off x="228600" y="685800"/>
+            <a:ext cx="8686800" cy="5791200"/>
+          </a:xfrm>
+        </p:spPr>
+        <p:txBody>
+          <a:bodyPr/>
+          <a:lstStyle/>
+          <a:p>
+            <a:r>
+              <a:rPr lang="en-US" dirty="0" smtClean="0"/>
+              <a:t>Scaffolding</a:t>
+            </a:r>
+          </a:p>
+          <a:p>
+            <a:r>
+              <a:rPr lang="en-US" dirty="0" smtClean="0"/>
+              <a:t>Model Binders</a:t>
+            </a:r>
+          </a:p>
+          <a:p>
+            <a:r>
+              <a:rPr lang="en-US" dirty="0"/>
+              <a:t>Editor &amp; Display Templates</a:t>
+            </a:r>
+          </a:p>
+          <a:p>
+            <a:r>
+              <a:rPr lang="en-US" dirty="0" smtClean="0"/>
+              <a:t>Data </a:t>
+            </a:r>
+            <a:r>
+              <a:rPr lang="en-US" dirty="0" smtClean="0"/>
+              <a:t>Validation</a:t>
+            </a:r>
+          </a:p>
+          <a:p>
+            <a:r>
+              <a:rPr lang="en-US" dirty="0" smtClean="0"/>
+              <a:t>Session, </a:t>
+            </a:r>
+            <a:r>
+              <a:rPr lang="en-US" dirty="0" err="1" smtClean="0"/>
+              <a:t>TempData</a:t>
+            </a:r>
+            <a:endParaRPr lang="en-US" dirty="0" smtClean="0"/>
+          </a:p>
+          <a:p>
+            <a:r>
+              <a:rPr lang="en-US" dirty="0" smtClean="0"/>
+              <a:t>Working </a:t>
+            </a:r>
+            <a:r>
+              <a:rPr lang="en-US" dirty="0"/>
+              <a:t>with Data </a:t>
+            </a:r>
+            <a:r>
+              <a:rPr lang="en-US" dirty="0" smtClean="0"/>
+              <a:t>Source</a:t>
+            </a:r>
+          </a:p>
+          <a:p>
+            <a:pPr lvl="1"/>
+            <a:r>
+              <a:rPr lang="en-US" dirty="0" smtClean="0"/>
+              <a:t>Repository </a:t>
+            </a:r>
+            <a:r>
+              <a:rPr lang="en-US" dirty="0"/>
+              <a:t>Pattern</a:t>
+            </a:r>
+          </a:p>
+          <a:p>
+            <a:pPr lvl="1"/>
+            <a:r>
+              <a:rPr lang="en-US" dirty="0"/>
+              <a:t>Unit of Work </a:t>
+            </a:r>
+            <a:r>
+              <a:rPr lang="en-US" dirty="0" smtClean="0"/>
+              <a:t>Pattern</a:t>
+            </a:r>
+          </a:p>
+          <a:p>
+            <a:pPr lvl="1"/>
+            <a:r>
+              <a:rPr lang="en-US" dirty="0" err="1" smtClean="0"/>
+              <a:t>Ninject</a:t>
+            </a:r>
+            <a:r>
+              <a:rPr lang="en-US" dirty="0" smtClean="0"/>
+              <a:t> </a:t>
+            </a:r>
+            <a:r>
+              <a:rPr lang="en-US" dirty="0" err="1" smtClean="0"/>
+              <a:t>IoC</a:t>
+            </a:r>
+            <a:r>
+              <a:rPr lang="en-US" dirty="0" smtClean="0"/>
+              <a:t> and </a:t>
+            </a:r>
+            <a:r>
+              <a:rPr lang="en-US" dirty="0" err="1" smtClean="0"/>
+              <a:t>AutoMapper</a:t>
+            </a:r>
+            <a:endParaRPr lang="en-US" dirty="0"/>
+          </a:p>
+        </p:txBody>
+      </p:sp>
+      <p:sp>
+        <p:nvSpPr>
+          <p:cNvPr id="4" name="Slide Number Placeholder 3"/>
+          <p:cNvSpPr>
+            <a:spLocks noGrp="1"/>
+          </p:cNvSpPr>
+          <p:nvPr>
+            <p:ph type="sldNum" sz="quarter" idx="10"/>
+          </p:nvPr>
+        </p:nvSpPr>
+        <p:spPr/>
+        <p:txBody>
+          <a:bodyPr/>
+          <a:lstStyle/>
+          <a:p>
+            <a:pPr>
+              <a:defRPr/>
+            </a:pPr>
+            <a:fld id="{58452FF4-89E3-4D1B-9927-2DBDC00E58D7}" type="slidenum">
+              <a:rPr lang="en-US" smtClean="0"/>
+              <a:pPr>
+                <a:defRPr/>
+              </a:pPr>
+              <a:t>2</a:t>
+            </a:fld>
+            <a:endParaRPr lang="en-US" dirty="0"/>
+          </a:p>
+        </p:txBody>
+      </p:sp>
+      <p:pic>
+        <p:nvPicPr>
+          <p:cNvPr id="5" name="Picture 5" descr="C:\Users\nkostov\Desktop\Untitled.png"/>
+          <p:cNvPicPr>
+            <a:picLocks noChangeAspect="1" noChangeArrowheads="1"/>
+          </p:cNvPicPr>
+          <p:nvPr/>
+        </p:nvPicPr>
+        <p:blipFill>
+          <a:blip r:embed="rId2">
+            <a:extLst>
+              <a:ext uri="{28A0092B-C50C-407E-A947-70E740481C1C}">
+                <a14:useLocalDpi xmlns:a14="http://schemas.microsoft.com/office/drawing/2010/main"/>
+              </a:ext>
+            </a:extLst>
+          </a:blip>
+          <a:srcRect/>
+          <a:stretch>
+            <a:fillRect/>
+          </a:stretch>
+        </p:blipFill>
+        <p:spPr bwMode="auto">
+          <a:xfrm rot="1502284">
+            <a:off x="4889790" y="3295395"/>
+            <a:ext cx="4223956" cy="3519963"/>
+          </a:xfrm>
+          <a:prstGeom prst="rect">
+            <a:avLst/>
+          </a:prstGeom>
+          <a:ln>
+            <a:noFill/>
+          </a:ln>
+          <a:effectLst>
+            <a:softEdge rad="112500"/>
+          </a:effectLst>
+          <a:extLst>
+            <a:ext uri="{909E8E84-426E-40DD-AFC4-6F175D3DCCD1}">
+              <a14:hiddenFill xmlns:a14="http://schemas.microsoft.com/office/drawing/2010/main">
+                <a:solidFill>
+                  <a:srgbClr val="FFFFFF"/>
+                </a:solidFill>
+              </a14:hiddenFill>
+            </a:ext>
+          </a:extLst>
+        </p:spPr>
+      </p:pic>
+      <p:pic>
+        <p:nvPicPr>
+          <p:cNvPr id="6" name="Picture 5"/>
+          <p:cNvPicPr>
+            <a:picLocks noChangeAspect="1"/>
+          </p:cNvPicPr>
+          <p:nvPr/>
+        </p:nvPicPr>
+        <p:blipFill>
+          <a:blip r:embed="rId3" cstate="screen">
+            <a:extLst>
+              <a:ext uri="{28A0092B-C50C-407E-A947-70E740481C1C}">
+                <a14:useLocalDpi xmlns:a14="http://schemas.microsoft.com/office/drawing/2010/main"/>
+              </a:ext>
+            </a:extLst>
+          </a:blip>
+          <a:stretch>
+            <a:fillRect/>
+          </a:stretch>
+        </p:blipFill>
+        <p:spPr>
+          <a:xfrm>
+            <a:off x="5638800" y="838200"/>
+            <a:ext cx="2373342" cy="2332838"/>
+          </a:xfrm>
+          <a:prstGeom prst="rect">
+            <a:avLst/>
+          </a:prstGeom>
+          <a:effectLst>
+            <a:softEdge rad="38100"/>
+          </a:effectLst>
+        </p:spPr>
+      </p:pic>
+    </p:spTree>
+    <p:extLst>
+      <p:ext uri="{BB962C8B-B14F-4D97-AF65-F5344CB8AC3E}">
+        <p14:creationId xmlns:p14="http://schemas.microsoft.com/office/powerpoint/2010/main" val="1442871658"/>
+      </p:ext>
+    </p:extLst>
+  </p:cSld>
+  <p:clrMapOvr>
+    <a:masterClrMapping/>
+  </p:clrMapOvr>
+  <p:timing>
+    <p:tnLst>
+      <p:par>
+        <p:cTn id="1" dur="indefinite" restart="never" nodeType="tmRoot"/>
+      </p:par>
+    </p:tnLst>
+  </p:timing>
+</p:sld>
+</file>
+
+<file path=ppt/slides/slide20.xml><?xml version="1.0" encoding="utf-8"?>
+<p:sld xmlns:a="http://schemas.openxmlformats.org/drawingml/2006/main" xmlns:r="http://schemas.openxmlformats.org/officeDocument/2006/relationships" xmlns:p="http://schemas.openxmlformats.org/presentationml/2006/main">
+  <p:cSld>
+    <p:spTree>
+      <p:nvGrpSpPr>
+        <p:cNvPr id="1" name=""/>
+        <p:cNvGrpSpPr/>
+        <p:nvPr/>
+      </p:nvGrpSpPr>
+      <p:grpSpPr>
+        <a:xfrm>
+          <a:off x="0" y="0"/>
+          <a:ext cx="0" cy="0"/>
+          <a:chOff x="0" y="0"/>
+          <a:chExt cx="0" cy="0"/>
+        </a:xfrm>
+      </p:grpSpPr>
+      <p:sp>
+        <p:nvSpPr>
+          <p:cNvPr id="2" name="Title 1"/>
+          <p:cNvSpPr>
+            <a:spLocks noGrp="1"/>
+          </p:cNvSpPr>
+          <p:nvPr>
+            <p:ph type="title"/>
+          </p:nvPr>
+        </p:nvSpPr>
+        <p:spPr/>
+        <p:txBody>
+          <a:bodyPr/>
+          <a:lstStyle/>
+          <a:p>
+            <a:r>
+              <a:rPr lang="en-US" dirty="0" smtClean="0"/>
+              <a:t>Custom Templates</a:t>
+            </a:r>
+            <a:endParaRPr lang="en-US" dirty="0"/>
+          </a:p>
+        </p:txBody>
+      </p:sp>
+      <p:sp>
+        <p:nvSpPr>
+          <p:cNvPr id="3" name="Content Placeholder 2"/>
+          <p:cNvSpPr>
+            <a:spLocks noGrp="1"/>
+          </p:cNvSpPr>
+          <p:nvPr>
+            <p:ph idx="1"/>
+          </p:nvPr>
+        </p:nvSpPr>
+        <p:spPr>
+          <a:xfrm>
+            <a:off x="76200" y="1066800"/>
+            <a:ext cx="8991600" cy="5791200"/>
+          </a:xfrm>
+        </p:spPr>
+        <p:txBody>
+          <a:bodyPr/>
+          <a:lstStyle/>
+          <a:p>
+            <a:r>
+              <a:rPr lang="en-US" dirty="0" smtClean="0"/>
+              <a:t>Passing additional information to the templates</a:t>
+            </a:r>
+          </a:p>
+          <a:p>
+            <a:pPr lvl="1"/>
+            <a:r>
+              <a:rPr lang="en-US" dirty="0" smtClean="0"/>
+              <a:t>There is an object "</a:t>
+            </a:r>
+            <a:r>
+              <a:rPr lang="en-US" dirty="0" err="1" smtClean="0">
+                <a:solidFill>
+                  <a:schemeClr val="accent5">
+                    <a:lumMod val="20000"/>
+                    <a:lumOff val="80000"/>
+                  </a:schemeClr>
+                </a:solidFill>
+              </a:rPr>
+              <a:t>additionalViewData</a:t>
+            </a:r>
+            <a:r>
+              <a:rPr lang="en-US" dirty="0" smtClean="0"/>
+              <a:t>" in the helper methods as parameter</a:t>
+            </a:r>
+          </a:p>
+          <a:p>
+            <a:pPr lvl="1"/>
+            <a:r>
+              <a:rPr lang="en-US" dirty="0" smtClean="0"/>
+              <a:t>You can pass anything there as anonymous type</a:t>
+            </a:r>
+          </a:p>
+          <a:p>
+            <a:pPr lvl="1"/>
+            <a:endParaRPr lang="en-US" dirty="0"/>
+          </a:p>
+          <a:p>
+            <a:pPr lvl="1"/>
+            <a:r>
+              <a:rPr lang="en-US" dirty="0" smtClean="0"/>
+              <a:t>And get the values from the </a:t>
+            </a:r>
+            <a:r>
+              <a:rPr lang="en-US" dirty="0" err="1" smtClean="0">
+                <a:solidFill>
+                  <a:schemeClr val="accent5">
+                    <a:lumMod val="20000"/>
+                    <a:lumOff val="80000"/>
+                  </a:schemeClr>
+                </a:solidFill>
+              </a:rPr>
+              <a:t>ViewData</a:t>
+            </a:r>
+            <a:r>
+              <a:rPr lang="en-US" dirty="0" smtClean="0"/>
+              <a:t>/</a:t>
+            </a:r>
+            <a:r>
+              <a:rPr lang="en-US" dirty="0" err="1" smtClean="0">
+                <a:solidFill>
+                  <a:schemeClr val="accent5">
+                    <a:lumMod val="20000"/>
+                    <a:lumOff val="80000"/>
+                  </a:schemeClr>
+                </a:solidFill>
+              </a:rPr>
+              <a:t>ViewBag</a:t>
+            </a:r>
+            <a:endParaRPr lang="en-US" dirty="0" smtClean="0">
+              <a:solidFill>
+                <a:schemeClr val="accent5">
+                  <a:lumMod val="20000"/>
+                  <a:lumOff val="80000"/>
+                </a:schemeClr>
+              </a:solidFill>
+            </a:endParaRPr>
+          </a:p>
+          <a:p>
+            <a:pPr lvl="1"/>
+            <a:endParaRPr lang="en-US" dirty="0"/>
+          </a:p>
+        </p:txBody>
+      </p:sp>
+      <p:sp>
+        <p:nvSpPr>
+          <p:cNvPr id="4" name="Slide Number Placeholder 3"/>
+          <p:cNvSpPr>
+            <a:spLocks noGrp="1"/>
+          </p:cNvSpPr>
+          <p:nvPr>
+            <p:ph type="sldNum" sz="quarter" idx="10"/>
+          </p:nvPr>
+        </p:nvSpPr>
+        <p:spPr/>
+        <p:txBody>
+          <a:bodyPr/>
+          <a:lstStyle/>
+          <a:p>
+            <a:pPr>
+              <a:defRPr/>
+            </a:pPr>
+            <a:fld id="{58452FF4-89E3-4D1B-9927-2DBDC00E58D7}" type="slidenum">
+              <a:rPr lang="en-US" smtClean="0"/>
+              <a:pPr>
+                <a:defRPr/>
+              </a:pPr>
+              <a:t>20</a:t>
+            </a:fld>
+            <a:endParaRPr lang="en-US" dirty="0"/>
+          </a:p>
+        </p:txBody>
+      </p:sp>
+      <p:pic>
+        <p:nvPicPr>
+          <p:cNvPr id="11266" name="Picture 2"/>
+          <p:cNvPicPr>
+            <a:picLocks noChangeAspect="1" noChangeArrowheads="1"/>
+          </p:cNvPicPr>
+          <p:nvPr/>
+        </p:nvPicPr>
+        <p:blipFill>
+          <a:blip r:embed="rId2">
+            <a:extLst>
+              <a:ext uri="{28A0092B-C50C-407E-A947-70E740481C1C}">
+                <a14:useLocalDpi xmlns:a14="http://schemas.microsoft.com/office/drawing/2010/main" val="0"/>
+              </a:ext>
+            </a:extLst>
+          </a:blip>
+          <a:srcRect/>
+          <a:stretch>
+            <a:fillRect/>
+          </a:stretch>
+        </p:blipFill>
+        <p:spPr bwMode="auto">
+          <a:xfrm>
+            <a:off x="1049867" y="3576376"/>
+            <a:ext cx="7245723" cy="366712"/>
+          </a:xfrm>
+          <a:prstGeom prst="rect">
+            <a:avLst/>
+          </a:prstGeom>
+          <a:noFill/>
+          <a:ln>
+            <a:noFill/>
+          </a:ln>
+          <a:extLst>
+            <a:ext uri="{909E8E84-426E-40DD-AFC4-6F175D3DCCD1}">
+              <a14:hiddenFill xmlns:a14="http://schemas.microsoft.com/office/drawing/2010/main">
+                <a:solidFill>
+                  <a:schemeClr val="accent1"/>
+                </a:solidFill>
+              </a14:hiddenFill>
+            </a:ext>
+            <a:ext uri="{91240B29-F687-4F45-9708-019B960494DF}">
+              <a14:hiddenLine xmlns:a14="http://schemas.microsoft.com/office/drawing/2010/main" w="9525">
+                <a:solidFill>
+                  <a:schemeClr val="tx1"/>
+                </a:solidFill>
+                <a:miter lim="800000"/>
+                <a:headEnd/>
+                <a:tailEnd/>
+              </a14:hiddenLine>
+            </a:ext>
+          </a:extLst>
+        </p:spPr>
+      </p:pic>
+      <p:pic>
+        <p:nvPicPr>
+          <p:cNvPr id="11267" name="Picture 3"/>
+          <p:cNvPicPr>
+            <a:picLocks noChangeAspect="1" noChangeArrowheads="1"/>
+          </p:cNvPicPr>
+          <p:nvPr/>
+        </p:nvPicPr>
+        <p:blipFill>
+          <a:blip r:embed="rId3">
+            <a:extLst>
+              <a:ext uri="{28A0092B-C50C-407E-A947-70E740481C1C}">
+                <a14:useLocalDpi xmlns:a14="http://schemas.microsoft.com/office/drawing/2010/main" val="0"/>
+              </a:ext>
+            </a:extLst>
+          </a:blip>
+          <a:srcRect/>
+          <a:stretch>
+            <a:fillRect/>
+          </a:stretch>
+        </p:blipFill>
+        <p:spPr bwMode="auto">
+          <a:xfrm>
+            <a:off x="2283946" y="4910667"/>
+            <a:ext cx="4777563" cy="609600"/>
+          </a:xfrm>
+          <a:prstGeom prst="rect">
+            <a:avLst/>
+          </a:prstGeom>
+          <a:noFill/>
+          <a:ln>
+            <a:noFill/>
+          </a:ln>
+          <a:extLst>
+            <a:ext uri="{909E8E84-426E-40DD-AFC4-6F175D3DCCD1}">
+              <a14:hiddenFill xmlns:a14="http://schemas.microsoft.com/office/drawing/2010/main">
+                <a:solidFill>
+                  <a:schemeClr val="accent1"/>
+                </a:solidFill>
+              </a14:hiddenFill>
+            </a:ext>
+            <a:ext uri="{91240B29-F687-4F45-9708-019B960494DF}">
+              <a14:hiddenLine xmlns:a14="http://schemas.microsoft.com/office/drawing/2010/main" w="9525">
+                <a:solidFill>
+                  <a:schemeClr val="tx1"/>
+                </a:solidFill>
+                <a:miter lim="800000"/>
+                <a:headEnd/>
+                <a:tailEnd/>
+              </a14:hiddenLine>
+            </a:ext>
+          </a:extLst>
+        </p:spPr>
+      </p:pic>
+    </p:spTree>
+    <p:extLst>
+      <p:ext uri="{BB962C8B-B14F-4D97-AF65-F5344CB8AC3E}">
+        <p14:creationId xmlns:p14="http://schemas.microsoft.com/office/powerpoint/2010/main" val="63913332"/>
+      </p:ext>
+    </p:extLst>
+  </p:cSld>
+  <p:clrMapOvr>
+    <a:masterClrMapping/>
+  </p:clrMapOvr>
+  <p:timing>
+    <p:tnLst>
+      <p:par>
+        <p:cTn id="1" dur="indefinite" restart="never" nodeType="tmRoot"/>
+      </p:par>
+    </p:tnLst>
+  </p:timing>
+</p:sld>
+</file>
+
+<file path=ppt/slides/slide21.xml><?xml version="1.0" encoding="utf-8"?>
+<p:sld xmlns:a="http://schemas.openxmlformats.org/drawingml/2006/main" xmlns:r="http://schemas.openxmlformats.org/officeDocument/2006/relationships" xmlns:p="http://schemas.openxmlformats.org/presentationml/2006/main">
+  <p:cSld>
+    <p:spTree>
+      <p:nvGrpSpPr>
+        <p:cNvPr id="1" name=""/>
+        <p:cNvGrpSpPr/>
+        <p:nvPr/>
+      </p:nvGrpSpPr>
+      <p:grpSpPr>
+        <a:xfrm>
+          <a:off x="0" y="0"/>
+          <a:ext cx="0" cy="0"/>
+          <a:chOff x="0" y="0"/>
+          <a:chExt cx="0" cy="0"/>
+        </a:xfrm>
+      </p:grpSpPr>
+      <p:sp>
+        <p:nvSpPr>
+          <p:cNvPr id="2" name="Title 1"/>
+          <p:cNvSpPr>
+            <a:spLocks noGrp="1"/>
+          </p:cNvSpPr>
+          <p:nvPr>
+            <p:ph type="title"/>
+          </p:nvPr>
+        </p:nvSpPr>
+        <p:spPr/>
+        <p:txBody>
+          <a:bodyPr/>
+          <a:lstStyle/>
+          <a:p>
+            <a:r>
+              <a:rPr lang="en-US" dirty="0" smtClean="0"/>
+              <a:t>Custom Template Name</a:t>
+            </a:r>
+            <a:endParaRPr lang="en-US" dirty="0"/>
+          </a:p>
+        </p:txBody>
+      </p:sp>
+      <p:sp>
+        <p:nvSpPr>
+          <p:cNvPr id="3" name="Content Placeholder 2"/>
+          <p:cNvSpPr>
+            <a:spLocks noGrp="1"/>
+          </p:cNvSpPr>
+          <p:nvPr>
+            <p:ph idx="1"/>
+          </p:nvPr>
+        </p:nvSpPr>
+        <p:spPr>
+          <a:xfrm>
+            <a:off x="76200" y="838200"/>
+            <a:ext cx="8991600" cy="5791200"/>
+          </a:xfrm>
+        </p:spPr>
+        <p:txBody>
+          <a:bodyPr/>
+          <a:lstStyle/>
+          <a:p>
+            <a:r>
+              <a:rPr lang="en-US" dirty="0" smtClean="0"/>
+              <a:t>Sometimes you need two templates for one data type</a:t>
+            </a:r>
+          </a:p>
+          <a:p>
+            <a:pPr lvl="1"/>
+            <a:r>
+              <a:rPr lang="en-US" dirty="0" smtClean="0"/>
+              <a:t>Create the template with custom name</a:t>
+            </a:r>
+          </a:p>
+          <a:p>
+            <a:pPr lvl="1"/>
+            <a:r>
+              <a:rPr lang="en-US" dirty="0" smtClean="0"/>
+              <a:t>Decorate the property in the model with the </a:t>
+            </a:r>
+            <a:r>
+              <a:rPr lang="en-US" dirty="0" err="1" smtClean="0"/>
+              <a:t>UIHint</a:t>
+            </a:r>
+            <a:r>
+              <a:rPr lang="en-US" dirty="0" smtClean="0"/>
+              <a:t> attribute specifying the template name</a:t>
+            </a:r>
+          </a:p>
+          <a:p>
+            <a:pPr lvl="1"/>
+            <a:r>
+              <a:rPr lang="en-US" dirty="0" smtClean="0"/>
+              <a:t>You can set the name in the helpers too</a:t>
+            </a:r>
+            <a:endParaRPr lang="en-US" dirty="0"/>
+          </a:p>
+        </p:txBody>
+      </p:sp>
+      <p:sp>
+        <p:nvSpPr>
+          <p:cNvPr id="4" name="Slide Number Placeholder 3"/>
+          <p:cNvSpPr>
+            <a:spLocks noGrp="1"/>
+          </p:cNvSpPr>
+          <p:nvPr>
+            <p:ph type="sldNum" sz="quarter" idx="10"/>
+          </p:nvPr>
+        </p:nvSpPr>
+        <p:spPr/>
+        <p:txBody>
+          <a:bodyPr/>
+          <a:lstStyle/>
+          <a:p>
+            <a:pPr>
+              <a:defRPr/>
+            </a:pPr>
+            <a:fld id="{58452FF4-89E3-4D1B-9927-2DBDC00E58D7}" type="slidenum">
+              <a:rPr lang="en-US" smtClean="0"/>
+              <a:pPr>
+                <a:defRPr/>
+              </a:pPr>
+              <a:t>21</a:t>
+            </a:fld>
+            <a:endParaRPr lang="en-US" dirty="0"/>
+          </a:p>
+        </p:txBody>
+      </p:sp>
+      <p:pic>
+        <p:nvPicPr>
+          <p:cNvPr id="12290" name="Picture 2"/>
+          <p:cNvPicPr>
+            <a:picLocks noChangeAspect="1" noChangeArrowheads="1"/>
+          </p:cNvPicPr>
+          <p:nvPr/>
+        </p:nvPicPr>
+        <p:blipFill>
+          <a:blip r:embed="rId2">
+            <a:extLst>
+              <a:ext uri="{28A0092B-C50C-407E-A947-70E740481C1C}">
+                <a14:useLocalDpi xmlns:a14="http://schemas.microsoft.com/office/drawing/2010/main" val="0"/>
+              </a:ext>
+            </a:extLst>
+          </a:blip>
+          <a:srcRect/>
+          <a:stretch>
+            <a:fillRect/>
+          </a:stretch>
+        </p:blipFill>
+        <p:spPr bwMode="auto">
+          <a:xfrm>
+            <a:off x="476439" y="4648200"/>
+            <a:ext cx="3685309" cy="533400"/>
+          </a:xfrm>
+          <a:prstGeom prst="rect">
+            <a:avLst/>
+          </a:prstGeom>
+          <a:noFill/>
+          <a:ln>
+            <a:noFill/>
+          </a:ln>
+          <a:extLst>
+            <a:ext uri="{909E8E84-426E-40DD-AFC4-6F175D3DCCD1}">
+              <a14:hiddenFill xmlns:a14="http://schemas.microsoft.com/office/drawing/2010/main">
+                <a:solidFill>
+                  <a:schemeClr val="accent1"/>
+                </a:solidFill>
+              </a14:hiddenFill>
+            </a:ext>
+            <a:ext uri="{91240B29-F687-4F45-9708-019B960494DF}">
+              <a14:hiddenLine xmlns:a14="http://schemas.microsoft.com/office/drawing/2010/main" w="9525">
+                <a:solidFill>
+                  <a:schemeClr val="tx1"/>
+                </a:solidFill>
+                <a:miter lim="800000"/>
+                <a:headEnd/>
+                <a:tailEnd/>
+              </a14:hiddenLine>
+            </a:ext>
+          </a:extLst>
+        </p:spPr>
+      </p:pic>
+      <p:pic>
+        <p:nvPicPr>
+          <p:cNvPr id="12291" name="Picture 3"/>
+          <p:cNvPicPr>
+            <a:picLocks noChangeAspect="1" noChangeArrowheads="1"/>
+          </p:cNvPicPr>
+          <p:nvPr/>
+        </p:nvPicPr>
+        <p:blipFill>
+          <a:blip r:embed="rId3">
+            <a:extLst>
+              <a:ext uri="{28A0092B-C50C-407E-A947-70E740481C1C}">
+                <a14:useLocalDpi xmlns:a14="http://schemas.microsoft.com/office/drawing/2010/main" val="0"/>
+              </a:ext>
+            </a:extLst>
+          </a:blip>
+          <a:srcRect/>
+          <a:stretch>
+            <a:fillRect/>
+          </a:stretch>
+        </p:blipFill>
+        <p:spPr bwMode="auto">
+          <a:xfrm>
+            <a:off x="6358466" y="4724400"/>
+            <a:ext cx="2028825" cy="1181100"/>
+          </a:xfrm>
+          <a:prstGeom prst="rect">
+            <a:avLst/>
+          </a:prstGeom>
+          <a:noFill/>
+          <a:ln>
+            <a:noFill/>
+          </a:ln>
+          <a:extLst>
+            <a:ext uri="{909E8E84-426E-40DD-AFC4-6F175D3DCCD1}">
+              <a14:hiddenFill xmlns:a14="http://schemas.microsoft.com/office/drawing/2010/main">
+                <a:solidFill>
+                  <a:schemeClr val="accent1"/>
+                </a:solidFill>
+              </a14:hiddenFill>
+            </a:ext>
+            <a:ext uri="{91240B29-F687-4F45-9708-019B960494DF}">
+              <a14:hiddenLine xmlns:a14="http://schemas.microsoft.com/office/drawing/2010/main" w="9525">
+                <a:solidFill>
+                  <a:schemeClr val="tx1"/>
+                </a:solidFill>
+                <a:miter lim="800000"/>
+                <a:headEnd/>
+                <a:tailEnd/>
+              </a14:hiddenLine>
+            </a:ext>
+          </a:extLst>
+        </p:spPr>
+      </p:pic>
+      <p:pic>
+        <p:nvPicPr>
+          <p:cNvPr id="12292" name="Picture 4"/>
+          <p:cNvPicPr>
+            <a:picLocks noChangeAspect="1" noChangeArrowheads="1"/>
+          </p:cNvPicPr>
+          <p:nvPr/>
+        </p:nvPicPr>
+        <p:blipFill>
+          <a:blip r:embed="rId4">
+            <a:extLst>
+              <a:ext uri="{28A0092B-C50C-407E-A947-70E740481C1C}">
+                <a14:useLocalDpi xmlns:a14="http://schemas.microsoft.com/office/drawing/2010/main" val="0"/>
+              </a:ext>
+            </a:extLst>
+          </a:blip>
+          <a:srcRect/>
+          <a:stretch>
+            <a:fillRect/>
+          </a:stretch>
+        </p:blipFill>
+        <p:spPr bwMode="auto">
+          <a:xfrm>
+            <a:off x="476439" y="5653617"/>
+            <a:ext cx="5251081" cy="413808"/>
+          </a:xfrm>
+          <a:prstGeom prst="rect">
+            <a:avLst/>
+          </a:prstGeom>
+          <a:noFill/>
+          <a:ln>
+            <a:noFill/>
+          </a:ln>
+          <a:extLst>
+            <a:ext uri="{909E8E84-426E-40DD-AFC4-6F175D3DCCD1}">
+              <a14:hiddenFill xmlns:a14="http://schemas.microsoft.com/office/drawing/2010/main">
+                <a:solidFill>
+                  <a:schemeClr val="accent1"/>
+                </a:solidFill>
+              </a14:hiddenFill>
+            </a:ext>
+            <a:ext uri="{91240B29-F687-4F45-9708-019B960494DF}">
+              <a14:hiddenLine xmlns:a14="http://schemas.microsoft.com/office/drawing/2010/main" w="9525">
+                <a:solidFill>
+                  <a:schemeClr val="tx1"/>
+                </a:solidFill>
+                <a:miter lim="800000"/>
+                <a:headEnd/>
+                <a:tailEnd/>
+              </a14:hiddenLine>
+            </a:ext>
+          </a:extLst>
+        </p:spPr>
+      </p:pic>
+    </p:spTree>
+    <p:extLst>
+      <p:ext uri="{BB962C8B-B14F-4D97-AF65-F5344CB8AC3E}">
+        <p14:creationId xmlns:p14="http://schemas.microsoft.com/office/powerpoint/2010/main" val="4026327591"/>
+      </p:ext>
+    </p:extLst>
+  </p:cSld>
+  <p:clrMapOvr>
+    <a:masterClrMapping/>
+  </p:clrMapOvr>
+  <p:timing>
+    <p:tnLst>
+      <p:par>
+        <p:cTn id="1" dur="indefinite" restart="never" nodeType="tmRoot"/>
+      </p:par>
+    </p:tnLst>
+  </p:timing>
+</p:sld>
+</file>
+
+<file path=ppt/slides/slide22.xml><?xml version="1.0" encoding="utf-8"?>
+<p:sld xmlns:a="http://schemas.openxmlformats.org/drawingml/2006/main" xmlns:r="http://schemas.openxmlformats.org/officeDocument/2006/relationships" xmlns:p="http://schemas.openxmlformats.org/presentationml/2006/main">
+  <p:cSld>
+    <p:spTree>
+      <p:nvGrpSpPr>
+        <p:cNvPr id="1" name=""/>
+        <p:cNvGrpSpPr/>
+        <p:nvPr/>
+      </p:nvGrpSpPr>
+      <p:grpSpPr>
+        <a:xfrm>
+          <a:off x="0" y="0"/>
+          <a:ext cx="0" cy="0"/>
+          <a:chOff x="0" y="0"/>
+          <a:chExt cx="0" cy="0"/>
+        </a:xfrm>
+      </p:grpSpPr>
+      <p:sp>
+        <p:nvSpPr>
+          <p:cNvPr id="501762" name="Rectangle 2"/>
+          <p:cNvSpPr>
+            <a:spLocks noGrp="1" noChangeArrowheads="1"/>
+          </p:cNvSpPr>
+          <p:nvPr>
+            <p:ph type="ctrTitle"/>
+          </p:nvPr>
+        </p:nvSpPr>
+        <p:spPr>
+          <a:xfrm>
+            <a:off x="1485900" y="1126893"/>
+            <a:ext cx="6172200" cy="1006707"/>
+          </a:xfrm>
+        </p:spPr>
+        <p:txBody>
+          <a:bodyPr/>
+          <a:lstStyle/>
+          <a:p>
+            <a:pPr indent="-838200">
+              <a:lnSpc>
+                <a:spcPct val="110000"/>
+              </a:lnSpc>
+            </a:pPr>
+            <a:r>
+              <a:rPr lang="en-US" dirty="0" smtClean="0"/>
+              <a:t>Data Validation</a:t>
+            </a:r>
+            <a:endParaRPr lang="bg-BG" dirty="0"/>
+          </a:p>
+        </p:txBody>
+      </p:sp>
+      <p:sp>
+        <p:nvSpPr>
+          <p:cNvPr id="501763" name="Rectangle 3"/>
+          <p:cNvSpPr>
+            <a:spLocks noChangeArrowheads="1"/>
+          </p:cNvSpPr>
+          <p:nvPr/>
+        </p:nvSpPr>
+        <p:spPr bwMode="auto">
+          <a:xfrm>
+            <a:off x="1187450" y="3463925"/>
+            <a:ext cx="6480175" cy="469900"/>
+          </a:xfrm>
+          <a:prstGeom prst="rect">
+            <a:avLst/>
+          </a:prstGeom>
+          <a:noFill/>
+          <a:ln w="9525">
+            <a:noFill/>
+            <a:miter lim="800000"/>
+            <a:headEnd/>
+            <a:tailEnd/>
+          </a:ln>
+          <a:effectLst/>
+        </p:spPr>
+        <p:txBody>
+          <a:bodyPr lIns="0" tIns="0" rIns="0" bIns="0" anchor="b">
+            <a:spAutoFit/>
+          </a:bodyPr>
+          <a:lstStyle/>
+          <a:p>
+            <a:pPr algn="ctr">
+              <a:lnSpc>
+                <a:spcPct val="110000"/>
+              </a:lnSpc>
+            </a:pPr>
+            <a:endParaRPr lang="bg-BG" sz="2800" dirty="0">
+              <a:effectLst>
+                <a:outerShdw blurRad="38100" dist="38100" dir="2700000" algn="tl">
+                  <a:srgbClr val="FFFFFF"/>
+                </a:outerShdw>
+              </a:effectLst>
+            </a:endParaRPr>
+          </a:p>
+        </p:txBody>
+      </p:sp>
+      <p:pic>
+        <p:nvPicPr>
+          <p:cNvPr id="3074" name="Picture 2" descr="http://www.theorem.co.uk/images/validateandcheck.jpg"/>
+          <p:cNvPicPr>
+            <a:picLocks noChangeAspect="1" noChangeArrowheads="1"/>
+          </p:cNvPicPr>
+          <p:nvPr/>
+        </p:nvPicPr>
+        <p:blipFill>
+          <a:blip r:embed="rId3">
+            <a:extLst>
+              <a:ext uri="{28A0092B-C50C-407E-A947-70E740481C1C}">
+                <a14:useLocalDpi xmlns:a14="http://schemas.microsoft.com/office/drawing/2010/main" val="0"/>
+              </a:ext>
+            </a:extLst>
+          </a:blip>
+          <a:srcRect/>
+          <a:stretch>
+            <a:fillRect/>
+          </a:stretch>
+        </p:blipFill>
+        <p:spPr bwMode="auto">
+          <a:xfrm>
+            <a:off x="1943100" y="2514600"/>
+            <a:ext cx="5257800" cy="3333750"/>
+          </a:xfrm>
+          <a:prstGeom prst="rect">
+            <a:avLst/>
+          </a:prstGeom>
+          <a:ln w="127000" cap="rnd">
+            <a:solidFill>
+              <a:srgbClr val="FFFFFF"/>
+            </a:solidFill>
+          </a:ln>
+          <a:effectLst>
+            <a:outerShdw blurRad="76200" dist="95250" dir="10500000" sx="97000" sy="23000" kx="900000" algn="br" rotWithShape="0">
+              <a:srgbClr val="000000">
+                <a:alpha val="20000"/>
+              </a:srgbClr>
+            </a:outerShdw>
+          </a:effectLst>
+          <a:scene3d>
+            <a:camera prst="orthographicFront"/>
+            <a:lightRig rig="twoPt" dir="t">
+              <a:rot lat="0" lon="0" rev="7800000"/>
+            </a:lightRig>
+          </a:scene3d>
+          <a:sp3d contourW="6350">
+            <a:bevelT w="50800" h="16510"/>
+            <a:contourClr>
+              <a:srgbClr val="C0C0C0"/>
+            </a:contourClr>
+          </a:sp3d>
+          <a:extLst>
+            <a:ext uri="{909E8E84-426E-40DD-AFC4-6F175D3DCCD1}">
+              <a14:hiddenFill xmlns:a14="http://schemas.microsoft.com/office/drawing/2010/main">
+                <a:solidFill>
+                  <a:srgbClr val="FFFFFF"/>
+                </a:solidFill>
+              </a14:hiddenFill>
+            </a:ext>
+          </a:extLst>
+        </p:spPr>
+      </p:pic>
+    </p:spTree>
+    <p:extLst>
+      <p:ext uri="{BB962C8B-B14F-4D97-AF65-F5344CB8AC3E}">
+        <p14:creationId xmlns:p14="http://schemas.microsoft.com/office/powerpoint/2010/main" val="846635487"/>
+      </p:ext>
+    </p:extLst>
+  </p:cSld>
+  <p:clrMapOvr>
+    <a:masterClrMapping/>
+  </p:clrMapOvr>
+  <p:transition/>
+  <p:timing>
+    <p:tnLst>
+      <p:par>
+        <p:cTn id="1" dur="indefinite" restart="never" nodeType="tmRoot"/>
+      </p:par>
+    </p:tnLst>
+  </p:timing>
+</p:sld>
+</file>
+
+<file path=ppt/slides/slide23.xml><?xml version="1.0" encoding="utf-8"?>
+<p:sld xmlns:a="http://schemas.openxmlformats.org/drawingml/2006/main" xmlns:r="http://schemas.openxmlformats.org/officeDocument/2006/relationships" xmlns:p="http://schemas.openxmlformats.org/presentationml/2006/main">
+  <p:cSld>
+    <p:spTree>
+      <p:nvGrpSpPr>
+        <p:cNvPr id="1" name=""/>
+        <p:cNvGrpSpPr/>
+        <p:nvPr/>
+      </p:nvGrpSpPr>
+      <p:grpSpPr>
+        <a:xfrm>
+          <a:off x="0" y="0"/>
+          <a:ext cx="0" cy="0"/>
+          <a:chOff x="0" y="0"/>
+          <a:chExt cx="0" cy="0"/>
+        </a:xfrm>
+      </p:grpSpPr>
+      <p:sp>
+        <p:nvSpPr>
+          <p:cNvPr id="2" name="Title 1"/>
+          <p:cNvSpPr>
+            <a:spLocks noGrp="1"/>
+          </p:cNvSpPr>
+          <p:nvPr>
+            <p:ph type="title"/>
+          </p:nvPr>
+        </p:nvSpPr>
+        <p:spPr/>
+        <p:txBody>
+          <a:bodyPr/>
+          <a:lstStyle/>
+          <a:p>
+            <a:r>
+              <a:rPr lang="en-US" dirty="0"/>
+              <a:t>Validation with Annotations </a:t>
+            </a:r>
+            <a:endParaRPr lang="en-US" b="0" dirty="0"/>
+          </a:p>
+        </p:txBody>
+      </p:sp>
+      <p:sp>
+        <p:nvSpPr>
+          <p:cNvPr id="3" name="Content Placeholder 2"/>
+          <p:cNvSpPr>
+            <a:spLocks noGrp="1"/>
+          </p:cNvSpPr>
+          <p:nvPr>
+            <p:ph idx="1"/>
+          </p:nvPr>
+        </p:nvSpPr>
+        <p:spPr/>
+        <p:txBody>
+          <a:bodyPr/>
+          <a:lstStyle/>
+          <a:p>
+            <a:r>
+              <a:rPr lang="en-US" dirty="0" smtClean="0"/>
+              <a:t>Attributes </a:t>
+            </a:r>
+            <a:r>
+              <a:rPr lang="en-US" dirty="0"/>
+              <a:t>defined in </a:t>
+            </a:r>
+            <a:r>
+              <a:rPr lang="en-US" dirty="0" err="1">
+                <a:solidFill>
+                  <a:schemeClr val="accent6">
+                    <a:lumMod val="20000"/>
+                    <a:lumOff val="80000"/>
+                  </a:schemeClr>
+                </a:solidFill>
+              </a:rPr>
+              <a:t>System.ComponentModel.DataAnnotations</a:t>
+            </a:r>
+            <a:r>
+              <a:rPr lang="en-US" dirty="0"/>
+              <a:t> </a:t>
+            </a:r>
+            <a:endParaRPr lang="en-US" dirty="0" smtClean="0"/>
+          </a:p>
+          <a:p>
+            <a:r>
+              <a:rPr lang="en-US" dirty="0" smtClean="0"/>
+              <a:t>Covers </a:t>
+            </a:r>
+            <a:r>
+              <a:rPr lang="en-US" dirty="0"/>
+              <a:t>common validation </a:t>
+            </a:r>
+            <a:r>
+              <a:rPr lang="en-US" dirty="0" smtClean="0"/>
+              <a:t>patterns</a:t>
+            </a:r>
+          </a:p>
+          <a:p>
+            <a:pPr lvl="1"/>
+            <a:r>
+              <a:rPr lang="en-US" dirty="0"/>
+              <a:t>Required</a:t>
+            </a:r>
+          </a:p>
+          <a:p>
+            <a:pPr lvl="1"/>
+            <a:r>
+              <a:rPr lang="en-US" dirty="0" err="1"/>
+              <a:t>StringLength</a:t>
+            </a:r>
+            <a:endParaRPr lang="en-US" dirty="0"/>
+          </a:p>
+          <a:p>
+            <a:pPr lvl="1"/>
+            <a:r>
+              <a:rPr lang="en-US" dirty="0"/>
+              <a:t>Regex</a:t>
+            </a:r>
+          </a:p>
+          <a:p>
+            <a:pPr lvl="1"/>
+            <a:r>
+              <a:rPr lang="en-US" dirty="0"/>
+              <a:t>Range</a:t>
+            </a:r>
+          </a:p>
+          <a:p>
+            <a:endParaRPr lang="en-US" b="0" dirty="0"/>
+          </a:p>
+          <a:p>
+            <a:endParaRPr lang="en-US" b="0" dirty="0"/>
+          </a:p>
+          <a:p>
+            <a:endParaRPr lang="en-US" b="0" dirty="0"/>
+          </a:p>
+          <a:p>
+            <a:endParaRPr lang="en-US" dirty="0" smtClean="0"/>
+          </a:p>
+        </p:txBody>
+      </p:sp>
+      <p:sp>
+        <p:nvSpPr>
+          <p:cNvPr id="4" name="Slide Number Placeholder 3"/>
+          <p:cNvSpPr>
+            <a:spLocks noGrp="1"/>
+          </p:cNvSpPr>
+          <p:nvPr>
+            <p:ph type="sldNum" sz="quarter" idx="10"/>
+          </p:nvPr>
+        </p:nvSpPr>
+        <p:spPr/>
+        <p:txBody>
+          <a:bodyPr/>
+          <a:lstStyle/>
+          <a:p>
+            <a:pPr>
+              <a:defRPr/>
+            </a:pPr>
+            <a:fld id="{58452FF4-89E3-4D1B-9927-2DBDC00E58D7}" type="slidenum">
+              <a:rPr lang="en-US" smtClean="0"/>
+              <a:pPr>
+                <a:defRPr/>
+              </a:pPr>
+              <a:t>23</a:t>
             </a:fld>
             <a:endParaRPr lang="en-US" dirty="0"/>
           </a:p>
@@ -6958,7 +12017,7 @@
 </p:sld>
 </file>
 
-<file path=ppt/slides/slide11.xml><?xml version="1.0" encoding="utf-8"?>
+<file path=ppt/slides/slide24.xml><?xml version="1.0" encoding="utf-8"?>
 <p:sld xmlns:a="http://schemas.openxmlformats.org/drawingml/2006/main" xmlns:r="http://schemas.openxmlformats.org/officeDocument/2006/relationships" xmlns:p="http://schemas.openxmlformats.org/presentationml/2006/main">
   <p:cSld>
     <p:spTree>
@@ -7033,7 +12092,7 @@
               <a:pPr>
                 <a:defRPr/>
               </a:pPr>
-              <a:t>11</a:t>
+              <a:t>24</a:t>
             </a:fld>
             <a:endParaRPr lang="en-US" dirty="0"/>
           </a:p>
@@ -7473,7 +12532,7 @@
 </p:sld>
 </file>
 
-<file path=ppt/slides/slide12.xml><?xml version="1.0" encoding="utf-8"?>
+<file path=ppt/slides/slide25.xml><?xml version="1.0" encoding="utf-8"?>
 <p:sld xmlns:a="http://schemas.openxmlformats.org/drawingml/2006/main" xmlns:r="http://schemas.openxmlformats.org/officeDocument/2006/relationships" xmlns:p="http://schemas.openxmlformats.org/presentationml/2006/main">
   <p:cSld>
     <p:spTree>
@@ -7571,7 +12630,7 @@
               <a:pPr>
                 <a:defRPr/>
               </a:pPr>
-              <a:t>12</a:t>
+              <a:t>25</a:t>
             </a:fld>
             <a:endParaRPr lang="en-US" dirty="0"/>
           </a:p>
@@ -7631,7 +12690,7 @@
 </p:sld>
 </file>
 
-<file path=ppt/slides/slide13.xml><?xml version="1.0" encoding="utf-8"?>
+<file path=ppt/slides/slide26.xml><?xml version="1.0" encoding="utf-8"?>
 <p:sld xmlns:a="http://schemas.openxmlformats.org/drawingml/2006/main" xmlns:r="http://schemas.openxmlformats.org/officeDocument/2006/relationships" xmlns:p="http://schemas.openxmlformats.org/presentationml/2006/main">
   <p:cSld>
     <p:spTree>
@@ -7731,7 +12790,7 @@
               <a:pPr>
                 <a:defRPr/>
               </a:pPr>
-              <a:t>13</a:t>
+              <a:t>26</a:t>
             </a:fld>
             <a:endParaRPr lang="en-US" dirty="0"/>
           </a:p>
@@ -7791,7 +12850,7 @@
 </p:sld>
 </file>
 
-<file path=ppt/slides/slide14.xml><?xml version="1.0" encoding="utf-8"?>
+<file path=ppt/slides/slide27.xml><?xml version="1.0" encoding="utf-8"?>
 <p:sld xmlns:a="http://schemas.openxmlformats.org/drawingml/2006/main" xmlns:r="http://schemas.openxmlformats.org/officeDocument/2006/relationships" xmlns:p="http://schemas.openxmlformats.org/presentationml/2006/main">
   <p:cSld>
     <p:spTree>
@@ -7949,7 +13008,7 @@
               <a:pPr>
                 <a:defRPr/>
               </a:pPr>
-              <a:t>14</a:t>
+              <a:t>27</a:t>
             </a:fld>
             <a:endParaRPr lang="en-US" dirty="0"/>
           </a:p>
@@ -8126,7 +13185,7 @@
         <p:spPr>
           <a:xfrm>
             <a:off x="6177284" y="5357443"/>
-            <a:ext cx="2420847" cy="830997"/>
+            <a:ext cx="2420847" cy="1077218"/>
           </a:xfrm>
           <a:prstGeom prst="rect">
             <a:avLst/>
@@ -8155,21 +13214,44 @@
           <a:lstStyle/>
           <a:p>
             <a:r>
+              <a:rPr lang="en-US" sz="1600" b="1" dirty="0" smtClean="0">
+                <a:solidFill>
+                  <a:schemeClr val="bg1"/>
+                </a:solidFill>
+              </a:rPr>
+              <a:t>jQuery validation library required for unobtrusive JavaScript </a:t>
+            </a:r>
+            <a:r>
+              <a:rPr lang="en-US" sz="1600" b="1" dirty="0" smtClean="0">
+                <a:solidFill>
+                  <a:schemeClr val="bg1"/>
+                </a:solidFill>
+              </a:rPr>
+              <a:t>validation</a:t>
+            </a:r>
+          </a:p>
+          <a:p>
+            <a:r>
+              <a:rPr lang="en-US" sz="1600" b="1" dirty="0" smtClean="0">
+                <a:solidFill>
+                  <a:schemeClr val="bg1"/>
+                </a:solidFill>
+              </a:rPr>
+              <a:t>P.S. Check </a:t>
+            </a:r>
+            <a:r>
               <a:rPr lang="en-US" sz="1600" b="1" dirty="0" err="1" smtClean="0">
                 <a:solidFill>
                   <a:schemeClr val="bg1"/>
                 </a:solidFill>
               </a:rPr>
-              <a:t>jQuery</a:t>
-            </a:r>
-            <a:r>
-              <a:rPr lang="en-US" sz="1600" b="1" dirty="0" smtClean="0">
-                <a:solidFill>
-                  <a:schemeClr val="bg1"/>
-                </a:solidFill>
-              </a:rPr>
-              <a:t> validation library required for unobtrusive JavaScript validation</a:t>
-            </a:r>
+              <a:t>web.config</a:t>
+            </a:r>
+            <a:endParaRPr lang="en-US" sz="1600" b="1" dirty="0" smtClean="0">
+              <a:solidFill>
+                <a:schemeClr val="bg1"/>
+              </a:solidFill>
+            </a:endParaRPr>
           </a:p>
         </p:txBody>
       </p:sp>
@@ -8366,7 +13448,7 @@
 </p:sld>
 </file>
 
-<file path=ppt/slides/slide15.xml><?xml version="1.0" encoding="utf-8"?>
+<file path=ppt/slides/slide28.xml><?xml version="1.0" encoding="utf-8"?>
 <p:sld xmlns:a="http://schemas.openxmlformats.org/drawingml/2006/main" xmlns:r="http://schemas.openxmlformats.org/officeDocument/2006/relationships" xmlns:p="http://schemas.openxmlformats.org/presentationml/2006/main">
   <p:cSld>
     <p:spTree>
@@ -8399,9 +13481,104 @@
           <a:lstStyle/>
           <a:p>
             <a:r>
-              <a:rPr lang="en-US" dirty="0"/>
-              <a:t>Display / Edit Annotations </a:t>
-            </a:r>
+              <a:rPr lang="en-US" dirty="0" smtClean="0"/>
+              <a:t>Class-Level Model Validation</a:t>
+            </a:r>
+            <a:endParaRPr lang="en-US" dirty="0"/>
+          </a:p>
+        </p:txBody>
+      </p:sp>
+      <p:sp>
+        <p:nvSpPr>
+          <p:cNvPr id="3" name="Content Placeholder 2"/>
+          <p:cNvSpPr>
+            <a:spLocks noGrp="1"/>
+          </p:cNvSpPr>
+          <p:nvPr>
+            <p:ph idx="1"/>
+          </p:nvPr>
+        </p:nvSpPr>
+        <p:spPr/>
+        <p:txBody>
+          <a:bodyPr/>
+          <a:lstStyle/>
+          <a:p>
+            <a:pPr>
+              <a:spcBef>
+                <a:spcPts val="0"/>
+              </a:spcBef>
+              <a:spcAft>
+                <a:spcPts val="0"/>
+              </a:spcAft>
+            </a:pPr>
+            <a:r>
+              <a:rPr lang="en-US" dirty="0" smtClean="0"/>
+              <a:t>Your model should implemented </a:t>
+            </a:r>
+            <a:r>
+              <a:rPr lang="en-US" dirty="0" err="1" smtClean="0">
+                <a:solidFill>
+                  <a:schemeClr val="accent5">
+                    <a:lumMod val="20000"/>
+                    <a:lumOff val="80000"/>
+                  </a:schemeClr>
+                </a:solidFill>
+              </a:rPr>
+              <a:t>IValidatableObject</a:t>
+            </a:r>
+            <a:endParaRPr lang="en-US" dirty="0" smtClean="0">
+              <a:solidFill>
+                <a:schemeClr val="accent5">
+                  <a:lumMod val="20000"/>
+                  <a:lumOff val="80000"/>
+                </a:schemeClr>
+              </a:solidFill>
+            </a:endParaRPr>
+          </a:p>
+          <a:p>
+            <a:pPr>
+              <a:spcBef>
+                <a:spcPts val="0"/>
+              </a:spcBef>
+              <a:spcAft>
+                <a:spcPts val="0"/>
+              </a:spcAft>
+            </a:pPr>
+            <a:r>
+              <a:rPr lang="en-US" dirty="0" smtClean="0"/>
+              <a:t>From now on, </a:t>
+            </a:r>
+            <a:r>
+              <a:rPr lang="en-US" dirty="0" smtClean="0">
+                <a:solidFill>
+                  <a:schemeClr val="accent5">
+                    <a:lumMod val="20000"/>
+                    <a:lumOff val="80000"/>
+                  </a:schemeClr>
+                </a:solidFill>
+              </a:rPr>
+              <a:t>MVC</a:t>
+            </a:r>
+            <a:r>
+              <a:rPr lang="en-US" dirty="0" smtClean="0"/>
+              <a:t> (works with </a:t>
+            </a:r>
+            <a:r>
+              <a:rPr lang="en-US" dirty="0" smtClean="0">
+                <a:solidFill>
+                  <a:schemeClr val="accent5">
+                    <a:lumMod val="20000"/>
+                    <a:lumOff val="80000"/>
+                  </a:schemeClr>
+                </a:solidFill>
+              </a:rPr>
+              <a:t>EF</a:t>
+            </a:r>
+            <a:r>
+              <a:rPr lang="en-US" dirty="0" smtClean="0"/>
+              <a:t> too) will validate the object by your custom rules</a:t>
+            </a:r>
+            <a:endParaRPr lang="en-US" dirty="0" smtClean="0"/>
           </a:p>
         </p:txBody>
       </p:sp>
@@ -8428,7 +13605,401 @@
               <a:pPr>
                 <a:defRPr/>
               </a:pPr>
-              <a:t>15</a:t>
+              <a:t>28</a:t>
+            </a:fld>
+            <a:endParaRPr lang="en-US" dirty="0"/>
+          </a:p>
+        </p:txBody>
+      </p:sp>
+      <p:pic>
+        <p:nvPicPr>
+          <p:cNvPr id="13316" name="Picture 4" descr="image"/>
+          <p:cNvPicPr>
+            <a:picLocks noChangeAspect="1" noChangeArrowheads="1"/>
+          </p:cNvPicPr>
+          <p:nvPr/>
+        </p:nvPicPr>
+        <p:blipFill rotWithShape="1">
+          <a:blip r:embed="rId2">
+            <a:extLst>
+              <a:ext uri="{28A0092B-C50C-407E-A947-70E740481C1C}">
+                <a14:useLocalDpi xmlns:a14="http://schemas.microsoft.com/office/drawing/2010/main" val="0"/>
+              </a:ext>
+            </a:extLst>
+          </a:blip>
+          <a:srcRect l="917" r="980"/>
+          <a:stretch/>
+        </p:blipFill>
+        <p:spPr bwMode="auto">
+          <a:xfrm>
+            <a:off x="829733" y="3048000"/>
+            <a:ext cx="7247467" cy="3648076"/>
+          </a:xfrm>
+          <a:prstGeom prst="roundRect">
+            <a:avLst>
+              <a:gd name="adj" fmla="val 10401"/>
+            </a:avLst>
+          </a:prstGeom>
+          <a:noFill/>
+          <a:extLst>
+            <a:ext uri="{909E8E84-426E-40DD-AFC4-6F175D3DCCD1}">
+              <a14:hiddenFill xmlns:a14="http://schemas.microsoft.com/office/drawing/2010/main">
+                <a:solidFill>
+                  <a:srgbClr val="FFFFFF"/>
+                </a:solidFill>
+              </a14:hiddenFill>
+            </a:ext>
+          </a:extLst>
+        </p:spPr>
+      </p:pic>
+    </p:spTree>
+    <p:extLst>
+      <p:ext uri="{BB962C8B-B14F-4D97-AF65-F5344CB8AC3E}">
+        <p14:creationId xmlns:p14="http://schemas.microsoft.com/office/powerpoint/2010/main" val="1025924283"/>
+      </p:ext>
+    </p:extLst>
+  </p:cSld>
+  <p:clrMapOvr>
+    <a:masterClrMapping/>
+  </p:clrMapOvr>
+  <p:timing>
+    <p:tnLst>
+      <p:par>
+        <p:cTn id="1" dur="indefinite" restart="never" nodeType="tmRoot"/>
+      </p:par>
+    </p:tnLst>
+  </p:timing>
+</p:sld>
+</file>
+
+<file path=ppt/slides/slide29.xml><?xml version="1.0" encoding="utf-8"?>
+<p:sld xmlns:a="http://schemas.openxmlformats.org/drawingml/2006/main" xmlns:r="http://schemas.openxmlformats.org/officeDocument/2006/relationships" xmlns:p="http://schemas.openxmlformats.org/presentationml/2006/main">
+  <p:cSld>
+    <p:spTree>
+      <p:nvGrpSpPr>
+        <p:cNvPr id="1" name=""/>
+        <p:cNvGrpSpPr/>
+        <p:nvPr/>
+      </p:nvGrpSpPr>
+      <p:grpSpPr>
+        <a:xfrm>
+          <a:off x="0" y="0"/>
+          <a:ext cx="0" cy="0"/>
+          <a:chOff x="0" y="0"/>
+          <a:chExt cx="0" cy="0"/>
+        </a:xfrm>
+      </p:grpSpPr>
+      <p:sp>
+        <p:nvSpPr>
+          <p:cNvPr id="501762" name="Rectangle 2"/>
+          <p:cNvSpPr>
+            <a:spLocks noGrp="1" noChangeArrowheads="1"/>
+          </p:cNvSpPr>
+          <p:nvPr>
+            <p:ph type="ctrTitle"/>
+          </p:nvPr>
+        </p:nvSpPr>
+        <p:spPr>
+          <a:xfrm>
+            <a:off x="1495425" y="762000"/>
+            <a:ext cx="6172200" cy="1006707"/>
+          </a:xfrm>
+        </p:spPr>
+        <p:txBody>
+          <a:bodyPr/>
+          <a:lstStyle/>
+          <a:p>
+            <a:pPr indent="-838200">
+              <a:lnSpc>
+                <a:spcPct val="110000"/>
+              </a:lnSpc>
+            </a:pPr>
+            <a:r>
+              <a:rPr lang="en-US" dirty="0" smtClean="0"/>
+              <a:t>Other Annotations</a:t>
+            </a:r>
+            <a:endParaRPr lang="bg-BG" dirty="0"/>
+          </a:p>
+        </p:txBody>
+      </p:sp>
+      <p:sp>
+        <p:nvSpPr>
+          <p:cNvPr id="501763" name="Rectangle 3"/>
+          <p:cNvSpPr>
+            <a:spLocks noChangeArrowheads="1"/>
+          </p:cNvSpPr>
+          <p:nvPr/>
+        </p:nvSpPr>
+        <p:spPr bwMode="auto">
+          <a:xfrm>
+            <a:off x="1187450" y="3463925"/>
+            <a:ext cx="6480175" cy="469900"/>
+          </a:xfrm>
+          <a:prstGeom prst="rect">
+            <a:avLst/>
+          </a:prstGeom>
+          <a:noFill/>
+          <a:ln w="9525">
+            <a:noFill/>
+            <a:miter lim="800000"/>
+            <a:headEnd/>
+            <a:tailEnd/>
+          </a:ln>
+          <a:effectLst/>
+        </p:spPr>
+        <p:txBody>
+          <a:bodyPr lIns="0" tIns="0" rIns="0" bIns="0" anchor="b">
+            <a:spAutoFit/>
+          </a:bodyPr>
+          <a:lstStyle/>
+          <a:p>
+            <a:pPr algn="ctr">
+              <a:lnSpc>
+                <a:spcPct val="110000"/>
+              </a:lnSpc>
+            </a:pPr>
+            <a:endParaRPr lang="bg-BG" sz="2800" dirty="0">
+              <a:effectLst>
+                <a:outerShdw blurRad="38100" dist="38100" dir="2700000" algn="tl">
+                  <a:srgbClr val="FFFFFF"/>
+                </a:outerShdw>
+              </a:effectLst>
+            </a:endParaRPr>
+          </a:p>
+        </p:txBody>
+      </p:sp>
+      <p:pic>
+        <p:nvPicPr>
+          <p:cNvPr id="15362" name="Picture 2" descr="http://www.sitefinity.com/docs/metabloglib/Windows-Live-Writer-Sitefinity_82C4-Sitefinity-MVC-Data-Annotations_2.png?sfvrsn=0"/>
+          <p:cNvPicPr>
+            <a:picLocks noChangeAspect="1" noChangeArrowheads="1"/>
+          </p:cNvPicPr>
+          <p:nvPr/>
+        </p:nvPicPr>
+        <p:blipFill>
+          <a:blip r:embed="rId3">
+            <a:extLst>
+              <a:ext uri="{28A0092B-C50C-407E-A947-70E740481C1C}">
+                <a14:useLocalDpi xmlns:a14="http://schemas.microsoft.com/office/drawing/2010/main" val="0"/>
+              </a:ext>
+            </a:extLst>
+          </a:blip>
+          <a:srcRect/>
+          <a:stretch>
+            <a:fillRect/>
+          </a:stretch>
+        </p:blipFill>
+        <p:spPr bwMode="auto">
+          <a:xfrm>
+            <a:off x="1236662" y="1790700"/>
+            <a:ext cx="6438900" cy="4286250"/>
+          </a:xfrm>
+          <a:prstGeom prst="roundRect">
+            <a:avLst>
+              <a:gd name="adj" fmla="val 6000"/>
+            </a:avLst>
+          </a:prstGeom>
+          <a:noFill/>
+          <a:extLst>
+            <a:ext uri="{909E8E84-426E-40DD-AFC4-6F175D3DCCD1}">
+              <a14:hiddenFill xmlns:a14="http://schemas.microsoft.com/office/drawing/2010/main">
+                <a:solidFill>
+                  <a:srgbClr val="FFFFFF"/>
+                </a:solidFill>
+              </a14:hiddenFill>
+            </a:ext>
+          </a:extLst>
+        </p:spPr>
+      </p:pic>
+    </p:spTree>
+    <p:extLst>
+      <p:ext uri="{BB962C8B-B14F-4D97-AF65-F5344CB8AC3E}">
+        <p14:creationId xmlns:p14="http://schemas.microsoft.com/office/powerpoint/2010/main" val="772001915"/>
+      </p:ext>
+    </p:extLst>
+  </p:cSld>
+  <p:clrMapOvr>
+    <a:masterClrMapping/>
+  </p:clrMapOvr>
+  <p:transition/>
+  <p:timing>
+    <p:tnLst>
+      <p:par>
+        <p:cTn id="1" dur="indefinite" restart="never" nodeType="tmRoot"/>
+      </p:par>
+    </p:tnLst>
+  </p:timing>
+</p:sld>
+</file>
+
+<file path=ppt/slides/slide3.xml><?xml version="1.0" encoding="utf-8"?>
+<p:sld xmlns:a="http://schemas.openxmlformats.org/drawingml/2006/main" xmlns:r="http://schemas.openxmlformats.org/officeDocument/2006/relationships" xmlns:p="http://schemas.openxmlformats.org/presentationml/2006/main">
+  <p:cSld>
+    <p:spTree>
+      <p:nvGrpSpPr>
+        <p:cNvPr id="1" name=""/>
+        <p:cNvGrpSpPr/>
+        <p:nvPr/>
+      </p:nvGrpSpPr>
+      <p:grpSpPr>
+        <a:xfrm>
+          <a:off x="0" y="0"/>
+          <a:ext cx="0" cy="0"/>
+          <a:chOff x="0" y="0"/>
+          <a:chExt cx="0" cy="0"/>
+        </a:xfrm>
+      </p:grpSpPr>
+      <p:sp>
+        <p:nvSpPr>
+          <p:cNvPr id="501762" name="Rectangle 2"/>
+          <p:cNvSpPr>
+            <a:spLocks noGrp="1" noChangeArrowheads="1"/>
+          </p:cNvSpPr>
+          <p:nvPr>
+            <p:ph type="ctrTitle"/>
+          </p:nvPr>
+        </p:nvSpPr>
+        <p:spPr>
+          <a:xfrm>
+            <a:off x="1485900" y="609600"/>
+            <a:ext cx="6172200" cy="1006707"/>
+          </a:xfrm>
+        </p:spPr>
+        <p:txBody>
+          <a:bodyPr/>
+          <a:lstStyle/>
+          <a:p>
+            <a:pPr indent="-838200">
+              <a:lnSpc>
+                <a:spcPct val="110000"/>
+              </a:lnSpc>
+            </a:pPr>
+            <a:r>
+              <a:rPr lang="en-US" dirty="0" smtClean="0"/>
+              <a:t>Scaffolding</a:t>
+            </a:r>
+            <a:endParaRPr lang="bg-BG" dirty="0"/>
+          </a:p>
+        </p:txBody>
+      </p:sp>
+      <p:pic>
+        <p:nvPicPr>
+          <p:cNvPr id="3" name="Picture 2"/>
+          <p:cNvPicPr>
+            <a:picLocks noChangeAspect="1"/>
+          </p:cNvPicPr>
+          <p:nvPr/>
+        </p:nvPicPr>
+        <p:blipFill>
+          <a:blip r:embed="rId3"/>
+          <a:stretch>
+            <a:fillRect/>
+          </a:stretch>
+        </p:blipFill>
+        <p:spPr>
+          <a:xfrm>
+            <a:off x="1143000" y="1752600"/>
+            <a:ext cx="6858000" cy="4572000"/>
+          </a:xfrm>
+          <a:prstGeom prst="rect">
+            <a:avLst/>
+          </a:prstGeom>
+          <a:ln>
+            <a:noFill/>
+          </a:ln>
+          <a:effectLst>
+            <a:outerShdw blurRad="190500" algn="tl" rotWithShape="0">
+              <a:srgbClr val="000000">
+                <a:alpha val="70000"/>
+              </a:srgbClr>
+            </a:outerShdw>
+          </a:effectLst>
+        </p:spPr>
+      </p:pic>
+    </p:spTree>
+    <p:extLst>
+      <p:ext uri="{BB962C8B-B14F-4D97-AF65-F5344CB8AC3E}">
+        <p14:creationId xmlns:p14="http://schemas.microsoft.com/office/powerpoint/2010/main" val="3418975425"/>
+      </p:ext>
+    </p:extLst>
+  </p:cSld>
+  <p:clrMapOvr>
+    <a:masterClrMapping/>
+  </p:clrMapOvr>
+  <p:transition/>
+  <p:timing>
+    <p:tnLst>
+      <p:par>
+        <p:cTn id="1" dur="indefinite" restart="never" nodeType="tmRoot"/>
+      </p:par>
+    </p:tnLst>
+  </p:timing>
+</p:sld>
+</file>
+
+<file path=ppt/slides/slide30.xml><?xml version="1.0" encoding="utf-8"?>
+<p:sld xmlns:a="http://schemas.openxmlformats.org/drawingml/2006/main" xmlns:r="http://schemas.openxmlformats.org/officeDocument/2006/relationships" xmlns:p="http://schemas.openxmlformats.org/presentationml/2006/main">
+  <p:cSld>
+    <p:spTree>
+      <p:nvGrpSpPr>
+        <p:cNvPr id="1" name=""/>
+        <p:cNvGrpSpPr/>
+        <p:nvPr/>
+      </p:nvGrpSpPr>
+      <p:grpSpPr>
+        <a:xfrm>
+          <a:off x="0" y="0"/>
+          <a:ext cx="0" cy="0"/>
+          <a:chOff x="0" y="0"/>
+          <a:chExt cx="0" cy="0"/>
+        </a:xfrm>
+      </p:grpSpPr>
+      <p:sp>
+        <p:nvSpPr>
+          <p:cNvPr id="2" name="Title 1"/>
+          <p:cNvSpPr>
+            <a:spLocks noGrp="1"/>
+          </p:cNvSpPr>
+          <p:nvPr>
+            <p:ph type="title"/>
+          </p:nvPr>
+        </p:nvSpPr>
+        <p:spPr/>
+        <p:txBody>
+          <a:bodyPr/>
+          <a:lstStyle/>
+          <a:p>
+            <a:r>
+              <a:rPr lang="en-US" dirty="0"/>
+              <a:t>Display / Edit Annotations </a:t>
+            </a:r>
+          </a:p>
+        </p:txBody>
+      </p:sp>
+      <p:sp>
+        <p:nvSpPr>
+          <p:cNvPr id="4" name="Slide Number Placeholder 3"/>
+          <p:cNvSpPr>
+            <a:spLocks noGrp="1"/>
+          </p:cNvSpPr>
+          <p:nvPr>
+            <p:ph type="sldNum" sz="quarter" idx="10"/>
+          </p:nvPr>
+        </p:nvSpPr>
+        <p:spPr/>
+        <p:txBody>
+          <a:bodyPr/>
+          <a:lstStyle/>
+          <a:p>
+            <a:pPr>
+              <a:defRPr/>
+            </a:pPr>
+            <a:fld id="{58452FF4-89E3-4D1B-9927-2DBDC00E58D7}" type="slidenum">
+              <a:rPr lang="en-US" smtClean="0"/>
+              <a:pPr>
+                <a:defRPr/>
+              </a:pPr>
+              <a:t>30</a:t>
             </a:fld>
             <a:endParaRPr lang="en-US" dirty="0"/>
           </a:p>
@@ -8443,14 +14014,14 @@
           <p:nvPr>
             <p:extLst>
               <p:ext uri="{D42A27DB-BD31-4B8C-83A1-F6EECF244321}">
-                <p14:modId xmlns:p14="http://schemas.microsoft.com/office/powerpoint/2010/main" val="2854854611"/>
+                <p14:modId xmlns:p14="http://schemas.microsoft.com/office/powerpoint/2010/main" val="3021824773"/>
               </p:ext>
             </p:extLst>
           </p:nvPr>
         </p:nvGraphicFramePr>
         <p:xfrm>
-          <a:off x="1219200" y="1600200"/>
-          <a:ext cx="6705600" cy="4145280"/>
+          <a:off x="1219200" y="1295400"/>
+          <a:ext cx="6705600" cy="4785360"/>
         </p:xfrm>
         <a:graphic>
           <a:graphicData uri="http://schemas.openxmlformats.org/drawingml/2006/table">
@@ -9147,6 +14718,90 @@
                   <a:tcPr/>
                 </a:tc>
               </a:tr>
+              <a:tr h="370840">
+                <a:tc>
+                  <a:txBody>
+                    <a:bodyPr/>
+                    <a:lstStyle/>
+                    <a:p>
+                      <a:pPr marL="0" marR="0" indent="0" algn="l" defTabSz="914400" rtl="0" eaLnBrk="1" fontAlgn="auto" latinLnBrk="0" hangingPunct="1">
+                        <a:lnSpc>
+                          <a:spcPct val="100000"/>
+                        </a:lnSpc>
+                        <a:spcBef>
+                          <a:spcPts val="0"/>
+                        </a:spcBef>
+                        <a:spcAft>
+                          <a:spcPts val="0"/>
+                        </a:spcAft>
+                        <a:buClrTx/>
+                        <a:buSzTx/>
+                        <a:buFontTx/>
+                        <a:buNone/>
+                        <a:tabLst/>
+                        <a:defRPr/>
+                      </a:pPr>
+                      <a:r>
+                        <a:rPr lang="en-US" sz="1800" b="0" i="1" u="none" strike="noStrike" kern="1200" baseline="0" dirty="0" smtClean="0">
+                          <a:solidFill>
+                            <a:schemeClr val="dk1"/>
+                          </a:solidFill>
+                          <a:latin typeface="+mn-lt"/>
+                          <a:ea typeface="+mn-ea"/>
+                          <a:cs typeface="+mn-cs"/>
+                        </a:rPr>
+                        <a:t>Bind</a:t>
+                      </a:r>
+                    </a:p>
+                  </a:txBody>
+                  <a:tcPr/>
+                </a:tc>
+                <a:tc>
+                  <a:txBody>
+                    <a:bodyPr/>
+                    <a:lstStyle/>
+                    <a:p>
+                      <a:pPr marL="0" marR="0" indent="0" algn="l" defTabSz="914400" rtl="0" eaLnBrk="1" fontAlgn="auto" latinLnBrk="0" hangingPunct="1">
+                        <a:lnSpc>
+                          <a:spcPct val="100000"/>
+                        </a:lnSpc>
+                        <a:spcBef>
+                          <a:spcPts val="0"/>
+                        </a:spcBef>
+                        <a:spcAft>
+                          <a:spcPts val="0"/>
+                        </a:spcAft>
+                        <a:buClrTx/>
+                        <a:buSzTx/>
+                        <a:buFontTx/>
+                        <a:buNone/>
+                        <a:tabLst/>
+                        <a:defRPr/>
+                      </a:pPr>
+                      <a:r>
+                        <a:rPr lang="en-US" sz="1800" b="0" i="0" u="none" strike="noStrike" kern="1200" baseline="0" dirty="0" smtClean="0">
+                          <a:solidFill>
+                            <a:schemeClr val="dk1"/>
+                          </a:solidFill>
+                          <a:latin typeface="+mn-lt"/>
+                          <a:ea typeface="+mn-ea"/>
+                          <a:cs typeface="+mn-cs"/>
+                        </a:rPr>
+                        <a:t>Tells the model binder which properties to include/exclude</a:t>
+                      </a:r>
+                      <a:endParaRPr lang="en-US" sz="1800" b="0" i="0" u="none" strike="noStrike" kern="1200" baseline="0" dirty="0" smtClean="0">
+                        <a:solidFill>
+                          <a:schemeClr val="dk1"/>
+                        </a:solidFill>
+                        <a:latin typeface="+mn-lt"/>
+                        <a:ea typeface="+mn-ea"/>
+                        <a:cs typeface="+mn-cs"/>
+                      </a:endParaRPr>
+                    </a:p>
+                  </a:txBody>
+                  <a:tcPr/>
+                </a:tc>
+              </a:tr>
             </a:tbl>
           </a:graphicData>
         </a:graphic>
@@ -9171,7 +14826,761 @@
 </p:sld>
 </file>
 
-<file path=ppt/slides/slide16.xml><?xml version="1.0" encoding="utf-8"?>
+<file path=ppt/slides/slide31.xml><?xml version="1.0" encoding="utf-8"?>
+<p:sld xmlns:a="http://schemas.openxmlformats.org/drawingml/2006/main" xmlns:r="http://schemas.openxmlformats.org/officeDocument/2006/relationships" xmlns:p="http://schemas.openxmlformats.org/presentationml/2006/main">
+  <p:cSld>
+    <p:spTree>
+      <p:nvGrpSpPr>
+        <p:cNvPr id="1" name=""/>
+        <p:cNvGrpSpPr/>
+        <p:nvPr/>
+      </p:nvGrpSpPr>
+      <p:grpSpPr>
+        <a:xfrm>
+          <a:off x="0" y="0"/>
+          <a:ext cx="0" cy="0"/>
+          <a:chOff x="0" y="0"/>
+          <a:chExt cx="0" cy="0"/>
+        </a:xfrm>
+      </p:grpSpPr>
+      <p:sp>
+        <p:nvSpPr>
+          <p:cNvPr id="501762" name="Rectangle 2"/>
+          <p:cNvSpPr>
+            <a:spLocks noGrp="1" noChangeArrowheads="1"/>
+          </p:cNvSpPr>
+          <p:nvPr>
+            <p:ph type="ctrTitle"/>
+          </p:nvPr>
+        </p:nvSpPr>
+        <p:spPr>
+          <a:xfrm>
+            <a:off x="381000" y="1371600"/>
+            <a:ext cx="8381999" cy="1006707"/>
+          </a:xfrm>
+        </p:spPr>
+        <p:txBody>
+          <a:bodyPr/>
+          <a:lstStyle/>
+          <a:p>
+            <a:pPr indent="-838200">
+              <a:lnSpc>
+                <a:spcPct val="110000"/>
+              </a:lnSpc>
+            </a:pPr>
+            <a:r>
+              <a:rPr lang="en-US" dirty="0" smtClean="0"/>
+              <a:t>Session, </a:t>
+            </a:r>
+            <a:r>
+              <a:rPr lang="en-US" dirty="0" err="1" smtClean="0"/>
+              <a:t>TempData</a:t>
+            </a:r>
+            <a:r>
+              <a:rPr lang="en-US" dirty="0" smtClean="0"/>
+              <a:t>, Cache</a:t>
+            </a:r>
+            <a:endParaRPr lang="bg-BG" dirty="0"/>
+          </a:p>
+        </p:txBody>
+      </p:sp>
+      <p:sp>
+        <p:nvSpPr>
+          <p:cNvPr id="501763" name="Rectangle 3"/>
+          <p:cNvSpPr>
+            <a:spLocks noChangeArrowheads="1"/>
+          </p:cNvSpPr>
+          <p:nvPr/>
+        </p:nvSpPr>
+        <p:spPr bwMode="auto">
+          <a:xfrm>
+            <a:off x="1187450" y="3463925"/>
+            <a:ext cx="6480175" cy="469900"/>
+          </a:xfrm>
+          <a:prstGeom prst="rect">
+            <a:avLst/>
+          </a:prstGeom>
+          <a:noFill/>
+          <a:ln w="9525">
+            <a:noFill/>
+            <a:miter lim="800000"/>
+            <a:headEnd/>
+            <a:tailEnd/>
+          </a:ln>
+          <a:effectLst/>
+        </p:spPr>
+        <p:txBody>
+          <a:bodyPr lIns="0" tIns="0" rIns="0" bIns="0" anchor="b">
+            <a:spAutoFit/>
+          </a:bodyPr>
+          <a:lstStyle/>
+          <a:p>
+            <a:pPr algn="ctr">
+              <a:lnSpc>
+                <a:spcPct val="110000"/>
+              </a:lnSpc>
+            </a:pPr>
+            <a:endParaRPr lang="bg-BG" sz="2800" dirty="0">
+              <a:effectLst>
+                <a:outerShdw blurRad="38100" dist="38100" dir="2700000" algn="tl">
+                  <a:srgbClr val="FFFFFF"/>
+                </a:outerShdw>
+              </a:effectLst>
+            </a:endParaRPr>
+          </a:p>
+        </p:txBody>
+      </p:sp>
+      <p:pic>
+        <p:nvPicPr>
+          <p:cNvPr id="16386" name="Picture 2" descr="http://plattcollege.edu.s168003.gridserver.com/cms/wp-content/uploads/NextSession1.jpg"/>
+          <p:cNvPicPr>
+            <a:picLocks noChangeAspect="1" noChangeArrowheads="1"/>
+          </p:cNvPicPr>
+          <p:nvPr/>
+        </p:nvPicPr>
+        <p:blipFill>
+          <a:blip r:embed="rId3">
+            <a:extLst>
+              <a:ext uri="{28A0092B-C50C-407E-A947-70E740481C1C}">
+                <a14:useLocalDpi xmlns:a14="http://schemas.microsoft.com/office/drawing/2010/main" val="0"/>
+              </a:ext>
+            </a:extLst>
+          </a:blip>
+          <a:srcRect/>
+          <a:stretch>
+            <a:fillRect/>
+          </a:stretch>
+        </p:blipFill>
+        <p:spPr bwMode="auto">
+          <a:xfrm>
+            <a:off x="1570037" y="2667000"/>
+            <a:ext cx="5715000" cy="2667000"/>
+          </a:xfrm>
+          <a:prstGeom prst="roundRect">
+            <a:avLst/>
+          </a:prstGeom>
+          <a:noFill/>
+          <a:extLst>
+            <a:ext uri="{909E8E84-426E-40DD-AFC4-6F175D3DCCD1}">
+              <a14:hiddenFill xmlns:a14="http://schemas.microsoft.com/office/drawing/2010/main">
+                <a:solidFill>
+                  <a:srgbClr val="FFFFFF"/>
+                </a:solidFill>
+              </a14:hiddenFill>
+            </a:ext>
+          </a:extLst>
+        </p:spPr>
+      </p:pic>
+    </p:spTree>
+    <p:extLst>
+      <p:ext uri="{BB962C8B-B14F-4D97-AF65-F5344CB8AC3E}">
+        <p14:creationId xmlns:p14="http://schemas.microsoft.com/office/powerpoint/2010/main" val="69124739"/>
+      </p:ext>
+    </p:extLst>
+  </p:cSld>
+  <p:clrMapOvr>
+    <a:masterClrMapping/>
+  </p:clrMapOvr>
+  <p:transition/>
+  <p:timing>
+    <p:tnLst>
+      <p:par>
+        <p:cTn id="1" dur="indefinite" restart="never" nodeType="tmRoot"/>
+      </p:par>
+    </p:tnLst>
+  </p:timing>
+</p:sld>
+</file>
+
+<file path=ppt/slides/slide32.xml><?xml version="1.0" encoding="utf-8"?>
+<p:sld xmlns:a="http://schemas.openxmlformats.org/drawingml/2006/main" xmlns:r="http://schemas.openxmlformats.org/officeDocument/2006/relationships" xmlns:p="http://schemas.openxmlformats.org/presentationml/2006/main">
+  <p:cSld>
+    <p:spTree>
+      <p:nvGrpSpPr>
+        <p:cNvPr id="1" name=""/>
+        <p:cNvGrpSpPr/>
+        <p:nvPr/>
+      </p:nvGrpSpPr>
+      <p:grpSpPr>
+        <a:xfrm>
+          <a:off x="0" y="0"/>
+          <a:ext cx="0" cy="0"/>
+          <a:chOff x="0" y="0"/>
+          <a:chExt cx="0" cy="0"/>
+        </a:xfrm>
+      </p:grpSpPr>
+      <p:sp>
+        <p:nvSpPr>
+          <p:cNvPr id="2" name="Title 1"/>
+          <p:cNvSpPr>
+            <a:spLocks noGrp="1"/>
+          </p:cNvSpPr>
+          <p:nvPr>
+            <p:ph type="title"/>
+          </p:nvPr>
+        </p:nvSpPr>
+        <p:spPr/>
+        <p:txBody>
+          <a:bodyPr/>
+          <a:lstStyle/>
+          <a:p>
+            <a:r>
+              <a:rPr lang="en-US" dirty="0" smtClean="0"/>
+              <a:t>Session</a:t>
+            </a:r>
+            <a:endParaRPr lang="en-US" dirty="0"/>
+          </a:p>
+        </p:txBody>
+      </p:sp>
+      <p:sp>
+        <p:nvSpPr>
+          <p:cNvPr id="3" name="Content Placeholder 2"/>
+          <p:cNvSpPr>
+            <a:spLocks noGrp="1"/>
+          </p:cNvSpPr>
+          <p:nvPr>
+            <p:ph idx="1"/>
+          </p:nvPr>
+        </p:nvSpPr>
+        <p:spPr>
+          <a:xfrm>
+            <a:off x="227659" y="1295400"/>
+            <a:ext cx="8686800" cy="5791200"/>
+          </a:xfrm>
+        </p:spPr>
+        <p:txBody>
+          <a:bodyPr/>
+          <a:lstStyle/>
+          <a:p>
+            <a:r>
+              <a:rPr lang="en-US" dirty="0" smtClean="0"/>
+              <a:t>Each client has session id, which ASP.NET stores</a:t>
+            </a:r>
+          </a:p>
+          <a:p>
+            <a:r>
+              <a:rPr lang="en-US" dirty="0" smtClean="0"/>
+              <a:t>You can use it to store information in the memory of the application</a:t>
+            </a:r>
+            <a:endParaRPr lang="en-US" dirty="0" smtClean="0">
+              <a:solidFill>
+                <a:schemeClr val="accent5">
+                  <a:lumMod val="20000"/>
+                  <a:lumOff val="80000"/>
+                </a:schemeClr>
+              </a:solidFill>
+            </a:endParaRPr>
+          </a:p>
+        </p:txBody>
+      </p:sp>
+      <p:sp>
+        <p:nvSpPr>
+          <p:cNvPr id="4" name="Slide Number Placeholder 3"/>
+          <p:cNvSpPr>
+            <a:spLocks noGrp="1"/>
+          </p:cNvSpPr>
+          <p:nvPr>
+            <p:ph type="sldNum" sz="quarter" idx="10"/>
+          </p:nvPr>
+        </p:nvSpPr>
+        <p:spPr/>
+        <p:txBody>
+          <a:bodyPr/>
+          <a:lstStyle/>
+          <a:p>
+            <a:pPr>
+              <a:defRPr/>
+            </a:pPr>
+            <a:fld id="{58452FF4-89E3-4D1B-9927-2DBDC00E58D7}" type="slidenum">
+              <a:rPr lang="en-US" smtClean="0"/>
+              <a:pPr>
+                <a:defRPr/>
+              </a:pPr>
+              <a:t>32</a:t>
+            </a:fld>
+            <a:endParaRPr lang="en-US" dirty="0"/>
+          </a:p>
+        </p:txBody>
+      </p:sp>
+      <p:pic>
+        <p:nvPicPr>
+          <p:cNvPr id="17410" name="Picture 2"/>
+          <p:cNvPicPr>
+            <a:picLocks noChangeAspect="1" noChangeArrowheads="1"/>
+          </p:cNvPicPr>
+          <p:nvPr/>
+        </p:nvPicPr>
+        <p:blipFill>
+          <a:blip r:embed="rId2">
+            <a:extLst>
+              <a:ext uri="{28A0092B-C50C-407E-A947-70E740481C1C}">
+                <a14:useLocalDpi xmlns:a14="http://schemas.microsoft.com/office/drawing/2010/main" val="0"/>
+              </a:ext>
+            </a:extLst>
+          </a:blip>
+          <a:srcRect/>
+          <a:stretch>
+            <a:fillRect/>
+          </a:stretch>
+        </p:blipFill>
+        <p:spPr bwMode="auto">
+          <a:xfrm>
+            <a:off x="1854200" y="3886200"/>
+            <a:ext cx="5484518" cy="1794933"/>
+          </a:xfrm>
+          <a:prstGeom prst="rect">
+            <a:avLst/>
+          </a:prstGeom>
+          <a:noFill/>
+          <a:ln>
+            <a:noFill/>
+          </a:ln>
+          <a:extLst>
+            <a:ext uri="{909E8E84-426E-40DD-AFC4-6F175D3DCCD1}">
+              <a14:hiddenFill xmlns:a14="http://schemas.microsoft.com/office/drawing/2010/main">
+                <a:solidFill>
+                  <a:schemeClr val="accent1"/>
+                </a:solidFill>
+              </a14:hiddenFill>
+            </a:ext>
+            <a:ext uri="{91240B29-F687-4F45-9708-019B960494DF}">
+              <a14:hiddenLine xmlns:a14="http://schemas.microsoft.com/office/drawing/2010/main" w="9525">
+                <a:solidFill>
+                  <a:schemeClr val="tx1"/>
+                </a:solidFill>
+                <a:miter lim="800000"/>
+                <a:headEnd/>
+                <a:tailEnd/>
+              </a14:hiddenLine>
+            </a:ext>
+          </a:extLst>
+        </p:spPr>
+      </p:pic>
+    </p:spTree>
+    <p:extLst>
+      <p:ext uri="{BB962C8B-B14F-4D97-AF65-F5344CB8AC3E}">
+        <p14:creationId xmlns:p14="http://schemas.microsoft.com/office/powerpoint/2010/main" val="2511306114"/>
+      </p:ext>
+    </p:extLst>
+  </p:cSld>
+  <p:clrMapOvr>
+    <a:masterClrMapping/>
+  </p:clrMapOvr>
+  <p:timing>
+    <p:tnLst>
+      <p:par>
+        <p:cTn id="1" dur="indefinite" restart="never" nodeType="tmRoot"/>
+      </p:par>
+    </p:tnLst>
+  </p:timing>
+</p:sld>
+</file>
+
+<file path=ppt/slides/slide33.xml><?xml version="1.0" encoding="utf-8"?>
+<p:sld xmlns:a="http://schemas.openxmlformats.org/drawingml/2006/main" xmlns:r="http://schemas.openxmlformats.org/officeDocument/2006/relationships" xmlns:p="http://schemas.openxmlformats.org/presentationml/2006/main">
+  <p:cSld>
+    <p:spTree>
+      <p:nvGrpSpPr>
+        <p:cNvPr id="1" name=""/>
+        <p:cNvGrpSpPr/>
+        <p:nvPr/>
+      </p:nvGrpSpPr>
+      <p:grpSpPr>
+        <a:xfrm>
+          <a:off x="0" y="0"/>
+          <a:ext cx="0" cy="0"/>
+          <a:chOff x="0" y="0"/>
+          <a:chExt cx="0" cy="0"/>
+        </a:xfrm>
+      </p:grpSpPr>
+      <p:sp>
+        <p:nvSpPr>
+          <p:cNvPr id="2" name="Title 1"/>
+          <p:cNvSpPr>
+            <a:spLocks noGrp="1"/>
+          </p:cNvSpPr>
+          <p:nvPr>
+            <p:ph type="title"/>
+          </p:nvPr>
+        </p:nvSpPr>
+        <p:spPr/>
+        <p:txBody>
+          <a:bodyPr/>
+          <a:lstStyle/>
+          <a:p>
+            <a:r>
+              <a:rPr lang="en-US" dirty="0" err="1" smtClean="0"/>
+              <a:t>TempData</a:t>
+            </a:r>
+            <a:endParaRPr lang="en-US" dirty="0"/>
+          </a:p>
+        </p:txBody>
+      </p:sp>
+      <p:sp>
+        <p:nvSpPr>
+          <p:cNvPr id="3" name="Content Placeholder 2"/>
+          <p:cNvSpPr>
+            <a:spLocks noGrp="1"/>
+          </p:cNvSpPr>
+          <p:nvPr>
+            <p:ph idx="1"/>
+          </p:nvPr>
+        </p:nvSpPr>
+        <p:spPr>
+          <a:xfrm>
+            <a:off x="228600" y="914400"/>
+            <a:ext cx="8686800" cy="5791200"/>
+          </a:xfrm>
+        </p:spPr>
+        <p:txBody>
+          <a:bodyPr/>
+          <a:lstStyle/>
+          <a:p>
+            <a:r>
+              <a:rPr lang="en-US" dirty="0" err="1" smtClean="0">
+                <a:solidFill>
+                  <a:schemeClr val="accent5">
+                    <a:lumMod val="20000"/>
+                    <a:lumOff val="80000"/>
+                  </a:schemeClr>
+                </a:solidFill>
+              </a:rPr>
+              <a:t>TempData</a:t>
+            </a:r>
+            <a:r>
+              <a:rPr lang="en-US" dirty="0" smtClean="0">
+                <a:solidFill>
+                  <a:schemeClr val="accent5">
+                    <a:lumMod val="20000"/>
+                    <a:lumOff val="80000"/>
+                  </a:schemeClr>
+                </a:solidFill>
+              </a:rPr>
+              <a:t> </a:t>
+            </a:r>
+            <a:r>
+              <a:rPr lang="en-US" dirty="0" smtClean="0"/>
+              <a:t>can be used like a dictionary</a:t>
+            </a:r>
+          </a:p>
+          <a:p>
+            <a:r>
+              <a:rPr lang="en-US" dirty="0" smtClean="0"/>
+              <a:t>Each saved value lasts for the current and the next request</a:t>
+            </a:r>
+          </a:p>
+          <a:p>
+            <a:r>
+              <a:rPr lang="en-US" dirty="0" smtClean="0"/>
+              <a:t>Perfect for redirects</a:t>
+            </a:r>
+            <a:endParaRPr lang="en-US" dirty="0" smtClean="0">
+              <a:solidFill>
+                <a:schemeClr val="accent5">
+                  <a:lumMod val="20000"/>
+                  <a:lumOff val="80000"/>
+                </a:schemeClr>
+              </a:solidFill>
+            </a:endParaRPr>
+          </a:p>
+        </p:txBody>
+      </p:sp>
+      <p:sp>
+        <p:nvSpPr>
+          <p:cNvPr id="4" name="Slide Number Placeholder 3"/>
+          <p:cNvSpPr>
+            <a:spLocks noGrp="1"/>
+          </p:cNvSpPr>
+          <p:nvPr>
+            <p:ph type="sldNum" sz="quarter" idx="10"/>
+          </p:nvPr>
+        </p:nvSpPr>
+        <p:spPr/>
+        <p:txBody>
+          <a:bodyPr/>
+          <a:lstStyle/>
+          <a:p>
+            <a:pPr>
+              <a:defRPr/>
+            </a:pPr>
+            <a:fld id="{58452FF4-89E3-4D1B-9927-2DBDC00E58D7}" type="slidenum">
+              <a:rPr lang="en-US" smtClean="0"/>
+              <a:pPr>
+                <a:defRPr/>
+              </a:pPr>
+              <a:t>33</a:t>
+            </a:fld>
+            <a:endParaRPr lang="en-US" dirty="0"/>
+          </a:p>
+        </p:txBody>
+      </p:sp>
+      <p:pic>
+        <p:nvPicPr>
+          <p:cNvPr id="18434" name="Picture 2"/>
+          <p:cNvPicPr>
+            <a:picLocks noChangeAspect="1" noChangeArrowheads="1"/>
+          </p:cNvPicPr>
+          <p:nvPr/>
+        </p:nvPicPr>
+        <p:blipFill>
+          <a:blip r:embed="rId2">
+            <a:extLst>
+              <a:ext uri="{28A0092B-C50C-407E-A947-70E740481C1C}">
+                <a14:useLocalDpi xmlns:a14="http://schemas.microsoft.com/office/drawing/2010/main" val="0"/>
+              </a:ext>
+            </a:extLst>
+          </a:blip>
+          <a:srcRect/>
+          <a:stretch>
+            <a:fillRect/>
+          </a:stretch>
+        </p:blipFill>
+        <p:spPr bwMode="auto">
+          <a:xfrm>
+            <a:off x="2209800" y="3581400"/>
+            <a:ext cx="4782073" cy="2771775"/>
+          </a:xfrm>
+          <a:prstGeom prst="rect">
+            <a:avLst/>
+          </a:prstGeom>
+          <a:noFill/>
+          <a:ln>
+            <a:noFill/>
+          </a:ln>
+          <a:extLst>
+            <a:ext uri="{909E8E84-426E-40DD-AFC4-6F175D3DCCD1}">
+              <a14:hiddenFill xmlns:a14="http://schemas.microsoft.com/office/drawing/2010/main">
+                <a:solidFill>
+                  <a:schemeClr val="accent1"/>
+                </a:solidFill>
+              </a14:hiddenFill>
+            </a:ext>
+            <a:ext uri="{91240B29-F687-4F45-9708-019B960494DF}">
+              <a14:hiddenLine xmlns:a14="http://schemas.microsoft.com/office/drawing/2010/main" w="9525">
+                <a:solidFill>
+                  <a:schemeClr val="tx1"/>
+                </a:solidFill>
+                <a:miter lim="800000"/>
+                <a:headEnd/>
+                <a:tailEnd/>
+              </a14:hiddenLine>
+            </a:ext>
+          </a:extLst>
+        </p:spPr>
+      </p:pic>
+    </p:spTree>
+    <p:extLst>
+      <p:ext uri="{BB962C8B-B14F-4D97-AF65-F5344CB8AC3E}">
+        <p14:creationId xmlns:p14="http://schemas.microsoft.com/office/powerpoint/2010/main" val="3461703375"/>
+      </p:ext>
+    </p:extLst>
+  </p:cSld>
+  <p:clrMapOvr>
+    <a:masterClrMapping/>
+  </p:clrMapOvr>
+  <p:timing>
+    <p:tnLst>
+      <p:par>
+        <p:cTn id="1" dur="indefinite" restart="never" nodeType="tmRoot"/>
+      </p:par>
+    </p:tnLst>
+  </p:timing>
+</p:sld>
+</file>
+
+<file path=ppt/slides/slide34.xml><?xml version="1.0" encoding="utf-8"?>
+<p:sld xmlns:a="http://schemas.openxmlformats.org/drawingml/2006/main" xmlns:r="http://schemas.openxmlformats.org/officeDocument/2006/relationships" xmlns:p="http://schemas.openxmlformats.org/presentationml/2006/main">
+  <p:cSld>
+    <p:spTree>
+      <p:nvGrpSpPr>
+        <p:cNvPr id="1" name=""/>
+        <p:cNvGrpSpPr/>
+        <p:nvPr/>
+      </p:nvGrpSpPr>
+      <p:grpSpPr>
+        <a:xfrm>
+          <a:off x="0" y="0"/>
+          <a:ext cx="0" cy="0"/>
+          <a:chOff x="0" y="0"/>
+          <a:chExt cx="0" cy="0"/>
+        </a:xfrm>
+      </p:grpSpPr>
+      <p:sp>
+        <p:nvSpPr>
+          <p:cNvPr id="2" name="Title 1"/>
+          <p:cNvSpPr>
+            <a:spLocks noGrp="1"/>
+          </p:cNvSpPr>
+          <p:nvPr>
+            <p:ph type="title"/>
+          </p:nvPr>
+        </p:nvSpPr>
+        <p:spPr/>
+        <p:txBody>
+          <a:bodyPr/>
+          <a:lstStyle/>
+          <a:p>
+            <a:r>
+              <a:rPr lang="en-US" dirty="0" smtClean="0"/>
+              <a:t>Cache</a:t>
+            </a:r>
+            <a:endParaRPr lang="en-US" dirty="0"/>
+          </a:p>
+        </p:txBody>
+      </p:sp>
+      <p:sp>
+        <p:nvSpPr>
+          <p:cNvPr id="3" name="Content Placeholder 2"/>
+          <p:cNvSpPr>
+            <a:spLocks noGrp="1"/>
+          </p:cNvSpPr>
+          <p:nvPr>
+            <p:ph idx="1"/>
+          </p:nvPr>
+        </p:nvSpPr>
+        <p:spPr>
+          <a:xfrm>
+            <a:off x="228600" y="914400"/>
+            <a:ext cx="8686800" cy="5791200"/>
+          </a:xfrm>
+        </p:spPr>
+        <p:txBody>
+          <a:bodyPr/>
+          <a:lstStyle/>
+          <a:p>
+            <a:r>
+              <a:rPr lang="en-US" dirty="0" smtClean="0"/>
+              <a:t>You can save global data into the Cache</a:t>
+            </a:r>
+          </a:p>
+          <a:p>
+            <a:r>
+              <a:rPr lang="en-US" dirty="0" smtClean="0"/>
+              <a:t>It works like dictionary</a:t>
+            </a:r>
+          </a:p>
+          <a:p>
+            <a:r>
+              <a:rPr lang="en-US" dirty="0" smtClean="0"/>
+              <a:t>It is not per client, but rather global</a:t>
+            </a:r>
+          </a:p>
+          <a:p>
+            <a:endParaRPr lang="en-US" dirty="0" smtClean="0">
+              <a:solidFill>
+                <a:schemeClr val="accent5">
+                  <a:lumMod val="20000"/>
+                  <a:lumOff val="80000"/>
+                </a:schemeClr>
+              </a:solidFill>
+            </a:endParaRPr>
+          </a:p>
+        </p:txBody>
+      </p:sp>
+      <p:sp>
+        <p:nvSpPr>
+          <p:cNvPr id="4" name="Slide Number Placeholder 3"/>
+          <p:cNvSpPr>
+            <a:spLocks noGrp="1"/>
+          </p:cNvSpPr>
+          <p:nvPr>
+            <p:ph type="sldNum" sz="quarter" idx="10"/>
+          </p:nvPr>
+        </p:nvSpPr>
+        <p:spPr/>
+        <p:txBody>
+          <a:bodyPr/>
+          <a:lstStyle/>
+          <a:p>
+            <a:pPr>
+              <a:defRPr/>
+            </a:pPr>
+            <a:fld id="{58452FF4-89E3-4D1B-9927-2DBDC00E58D7}" type="slidenum">
+              <a:rPr lang="en-US" smtClean="0"/>
+              <a:pPr>
+                <a:defRPr/>
+              </a:pPr>
+              <a:t>34</a:t>
+            </a:fld>
+            <a:endParaRPr lang="en-US" dirty="0"/>
+          </a:p>
+        </p:txBody>
+      </p:sp>
+      <p:pic>
+        <p:nvPicPr>
+          <p:cNvPr id="19458" name="Picture 2"/>
+          <p:cNvPicPr>
+            <a:picLocks noChangeAspect="1" noChangeArrowheads="1"/>
+          </p:cNvPicPr>
+          <p:nvPr/>
+        </p:nvPicPr>
+        <p:blipFill>
+          <a:blip r:embed="rId2">
+            <a:extLst>
+              <a:ext uri="{28A0092B-C50C-407E-A947-70E740481C1C}">
+                <a14:useLocalDpi xmlns:a14="http://schemas.microsoft.com/office/drawing/2010/main" val="0"/>
+              </a:ext>
+            </a:extLst>
+          </a:blip>
+          <a:srcRect/>
+          <a:stretch>
+            <a:fillRect/>
+          </a:stretch>
+        </p:blipFill>
+        <p:spPr bwMode="auto">
+          <a:xfrm>
+            <a:off x="1524000" y="3200400"/>
+            <a:ext cx="6248400" cy="2811780"/>
+          </a:xfrm>
+          <a:prstGeom prst="rect">
+            <a:avLst/>
+          </a:prstGeom>
+          <a:noFill/>
+          <a:ln>
+            <a:noFill/>
+          </a:ln>
+          <a:extLst>
+            <a:ext uri="{909E8E84-426E-40DD-AFC4-6F175D3DCCD1}">
+              <a14:hiddenFill xmlns:a14="http://schemas.microsoft.com/office/drawing/2010/main">
+                <a:solidFill>
+                  <a:schemeClr val="accent1"/>
+                </a:solidFill>
+              </a14:hiddenFill>
+            </a:ext>
+            <a:ext uri="{91240B29-F687-4F45-9708-019B960494DF}">
+              <a14:hiddenLine xmlns:a14="http://schemas.microsoft.com/office/drawing/2010/main" w="9525">
+                <a:solidFill>
+                  <a:schemeClr val="tx1"/>
+                </a:solidFill>
+                <a:miter lim="800000"/>
+                <a:headEnd/>
+                <a:tailEnd/>
+              </a14:hiddenLine>
+            </a:ext>
+          </a:extLst>
+        </p:spPr>
+      </p:pic>
+    </p:spTree>
+    <p:extLst>
+      <p:ext uri="{BB962C8B-B14F-4D97-AF65-F5344CB8AC3E}">
+        <p14:creationId xmlns:p14="http://schemas.microsoft.com/office/powerpoint/2010/main" val="509752577"/>
+      </p:ext>
+    </p:extLst>
+  </p:cSld>
+  <p:clrMapOvr>
+    <a:masterClrMapping/>
+  </p:clrMapOvr>
+  <p:timing>
+    <p:tnLst>
+      <p:par>
+        <p:cTn id="1" dur="indefinite" restart="never" nodeType="tmRoot"/>
+      </p:par>
+    </p:tnLst>
+  </p:timing>
+</p:sld>
+</file>
+
+<file path=ppt/slides/slide35.xml><?xml version="1.0" encoding="utf-8"?>
 <p:sld xmlns:a="http://schemas.openxmlformats.org/drawingml/2006/main" xmlns:r="http://schemas.openxmlformats.org/officeDocument/2006/relationships" xmlns:p="http://schemas.openxmlformats.org/presentationml/2006/main">
   <p:cSld>
     <p:spTree>
@@ -9318,7 +15727,7 @@
 </p:sld>
 </file>
 
-<file path=ppt/slides/slide17.xml><?xml version="1.0" encoding="utf-8"?>
+<file path=ppt/slides/slide36.xml><?xml version="1.0" encoding="utf-8"?>
 <p:sld xmlns:a="http://schemas.openxmlformats.org/drawingml/2006/main" xmlns:r="http://schemas.openxmlformats.org/officeDocument/2006/relationships" xmlns:p="http://schemas.openxmlformats.org/presentationml/2006/main">
   <p:cSld>
     <p:spTree>
@@ -9494,7 +15903,7 @@
               <a:pPr>
                 <a:defRPr/>
               </a:pPr>
-              <a:t>17</a:t>
+              <a:t>36</a:t>
             </a:fld>
             <a:endParaRPr lang="en-US" dirty="0"/>
           </a:p>
@@ -9520,7 +15929,7 @@
 </p:sld>
 </file>
 
-<file path=ppt/slides/slide18.xml><?xml version="1.0" encoding="utf-8"?>
+<file path=ppt/slides/slide37.xml><?xml version="1.0" encoding="utf-8"?>
 <p:sld xmlns:a="http://schemas.openxmlformats.org/drawingml/2006/main" xmlns:r="http://schemas.openxmlformats.org/officeDocument/2006/relationships" xmlns:p="http://schemas.openxmlformats.org/presentationml/2006/main">
   <p:cSld>
     <p:spTree>
@@ -9587,7 +15996,7 @@
               <a:pPr>
                 <a:defRPr/>
               </a:pPr>
-              <a:t>18</a:t>
+              <a:t>37</a:t>
             </a:fld>
             <a:endParaRPr lang="en-US" dirty="0"/>
           </a:p>
@@ -10828,7 +17237,7 @@
 </p:sld>
 </file>
 
-<file path=ppt/slides/slide19.xml><?xml version="1.0" encoding="utf-8"?>
+<file path=ppt/slides/slide38.xml><?xml version="1.0" encoding="utf-8"?>
 <p:sld xmlns:a="http://schemas.openxmlformats.org/drawingml/2006/main" xmlns:r="http://schemas.openxmlformats.org/officeDocument/2006/relationships" xmlns:p="http://schemas.openxmlformats.org/presentationml/2006/main">
   <p:cSld>
     <p:spTree>
@@ -10966,7 +17375,7 @@
               <a:pPr>
                 <a:defRPr/>
               </a:pPr>
-              <a:t>19</a:t>
+              <a:t>38</a:t>
             </a:fld>
             <a:endParaRPr lang="en-US" dirty="0"/>
           </a:p>
@@ -10992,246 +17401,7 @@
 </p:sld>
 </file>
 
-<file path=ppt/slides/slide2.xml><?xml version="1.0" encoding="utf-8"?>
-<p:sld xmlns:a="http://schemas.openxmlformats.org/drawingml/2006/main" xmlns:r="http://schemas.openxmlformats.org/officeDocument/2006/relationships" xmlns:p="http://schemas.openxmlformats.org/presentationml/2006/main">
-  <p:cSld>
-    <p:spTree>
-      <p:nvGrpSpPr>
-        <p:cNvPr id="1" name=""/>
-        <p:cNvGrpSpPr/>
-        <p:nvPr/>
-      </p:nvGrpSpPr>
-      <p:grpSpPr>
-        <a:xfrm>
-          <a:off x="0" y="0"/>
-          <a:ext cx="0" cy="0"/>
-          <a:chOff x="0" y="0"/>
-          <a:chExt cx="0" cy="0"/>
-        </a:xfrm>
-      </p:grpSpPr>
-      <p:sp>
-        <p:nvSpPr>
-          <p:cNvPr id="2" name="Title 1"/>
-          <p:cNvSpPr>
-            <a:spLocks noGrp="1"/>
-          </p:cNvSpPr>
-          <p:nvPr>
-            <p:ph type="title"/>
-          </p:nvPr>
-        </p:nvSpPr>
-        <p:spPr/>
-        <p:txBody>
-          <a:bodyPr/>
-          <a:lstStyle/>
-          <a:p>
-            <a:r>
-              <a:rPr lang="en-US" dirty="0" smtClean="0"/>
-              <a:t>Table of Contents</a:t>
-            </a:r>
-            <a:endParaRPr lang="bg-BG" dirty="0"/>
-          </a:p>
-        </p:txBody>
-      </p:sp>
-      <p:sp>
-        <p:nvSpPr>
-          <p:cNvPr id="3" name="Content Placeholder 2"/>
-          <p:cNvSpPr>
-            <a:spLocks noGrp="1"/>
-          </p:cNvSpPr>
-          <p:nvPr>
-            <p:ph idx="1"/>
-          </p:nvPr>
-        </p:nvSpPr>
-        <p:spPr/>
-        <p:txBody>
-          <a:bodyPr/>
-          <a:lstStyle/>
-          <a:p>
-            <a:r>
-              <a:rPr lang="en-US" dirty="0" smtClean="0"/>
-              <a:t>Scaffolding</a:t>
-            </a:r>
-          </a:p>
-          <a:p>
-            <a:r>
-              <a:rPr lang="en-US" dirty="0"/>
-              <a:t>Model Binders</a:t>
-            </a:r>
-          </a:p>
-          <a:p>
-            <a:r>
-              <a:rPr lang="en-US" dirty="0" smtClean="0"/>
-              <a:t>Data Validation</a:t>
-            </a:r>
-          </a:p>
-          <a:p>
-            <a:r>
-              <a:rPr lang="en-US" dirty="0" smtClean="0"/>
-              <a:t>Working </a:t>
-            </a:r>
-            <a:r>
-              <a:rPr lang="en-US" dirty="0"/>
-              <a:t>with Data </a:t>
-            </a:r>
-            <a:r>
-              <a:rPr lang="en-US" dirty="0" smtClean="0"/>
-              <a:t>Source</a:t>
-            </a:r>
-          </a:p>
-          <a:p>
-            <a:pPr lvl="1"/>
-            <a:r>
-              <a:rPr lang="en-US" dirty="0" smtClean="0"/>
-              <a:t>Repository </a:t>
-            </a:r>
-            <a:r>
-              <a:rPr lang="en-US" dirty="0"/>
-              <a:t>Pattern</a:t>
-            </a:r>
-          </a:p>
-          <a:p>
-            <a:pPr lvl="1"/>
-            <a:r>
-              <a:rPr lang="en-US" dirty="0"/>
-              <a:t>Unit of Work </a:t>
-            </a:r>
-            <a:r>
-              <a:rPr lang="en-US" dirty="0" smtClean="0"/>
-              <a:t>Pattern</a:t>
-            </a:r>
-            <a:endParaRPr lang="en-US" dirty="0"/>
-          </a:p>
-        </p:txBody>
-      </p:sp>
-      <p:sp>
-        <p:nvSpPr>
-          <p:cNvPr id="4" name="Slide Number Placeholder 3"/>
-          <p:cNvSpPr>
-            <a:spLocks noGrp="1"/>
-          </p:cNvSpPr>
-          <p:nvPr>
-            <p:ph type="sldNum" sz="quarter" idx="10"/>
-          </p:nvPr>
-        </p:nvSpPr>
-        <p:spPr/>
-        <p:txBody>
-          <a:bodyPr/>
-          <a:lstStyle/>
-          <a:p>
-            <a:pPr>
-              <a:defRPr/>
-            </a:pPr>
-            <a:fld id="{58452FF4-89E3-4D1B-9927-2DBDC00E58D7}" type="slidenum">
-              <a:rPr lang="en-US" smtClean="0"/>
-              <a:pPr>
-                <a:defRPr/>
-              </a:pPr>
-              <a:t>2</a:t>
-            </a:fld>
-            <a:endParaRPr lang="en-US" dirty="0"/>
-          </a:p>
-        </p:txBody>
-      </p:sp>
-      <p:pic>
-        <p:nvPicPr>
-          <p:cNvPr id="5" name="Picture 5" descr="C:\Users\nkostov\Desktop\Untitled.png"/>
-          <p:cNvPicPr>
-            <a:picLocks noChangeAspect="1" noChangeArrowheads="1"/>
-          </p:cNvPicPr>
-          <p:nvPr/>
-        </p:nvPicPr>
-        <p:blipFill>
-          <a:blip r:embed="rId2">
-            <a:extLst>
-              <a:ext uri="{28A0092B-C50C-407E-A947-70E740481C1C}">
-                <a14:useLocalDpi xmlns:a14="http://schemas.microsoft.com/office/drawing/2010/main"/>
-              </a:ext>
-            </a:extLst>
-          </a:blip>
-          <a:srcRect/>
-          <a:stretch>
-            <a:fillRect/>
-          </a:stretch>
-        </p:blipFill>
-        <p:spPr bwMode="auto">
-          <a:xfrm rot="1502284">
-            <a:off x="4508790" y="3295396"/>
-            <a:ext cx="4223956" cy="3519963"/>
-          </a:xfrm>
-          <a:prstGeom prst="rect">
-            <a:avLst/>
-          </a:prstGeom>
-          <a:ln>
-            <a:noFill/>
-          </a:ln>
-          <a:effectLst>
-            <a:softEdge rad="112500"/>
-          </a:effectLst>
-          <a:extLst>
-            <a:ext uri="{909E8E84-426E-40DD-AFC4-6F175D3DCCD1}">
-              <a14:hiddenFill xmlns:a14="http://schemas.microsoft.com/office/drawing/2010/main">
-                <a:solidFill>
-                  <a:srgbClr val="FFFFFF"/>
-                </a:solidFill>
-              </a14:hiddenFill>
-            </a:ext>
-          </a:extLst>
-        </p:spPr>
-      </p:pic>
-      <p:pic>
-        <p:nvPicPr>
-          <p:cNvPr id="6" name="Picture 5"/>
-          <p:cNvPicPr>
-            <a:picLocks noChangeAspect="1"/>
-          </p:cNvPicPr>
-          <p:nvPr/>
-        </p:nvPicPr>
-        <p:blipFill>
-          <a:blip r:embed="rId3" cstate="screen">
-            <a:extLst>
-              <a:ext uri="{28A0092B-C50C-407E-A947-70E740481C1C}">
-                <a14:useLocalDpi xmlns:a14="http://schemas.microsoft.com/office/drawing/2010/main"/>
-              </a:ext>
-            </a:extLst>
-          </a:blip>
-          <a:stretch>
-            <a:fillRect/>
-          </a:stretch>
-        </p:blipFill>
-        <p:spPr>
-          <a:xfrm>
-            <a:off x="5638800" y="838200"/>
-            <a:ext cx="2373342" cy="2332838"/>
-          </a:xfrm>
-          <a:prstGeom prst="rect">
-            <a:avLst/>
-          </a:prstGeom>
-          <a:effectLst>
-            <a:softEdge rad="38100"/>
-          </a:effectLst>
-        </p:spPr>
-      </p:pic>
-    </p:spTree>
-    <p:extLst>
-      <p:ext uri="{BB962C8B-B14F-4D97-AF65-F5344CB8AC3E}">
-        <p14:creationId xmlns:p14="http://schemas.microsoft.com/office/powerpoint/2010/main" val="1442871658"/>
-      </p:ext>
-    </p:extLst>
-  </p:cSld>
-  <p:clrMapOvr>
-    <a:masterClrMapping/>
-  </p:clrMapOvr>
-  <p:timing>
-    <p:tnLst>
-      <p:par>
-        <p:cTn id="1" dur="indefinite" restart="never" nodeType="tmRoot"/>
-      </p:par>
-    </p:tnLst>
-  </p:timing>
-</p:sld>
-</file>
-
-<file path=ppt/slides/slide20.xml><?xml version="1.0" encoding="utf-8"?>
+<file path=ppt/slides/slide39.xml><?xml version="1.0" encoding="utf-8"?>
 <p:sld xmlns:a="http://schemas.openxmlformats.org/drawingml/2006/main" xmlns:r="http://schemas.openxmlformats.org/officeDocument/2006/relationships" xmlns:p="http://schemas.openxmlformats.org/presentationml/2006/main">
   <p:cSld>
     <p:spTree>
@@ -11319,7 +17489,7 @@
               <a:pPr>
                 <a:defRPr/>
               </a:pPr>
-              <a:t>20</a:t>
+              <a:t>39</a:t>
             </a:fld>
             <a:endParaRPr lang="en-US" dirty="0"/>
           </a:p>
@@ -11386,7 +17556,908 @@
 </p:sld>
 </file>
 
-<file path=ppt/slides/slide21.xml><?xml version="1.0" encoding="utf-8"?>
+<file path=ppt/slides/slide4.xml><?xml version="1.0" encoding="utf-8"?>
+<p:sld xmlns:a="http://schemas.openxmlformats.org/drawingml/2006/main" xmlns:r="http://schemas.openxmlformats.org/officeDocument/2006/relationships" xmlns:p="http://schemas.openxmlformats.org/presentationml/2006/main">
+  <p:cSld>
+    <p:spTree>
+      <p:nvGrpSpPr>
+        <p:cNvPr id="1" name=""/>
+        <p:cNvGrpSpPr/>
+        <p:nvPr/>
+      </p:nvGrpSpPr>
+      <p:grpSpPr>
+        <a:xfrm>
+          <a:off x="0" y="0"/>
+          <a:ext cx="0" cy="0"/>
+          <a:chOff x="0" y="0"/>
+          <a:chExt cx="0" cy="0"/>
+        </a:xfrm>
+      </p:grpSpPr>
+      <p:sp>
+        <p:nvSpPr>
+          <p:cNvPr id="2" name="Title 1"/>
+          <p:cNvSpPr>
+            <a:spLocks noGrp="1"/>
+          </p:cNvSpPr>
+          <p:nvPr>
+            <p:ph type="title"/>
+          </p:nvPr>
+        </p:nvSpPr>
+        <p:spPr/>
+        <p:txBody>
+          <a:bodyPr/>
+          <a:lstStyle/>
+          <a:p>
+            <a:r>
+              <a:rPr lang="en-US" dirty="0" smtClean="0"/>
+              <a:t>What </a:t>
+            </a:r>
+            <a:r>
+              <a:rPr lang="en-US" dirty="0"/>
+              <a:t>is ASP.NET Scaffolding?</a:t>
+            </a:r>
+          </a:p>
+        </p:txBody>
+      </p:sp>
+      <p:sp>
+        <p:nvSpPr>
+          <p:cNvPr id="3" name="Content Placeholder 2"/>
+          <p:cNvSpPr>
+            <a:spLocks noGrp="1"/>
+          </p:cNvSpPr>
+          <p:nvPr>
+            <p:ph idx="1"/>
+          </p:nvPr>
+        </p:nvSpPr>
+        <p:spPr>
+          <a:xfrm>
+            <a:off x="228600" y="838200"/>
+            <a:ext cx="8686800" cy="5791200"/>
+          </a:xfrm>
+        </p:spPr>
+        <p:txBody>
+          <a:bodyPr/>
+          <a:lstStyle/>
+          <a:p>
+            <a:pPr>
+              <a:spcBef>
+                <a:spcPts val="0"/>
+              </a:spcBef>
+              <a:spcAft>
+                <a:spcPts val="300"/>
+              </a:spcAft>
+            </a:pPr>
+            <a:r>
+              <a:rPr lang="en-US" dirty="0" smtClean="0"/>
+              <a:t>Code </a:t>
+            </a:r>
+            <a:r>
+              <a:rPr lang="en-US" dirty="0"/>
+              <a:t>generation framework for </a:t>
+            </a:r>
+            <a:r>
+              <a:rPr lang="en-US" dirty="0" smtClean="0"/>
+              <a:t>ASP.NET</a:t>
+            </a:r>
+          </a:p>
+          <a:p>
+            <a:pPr lvl="1">
+              <a:spcBef>
+                <a:spcPts val="0"/>
+              </a:spcBef>
+              <a:spcAft>
+                <a:spcPts val="300"/>
+              </a:spcAft>
+            </a:pPr>
+            <a:r>
+              <a:rPr lang="en-US" dirty="0" smtClean="0"/>
+              <a:t>When </a:t>
+            </a:r>
+            <a:r>
+              <a:rPr lang="en-US" dirty="0"/>
+              <a:t>you want to quickly add boilerplate code that interacts with data </a:t>
+            </a:r>
+            <a:r>
+              <a:rPr lang="en-US" dirty="0" smtClean="0"/>
+              <a:t>models</a:t>
+            </a:r>
+          </a:p>
+          <a:p>
+            <a:pPr>
+              <a:spcBef>
+                <a:spcPts val="0"/>
+              </a:spcBef>
+              <a:spcAft>
+                <a:spcPts val="300"/>
+              </a:spcAft>
+            </a:pPr>
+            <a:r>
+              <a:rPr lang="en-US" dirty="0"/>
+              <a:t>Developer productivity enhancer</a:t>
+            </a:r>
+          </a:p>
+          <a:p>
+            <a:pPr lvl="1">
+              <a:spcBef>
+                <a:spcPts val="0"/>
+              </a:spcBef>
+              <a:spcAft>
+                <a:spcPts val="300"/>
+              </a:spcAft>
+            </a:pPr>
+            <a:r>
+              <a:rPr lang="en-US" dirty="0" smtClean="0"/>
+              <a:t>Can </a:t>
+            </a:r>
+            <a:r>
+              <a:rPr lang="en-US" dirty="0"/>
+              <a:t>reduce the amount of time to develop standard data operations in your </a:t>
+            </a:r>
+            <a:r>
+              <a:rPr lang="en-US" dirty="0" smtClean="0"/>
+              <a:t>project</a:t>
+            </a:r>
+          </a:p>
+          <a:p>
+            <a:pPr>
+              <a:spcBef>
+                <a:spcPts val="0"/>
+              </a:spcBef>
+              <a:spcAft>
+                <a:spcPts val="300"/>
+              </a:spcAft>
+            </a:pPr>
+            <a:r>
+              <a:rPr lang="en-US" dirty="0"/>
+              <a:t>Enables </a:t>
+            </a:r>
+            <a:r>
+              <a:rPr lang="en-US" dirty="0" smtClean="0"/>
+              <a:t>customization</a:t>
+            </a:r>
+          </a:p>
+          <a:p>
+            <a:pPr lvl="1">
+              <a:spcBef>
+                <a:spcPts val="0"/>
+              </a:spcBef>
+              <a:spcAft>
+                <a:spcPts val="300"/>
+              </a:spcAft>
+            </a:pPr>
+            <a:r>
+              <a:rPr lang="en-US" dirty="0" smtClean="0"/>
+              <a:t>Provides </a:t>
+            </a:r>
+            <a:r>
+              <a:rPr lang="en-US" dirty="0"/>
+              <a:t>an extensibility mechanism to customize generated code</a:t>
+            </a:r>
+          </a:p>
+          <a:p>
+            <a:pPr>
+              <a:spcBef>
+                <a:spcPts val="0"/>
+              </a:spcBef>
+              <a:spcAft>
+                <a:spcPts val="300"/>
+              </a:spcAft>
+            </a:pPr>
+            <a:r>
+              <a:rPr lang="en-US" dirty="0" smtClean="0"/>
+              <a:t>VS 2013 includes </a:t>
+            </a:r>
+            <a:r>
+              <a:rPr lang="en-US" dirty="0"/>
+              <a:t>pre-installed code generators for MVC, </a:t>
+            </a:r>
+            <a:r>
+              <a:rPr lang="en-US" dirty="0" smtClean="0"/>
+              <a:t>and </a:t>
+            </a:r>
+            <a:r>
+              <a:rPr lang="en-US" dirty="0"/>
+              <a:t>Web </a:t>
+            </a:r>
+            <a:r>
+              <a:rPr lang="en-US" dirty="0" smtClean="0"/>
+              <a:t>API</a:t>
+            </a:r>
+            <a:endParaRPr lang="en-US" dirty="0"/>
+          </a:p>
+        </p:txBody>
+      </p:sp>
+      <p:sp>
+        <p:nvSpPr>
+          <p:cNvPr id="4" name="Slide Number Placeholder 3"/>
+          <p:cNvSpPr>
+            <a:spLocks noGrp="1"/>
+          </p:cNvSpPr>
+          <p:nvPr>
+            <p:ph type="sldNum" sz="quarter" idx="10"/>
+          </p:nvPr>
+        </p:nvSpPr>
+        <p:spPr/>
+        <p:txBody>
+          <a:bodyPr/>
+          <a:lstStyle/>
+          <a:p>
+            <a:pPr>
+              <a:defRPr/>
+            </a:pPr>
+            <a:fld id="{58452FF4-89E3-4D1B-9927-2DBDC00E58D7}" type="slidenum">
+              <a:rPr lang="en-US" smtClean="0"/>
+              <a:pPr>
+                <a:defRPr/>
+              </a:pPr>
+              <a:t>4</a:t>
+            </a:fld>
+            <a:endParaRPr lang="en-US" dirty="0"/>
+          </a:p>
+        </p:txBody>
+      </p:sp>
+    </p:spTree>
+    <p:extLst>
+      <p:ext uri="{BB962C8B-B14F-4D97-AF65-F5344CB8AC3E}">
+        <p14:creationId xmlns:p14="http://schemas.microsoft.com/office/powerpoint/2010/main" val="3328479996"/>
+      </p:ext>
+    </p:extLst>
+  </p:cSld>
+  <p:clrMapOvr>
+    <a:masterClrMapping/>
+  </p:clrMapOvr>
+  <p:timing>
+    <p:tnLst>
+      <p:par>
+        <p:cTn id="1" dur="indefinite" restart="never" nodeType="tmRoot"/>
+      </p:par>
+    </p:tnLst>
+  </p:timing>
+</p:sld>
+</file>
+
+<file path=ppt/slides/slide40.xml><?xml version="1.0" encoding="utf-8"?>
+<p:sld xmlns:a="http://schemas.openxmlformats.org/drawingml/2006/main" xmlns:r="http://schemas.openxmlformats.org/officeDocument/2006/relationships" xmlns:p="http://schemas.openxmlformats.org/presentationml/2006/main">
+  <p:cSld>
+    <p:spTree>
+      <p:nvGrpSpPr>
+        <p:cNvPr id="1" name=""/>
+        <p:cNvGrpSpPr/>
+        <p:nvPr/>
+      </p:nvGrpSpPr>
+      <p:grpSpPr>
+        <a:xfrm>
+          <a:off x="0" y="0"/>
+          <a:ext cx="0" cy="0"/>
+          <a:chOff x="0" y="0"/>
+          <a:chExt cx="0" cy="0"/>
+        </a:xfrm>
+      </p:grpSpPr>
+      <p:sp>
+        <p:nvSpPr>
+          <p:cNvPr id="2" name="Title 1"/>
+          <p:cNvSpPr>
+            <a:spLocks noGrp="1"/>
+          </p:cNvSpPr>
+          <p:nvPr>
+            <p:ph type="title"/>
+          </p:nvPr>
+        </p:nvSpPr>
+        <p:spPr/>
+        <p:txBody>
+          <a:bodyPr/>
+          <a:lstStyle/>
+          <a:p>
+            <a:r>
+              <a:rPr lang="en-US" dirty="0" err="1" smtClean="0"/>
+              <a:t>Ninject</a:t>
+            </a:r>
+            <a:r>
+              <a:rPr lang="en-US" dirty="0" smtClean="0"/>
+              <a:t> </a:t>
+            </a:r>
+            <a:r>
+              <a:rPr lang="en-US" dirty="0" err="1" smtClean="0"/>
+              <a:t>IoC</a:t>
+            </a:r>
+            <a:endParaRPr lang="en-US" dirty="0"/>
+          </a:p>
+        </p:txBody>
+      </p:sp>
+      <p:sp>
+        <p:nvSpPr>
+          <p:cNvPr id="3" name="Content Placeholder 2"/>
+          <p:cNvSpPr>
+            <a:spLocks noGrp="1"/>
+          </p:cNvSpPr>
+          <p:nvPr>
+            <p:ph idx="1"/>
+          </p:nvPr>
+        </p:nvSpPr>
+        <p:spPr/>
+        <p:txBody>
+          <a:bodyPr/>
+          <a:lstStyle/>
+          <a:p>
+            <a:r>
+              <a:rPr lang="en-US" dirty="0" smtClean="0"/>
+              <a:t>You may want to use </a:t>
+            </a:r>
+            <a:r>
+              <a:rPr lang="en-US" dirty="0" err="1" smtClean="0">
+                <a:solidFill>
+                  <a:schemeClr val="accent5">
+                    <a:lumMod val="20000"/>
+                    <a:lumOff val="80000"/>
+                  </a:schemeClr>
+                </a:solidFill>
+              </a:rPr>
+              <a:t>IoC</a:t>
+            </a:r>
+            <a:r>
+              <a:rPr lang="en-US" dirty="0" smtClean="0">
+                <a:solidFill>
+                  <a:schemeClr val="accent5">
+                    <a:lumMod val="20000"/>
+                    <a:lumOff val="80000"/>
+                  </a:schemeClr>
+                </a:solidFill>
+              </a:rPr>
+              <a:t> </a:t>
+            </a:r>
+            <a:r>
+              <a:rPr lang="en-US" dirty="0" smtClean="0"/>
+              <a:t>for dependency inversion</a:t>
+            </a:r>
+          </a:p>
+          <a:p>
+            <a:r>
+              <a:rPr lang="en-US" dirty="0" err="1" smtClean="0">
+                <a:solidFill>
+                  <a:schemeClr val="accent5">
+                    <a:lumMod val="20000"/>
+                    <a:lumOff val="80000"/>
+                  </a:schemeClr>
+                </a:solidFill>
+              </a:rPr>
+              <a:t>Ninject</a:t>
+            </a:r>
+            <a:r>
+              <a:rPr lang="en-US" dirty="0" smtClean="0">
+                <a:solidFill>
+                  <a:schemeClr val="accent5">
+                    <a:lumMod val="20000"/>
+                    <a:lumOff val="80000"/>
+                  </a:schemeClr>
+                </a:solidFill>
+              </a:rPr>
+              <a:t> </a:t>
+            </a:r>
+            <a:r>
+              <a:rPr lang="en-US" dirty="0" smtClean="0"/>
+              <a:t>is quite easy to do</a:t>
+            </a:r>
+          </a:p>
+          <a:p>
+            <a:r>
+              <a:rPr lang="en-US" dirty="0" smtClean="0"/>
+              <a:t>Install </a:t>
+            </a:r>
+            <a:r>
+              <a:rPr lang="en-US" dirty="0" smtClean="0">
+                <a:solidFill>
+                  <a:schemeClr val="accent5">
+                    <a:lumMod val="20000"/>
+                    <a:lumOff val="80000"/>
+                  </a:schemeClr>
+                </a:solidFill>
+              </a:rPr>
+              <a:t>Ninject.MVC5 </a:t>
+            </a:r>
+            <a:r>
+              <a:rPr lang="en-US" dirty="0" smtClean="0"/>
+              <a:t>from </a:t>
+            </a:r>
+            <a:r>
+              <a:rPr lang="en-US" dirty="0" err="1" smtClean="0">
+                <a:solidFill>
+                  <a:schemeClr val="accent5">
+                    <a:lumMod val="20000"/>
+                    <a:lumOff val="80000"/>
+                  </a:schemeClr>
+                </a:solidFill>
+              </a:rPr>
+              <a:t>NuGet</a:t>
+            </a:r>
+            <a:endParaRPr lang="en-US" dirty="0" smtClean="0">
+              <a:solidFill>
+                <a:schemeClr val="accent5">
+                  <a:lumMod val="20000"/>
+                  <a:lumOff val="80000"/>
+                </a:schemeClr>
+              </a:solidFill>
+            </a:endParaRPr>
+          </a:p>
+          <a:p>
+            <a:r>
+              <a:rPr lang="en-US" dirty="0" smtClean="0"/>
+              <a:t>In </a:t>
+            </a:r>
+            <a:r>
+              <a:rPr lang="en-US" dirty="0" err="1" smtClean="0">
+                <a:solidFill>
+                  <a:schemeClr val="accent5">
+                    <a:lumMod val="20000"/>
+                    <a:lumOff val="80000"/>
+                  </a:schemeClr>
+                </a:solidFill>
+              </a:rPr>
+              <a:t>App_Data</a:t>
+            </a:r>
+            <a:r>
+              <a:rPr lang="en-US" dirty="0" smtClean="0">
+                <a:solidFill>
+                  <a:schemeClr val="accent5">
+                    <a:lumMod val="20000"/>
+                    <a:lumOff val="80000"/>
+                  </a:schemeClr>
+                </a:solidFill>
+              </a:rPr>
+              <a:t>/</a:t>
+            </a:r>
+            <a:r>
+              <a:rPr lang="en-US" dirty="0" err="1" smtClean="0">
+                <a:solidFill>
+                  <a:schemeClr val="accent5">
+                    <a:lumMod val="20000"/>
+                    <a:lumOff val="80000"/>
+                  </a:schemeClr>
+                </a:solidFill>
+              </a:rPr>
+              <a:t>NinjectWebCommon</a:t>
+            </a:r>
+            <a:r>
+              <a:rPr lang="en-US" dirty="0" smtClean="0"/>
+              <a:t> add your bindings in </a:t>
+            </a:r>
+            <a:r>
+              <a:rPr lang="en-US" dirty="0" err="1" smtClean="0">
+                <a:solidFill>
+                  <a:schemeClr val="accent5">
+                    <a:lumMod val="20000"/>
+                    <a:lumOff val="80000"/>
+                  </a:schemeClr>
+                </a:solidFill>
+              </a:rPr>
+              <a:t>RegisterServices</a:t>
+            </a:r>
+            <a:r>
+              <a:rPr lang="en-US" dirty="0" smtClean="0">
+                <a:solidFill>
+                  <a:schemeClr val="accent5">
+                    <a:lumMod val="20000"/>
+                    <a:lumOff val="80000"/>
+                  </a:schemeClr>
+                </a:solidFill>
+              </a:rPr>
+              <a:t> </a:t>
+            </a:r>
+            <a:r>
+              <a:rPr lang="en-US" dirty="0" smtClean="0"/>
+              <a:t>method</a:t>
+            </a:r>
+          </a:p>
+          <a:p>
+            <a:endParaRPr lang="en-US" dirty="0" smtClean="0"/>
+          </a:p>
+          <a:p>
+            <a:endParaRPr lang="en-US" b="0" dirty="0"/>
+          </a:p>
+          <a:p>
+            <a:pPr lvl="1"/>
+            <a:endParaRPr lang="en-US" dirty="0"/>
+          </a:p>
+        </p:txBody>
+      </p:sp>
+      <p:sp>
+        <p:nvSpPr>
+          <p:cNvPr id="4" name="Slide Number Placeholder 3"/>
+          <p:cNvSpPr>
+            <a:spLocks noGrp="1"/>
+          </p:cNvSpPr>
+          <p:nvPr>
+            <p:ph type="sldNum" sz="quarter" idx="10"/>
+          </p:nvPr>
+        </p:nvSpPr>
+        <p:spPr/>
+        <p:txBody>
+          <a:bodyPr/>
+          <a:lstStyle/>
+          <a:p>
+            <a:pPr>
+              <a:defRPr/>
+            </a:pPr>
+            <a:fld id="{58452FF4-89E3-4D1B-9927-2DBDC00E58D7}" type="slidenum">
+              <a:rPr lang="en-US" smtClean="0"/>
+              <a:pPr>
+                <a:defRPr/>
+              </a:pPr>
+              <a:t>40</a:t>
+            </a:fld>
+            <a:endParaRPr lang="en-US" dirty="0"/>
+          </a:p>
+        </p:txBody>
+      </p:sp>
+      <p:pic>
+        <p:nvPicPr>
+          <p:cNvPr id="20482" name="Picture 2"/>
+          <p:cNvPicPr>
+            <a:picLocks noChangeAspect="1" noChangeArrowheads="1"/>
+          </p:cNvPicPr>
+          <p:nvPr/>
+        </p:nvPicPr>
+        <p:blipFill>
+          <a:blip r:embed="rId2">
+            <a:extLst>
+              <a:ext uri="{28A0092B-C50C-407E-A947-70E740481C1C}">
+                <a14:useLocalDpi xmlns:a14="http://schemas.microsoft.com/office/drawing/2010/main" val="0"/>
+              </a:ext>
+            </a:extLst>
+          </a:blip>
+          <a:srcRect/>
+          <a:stretch>
+            <a:fillRect/>
+          </a:stretch>
+        </p:blipFill>
+        <p:spPr bwMode="auto">
+          <a:xfrm>
+            <a:off x="1981200" y="4876800"/>
+            <a:ext cx="5268036" cy="914400"/>
+          </a:xfrm>
+          <a:prstGeom prst="rect">
+            <a:avLst/>
+          </a:prstGeom>
+          <a:noFill/>
+          <a:ln>
+            <a:noFill/>
+          </a:ln>
+          <a:extLst>
+            <a:ext uri="{909E8E84-426E-40DD-AFC4-6F175D3DCCD1}">
+              <a14:hiddenFill xmlns:a14="http://schemas.microsoft.com/office/drawing/2010/main">
+                <a:solidFill>
+                  <a:schemeClr val="accent1"/>
+                </a:solidFill>
+              </a14:hiddenFill>
+            </a:ext>
+            <a:ext uri="{91240B29-F687-4F45-9708-019B960494DF}">
+              <a14:hiddenLine xmlns:a14="http://schemas.microsoft.com/office/drawing/2010/main" w="9525">
+                <a:solidFill>
+                  <a:schemeClr val="tx1"/>
+                </a:solidFill>
+                <a:miter lim="800000"/>
+                <a:headEnd/>
+                <a:tailEnd/>
+              </a14:hiddenLine>
+            </a:ext>
+          </a:extLst>
+        </p:spPr>
+      </p:pic>
+    </p:spTree>
+    <p:extLst>
+      <p:ext uri="{BB962C8B-B14F-4D97-AF65-F5344CB8AC3E}">
+        <p14:creationId xmlns:p14="http://schemas.microsoft.com/office/powerpoint/2010/main" val="3815541631"/>
+      </p:ext>
+    </p:extLst>
+  </p:cSld>
+  <p:clrMapOvr>
+    <a:masterClrMapping/>
+  </p:clrMapOvr>
+  <p:timing>
+    <p:tnLst>
+      <p:par>
+        <p:cTn id="1" dur="indefinite" restart="never" nodeType="tmRoot"/>
+      </p:par>
+    </p:tnLst>
+  </p:timing>
+</p:sld>
+</file>
+
+<file path=ppt/slides/slide41.xml><?xml version="1.0" encoding="utf-8"?>
+<p:sld xmlns:a="http://schemas.openxmlformats.org/drawingml/2006/main" xmlns:r="http://schemas.openxmlformats.org/officeDocument/2006/relationships" xmlns:p="http://schemas.openxmlformats.org/presentationml/2006/main">
+  <p:cSld>
+    <p:spTree>
+      <p:nvGrpSpPr>
+        <p:cNvPr id="1" name=""/>
+        <p:cNvGrpSpPr/>
+        <p:nvPr/>
+      </p:nvGrpSpPr>
+      <p:grpSpPr>
+        <a:xfrm>
+          <a:off x="0" y="0"/>
+          <a:ext cx="0" cy="0"/>
+          <a:chOff x="0" y="0"/>
+          <a:chExt cx="0" cy="0"/>
+        </a:xfrm>
+      </p:grpSpPr>
+      <p:sp>
+        <p:nvSpPr>
+          <p:cNvPr id="2" name="Title 1"/>
+          <p:cNvSpPr>
+            <a:spLocks noGrp="1"/>
+          </p:cNvSpPr>
+          <p:nvPr>
+            <p:ph type="title"/>
+          </p:nvPr>
+        </p:nvSpPr>
+        <p:spPr/>
+        <p:txBody>
+          <a:bodyPr/>
+          <a:lstStyle/>
+          <a:p>
+            <a:r>
+              <a:rPr lang="en-US" dirty="0" err="1" smtClean="0"/>
+              <a:t>AutoMapper</a:t>
+            </a:r>
+            <a:endParaRPr lang="en-US" dirty="0"/>
+          </a:p>
+        </p:txBody>
+      </p:sp>
+      <p:sp>
+        <p:nvSpPr>
+          <p:cNvPr id="3" name="Content Placeholder 2"/>
+          <p:cNvSpPr>
+            <a:spLocks noGrp="1"/>
+          </p:cNvSpPr>
+          <p:nvPr>
+            <p:ph idx="1"/>
+          </p:nvPr>
+        </p:nvSpPr>
+        <p:spPr/>
+        <p:txBody>
+          <a:bodyPr/>
+          <a:lstStyle/>
+          <a:p>
+            <a:r>
+              <a:rPr lang="en-US" dirty="0" smtClean="0"/>
+              <a:t>You may want to use </a:t>
+            </a:r>
+            <a:r>
+              <a:rPr lang="en-US" dirty="0" err="1" smtClean="0">
+                <a:solidFill>
+                  <a:schemeClr val="accent5">
+                    <a:lumMod val="20000"/>
+                    <a:lumOff val="80000"/>
+                  </a:schemeClr>
+                </a:solidFill>
+              </a:rPr>
+              <a:t>AutoMapper</a:t>
+            </a:r>
+            <a:r>
+              <a:rPr lang="en-US" dirty="0" smtClean="0">
+                <a:solidFill>
+                  <a:schemeClr val="accent5">
+                    <a:lumMod val="20000"/>
+                    <a:lumOff val="80000"/>
+                  </a:schemeClr>
+                </a:solidFill>
+              </a:rPr>
+              <a:t> </a:t>
+            </a:r>
+            <a:r>
+              <a:rPr lang="en-US" dirty="0" smtClean="0"/>
+              <a:t>to map your database models to </a:t>
+            </a:r>
+            <a:r>
+              <a:rPr lang="en-US" dirty="0" err="1" smtClean="0">
+                <a:solidFill>
+                  <a:schemeClr val="accent5">
+                    <a:lumMod val="20000"/>
+                    <a:lumOff val="80000"/>
+                  </a:schemeClr>
+                </a:solidFill>
+              </a:rPr>
+              <a:t>ViewModels</a:t>
+            </a:r>
+            <a:r>
+              <a:rPr lang="en-US" dirty="0" smtClean="0">
+                <a:solidFill>
+                  <a:schemeClr val="accent5">
+                    <a:lumMod val="20000"/>
+                    <a:lumOff val="80000"/>
+                  </a:schemeClr>
+                </a:solidFill>
+              </a:rPr>
+              <a:t> </a:t>
+            </a:r>
+            <a:r>
+              <a:rPr lang="en-US" dirty="0" smtClean="0"/>
+              <a:t>for the web</a:t>
+            </a:r>
+          </a:p>
+          <a:p>
+            <a:r>
+              <a:rPr lang="en-US" dirty="0" smtClean="0"/>
+              <a:t>Install </a:t>
+            </a:r>
+            <a:r>
+              <a:rPr lang="en-US" dirty="0" err="1" smtClean="0">
+                <a:solidFill>
+                  <a:schemeClr val="accent5">
+                    <a:lumMod val="20000"/>
+                    <a:lumOff val="80000"/>
+                  </a:schemeClr>
+                </a:solidFill>
+              </a:rPr>
+              <a:t>AutoMapper</a:t>
+            </a:r>
+            <a:r>
+              <a:rPr lang="en-US" dirty="0" smtClean="0">
+                <a:solidFill>
+                  <a:schemeClr val="accent5">
+                    <a:lumMod val="20000"/>
+                    <a:lumOff val="80000"/>
+                  </a:schemeClr>
+                </a:solidFill>
+              </a:rPr>
+              <a:t> </a:t>
+            </a:r>
+            <a:r>
+              <a:rPr lang="en-US" dirty="0" smtClean="0"/>
+              <a:t>from </a:t>
+            </a:r>
+            <a:r>
+              <a:rPr lang="en-US" dirty="0" err="1" smtClean="0">
+                <a:solidFill>
+                  <a:schemeClr val="accent5">
+                    <a:lumMod val="20000"/>
+                    <a:lumOff val="80000"/>
+                  </a:schemeClr>
+                </a:solidFill>
+              </a:rPr>
+              <a:t>NuGet</a:t>
+            </a:r>
+            <a:endParaRPr lang="en-US" dirty="0" smtClean="0">
+              <a:solidFill>
+                <a:schemeClr val="accent5">
+                  <a:lumMod val="20000"/>
+                  <a:lumOff val="80000"/>
+                </a:schemeClr>
+              </a:solidFill>
+            </a:endParaRPr>
+          </a:p>
+          <a:p>
+            <a:r>
+              <a:rPr lang="en-US" dirty="0" smtClean="0"/>
+              <a:t>Make mappings for the models</a:t>
+            </a:r>
+          </a:p>
+          <a:p>
+            <a:r>
+              <a:rPr lang="en-US" dirty="0" smtClean="0"/>
+              <a:t>Use them in your LINQ queries</a:t>
+            </a:r>
+          </a:p>
+          <a:p>
+            <a:r>
+              <a:rPr lang="en-US" dirty="0" smtClean="0"/>
+              <a:t>Check the documentation </a:t>
+            </a:r>
+          </a:p>
+          <a:p>
+            <a:pPr lvl="1"/>
+            <a:r>
+              <a:rPr lang="en-US" dirty="0">
+                <a:solidFill>
+                  <a:schemeClr val="accent5">
+                    <a:lumMod val="20000"/>
+                    <a:lumOff val="80000"/>
+                  </a:schemeClr>
+                </a:solidFill>
+                <a:hlinkClick r:id="rId2"/>
+              </a:rPr>
+              <a:t>http://automapper.org</a:t>
+            </a:r>
+            <a:r>
+              <a:rPr lang="en-US" dirty="0" smtClean="0">
+                <a:solidFill>
+                  <a:schemeClr val="accent5">
+                    <a:lumMod val="20000"/>
+                    <a:lumOff val="80000"/>
+                  </a:schemeClr>
+                </a:solidFill>
+                <a:hlinkClick r:id="rId2"/>
+              </a:rPr>
+              <a:t>/</a:t>
+            </a:r>
+            <a:r>
+              <a:rPr lang="en-US" dirty="0" smtClean="0">
+                <a:solidFill>
+                  <a:schemeClr val="accent5">
+                    <a:lumMod val="20000"/>
+                    <a:lumOff val="80000"/>
+                  </a:schemeClr>
+                </a:solidFill>
+              </a:rPr>
+              <a:t> </a:t>
+            </a:r>
+          </a:p>
+          <a:p>
+            <a:r>
+              <a:rPr lang="en-US" dirty="0">
+                <a:hlinkClick r:id="rId3"/>
+              </a:rPr>
+              <a:t>https://</a:t>
+            </a:r>
+            <a:r>
+              <a:rPr lang="en-US" dirty="0" smtClean="0">
+                <a:hlinkClick r:id="rId3"/>
+              </a:rPr>
+              <a:t>github.com/NikolayIT/blogsystem</a:t>
+            </a:r>
+            <a:r>
+              <a:rPr lang="en-US" dirty="0" smtClean="0"/>
+              <a:t> </a:t>
+            </a:r>
+          </a:p>
+          <a:p>
+            <a:endParaRPr lang="en-US" b="0" dirty="0"/>
+          </a:p>
+          <a:p>
+            <a:pPr lvl="1"/>
+            <a:endParaRPr lang="en-US" dirty="0"/>
+          </a:p>
+        </p:txBody>
+      </p:sp>
+      <p:sp>
+        <p:nvSpPr>
+          <p:cNvPr id="4" name="Slide Number Placeholder 3"/>
+          <p:cNvSpPr>
+            <a:spLocks noGrp="1"/>
+          </p:cNvSpPr>
+          <p:nvPr>
+            <p:ph type="sldNum" sz="quarter" idx="10"/>
+          </p:nvPr>
+        </p:nvSpPr>
+        <p:spPr/>
+        <p:txBody>
+          <a:bodyPr/>
+          <a:lstStyle/>
+          <a:p>
+            <a:pPr>
+              <a:defRPr/>
+            </a:pPr>
+            <a:fld id="{58452FF4-89E3-4D1B-9927-2DBDC00E58D7}" type="slidenum">
+              <a:rPr lang="en-US" smtClean="0"/>
+              <a:pPr>
+                <a:defRPr/>
+              </a:pPr>
+              <a:t>41</a:t>
+            </a:fld>
+            <a:endParaRPr lang="en-US" dirty="0"/>
+          </a:p>
+        </p:txBody>
+      </p:sp>
+    </p:spTree>
+    <p:extLst>
+      <p:ext uri="{BB962C8B-B14F-4D97-AF65-F5344CB8AC3E}">
+        <p14:creationId xmlns:p14="http://schemas.microsoft.com/office/powerpoint/2010/main" val="337141354"/>
+      </p:ext>
+    </p:extLst>
+  </p:cSld>
+  <p:clrMapOvr>
+    <a:masterClrMapping/>
+  </p:clrMapOvr>
+  <p:timing>
+    <p:tnLst>
+      <p:par>
+        <p:cTn id="1" dur="indefinite" restart="never" nodeType="tmRoot"/>
+      </p:par>
+    </p:tnLst>
+  </p:timing>
+</p:sld>
+</file>
+
+<file path=ppt/slides/slide42.xml><?xml version="1.0" encoding="utf-8"?>
 <p:sld xmlns:a="http://schemas.openxmlformats.org/drawingml/2006/main" xmlns:r="http://schemas.openxmlformats.org/officeDocument/2006/relationships" xmlns:p="http://schemas.openxmlformats.org/presentationml/2006/main">
   <p:cSld>
     <p:spTree>
@@ -11501,8 +18572,8 @@
 </p:sld>
 </file>
 
-<file path=ppt/slides/slide22.xml><?xml version="1.0" encoding="utf-8"?>
-<p:sld xmlns:a="http://schemas.openxmlformats.org/drawingml/2006/main" xmlns:r="http://schemas.openxmlformats.org/officeDocument/2006/relationships" xmlns:p="http://schemas.openxmlformats.org/presentationml/2006/main">
+<file path=ppt/slides/slide43.xml><?xml version="1.0" encoding="utf-8"?>
+<p:sld xmlns:a="http://schemas.openxmlformats.org/drawingml/2006/main" xmlns:r="http://schemas.openxmlformats.org/officeDocument/2006/relationships" xmlns:p="http://schemas.openxmlformats.org/presentationml/2006/main" show="0">
   <p:cSld>
     <p:spTree>
       <p:nvGrpSpPr>
@@ -11692,7 +18763,7 @@
               <a:pPr>
                 <a:defRPr/>
               </a:pPr>
-              <a:t>22</a:t>
+              <a:t>43</a:t>
             </a:fld>
             <a:endParaRPr lang="en-US" dirty="0"/>
           </a:p>
@@ -11708,10 +18779,18 @@
   <p:clrMapOvr>
     <a:masterClrMapping/>
   </p:clrMapOvr>
+  <mc:AlternateContent xmlns:mc="http://schemas.openxmlformats.org/markup-compatibility/2006" xmlns:p14="http://schemas.microsoft.com/office/powerpoint/2010/main">
+    <mc:Choice Requires="p14">
+      <p:transition spd="slow" p14:dur="2000"/>
+    </mc:Choice>
+    <mc:Fallback xmlns="">
+      <p:transition spd="slow"/>
+    </mc:Fallback>
+  </mc:AlternateContent>
 </p:sld>
 </file>
 
-<file path=ppt/slides/slide23.xml><?xml version="1.0" encoding="utf-8"?>
+<file path=ppt/slides/slide44.xml><?xml version="1.0" encoding="utf-8"?>
 <p:sld xmlns:a="http://schemas.openxmlformats.org/drawingml/2006/main" xmlns:r="http://schemas.openxmlformats.org/officeDocument/2006/relationships" xmlns:p="http://schemas.openxmlformats.org/presentationml/2006/main">
   <p:cSld>
     <p:spTree>
@@ -12174,7 +19253,7 @@
               <a:pPr>
                 <a:defRPr/>
               </a:pPr>
-              <a:t>23</a:t>
+              <a:t>44</a:t>
             </a:fld>
             <a:endParaRPr lang="en-US" dirty="0"/>
           </a:p>
@@ -12184,371 +19263,6 @@
     <p:extLst>
       <p:ext uri="{BB962C8B-B14F-4D97-AF65-F5344CB8AC3E}">
         <p14:creationId xmlns:p14="http://schemas.microsoft.com/office/powerpoint/2010/main" val="15045004"/>
-      </p:ext>
-    </p:extLst>
-  </p:cSld>
-  <p:clrMapOvr>
-    <a:masterClrMapping/>
-  </p:clrMapOvr>
-  <p:timing>
-    <p:tnLst>
-      <p:par>
-        <p:cTn id="1" dur="indefinite" restart="never" nodeType="tmRoot"/>
-      </p:par>
-    </p:tnLst>
-  </p:timing>
-</p:sld>
-</file>
-
-<file path=ppt/slides/slide3.xml><?xml version="1.0" encoding="utf-8"?>
-<p:sld xmlns:a="http://schemas.openxmlformats.org/drawingml/2006/main" xmlns:r="http://schemas.openxmlformats.org/officeDocument/2006/relationships" xmlns:p="http://schemas.openxmlformats.org/presentationml/2006/main">
-  <p:cSld>
-    <p:spTree>
-      <p:nvGrpSpPr>
-        <p:cNvPr id="1" name=""/>
-        <p:cNvGrpSpPr/>
-        <p:nvPr/>
-      </p:nvGrpSpPr>
-      <p:grpSpPr>
-        <a:xfrm>
-          <a:off x="0" y="0"/>
-          <a:ext cx="0" cy="0"/>
-          <a:chOff x="0" y="0"/>
-          <a:chExt cx="0" cy="0"/>
-        </a:xfrm>
-      </p:grpSpPr>
-      <p:sp>
-        <p:nvSpPr>
-          <p:cNvPr id="501762" name="Rectangle 2"/>
-          <p:cNvSpPr>
-            <a:spLocks noGrp="1" noChangeArrowheads="1"/>
-          </p:cNvSpPr>
-          <p:nvPr>
-            <p:ph type="ctrTitle"/>
-          </p:nvPr>
-        </p:nvSpPr>
-        <p:spPr>
-          <a:xfrm>
-            <a:off x="1485900" y="609600"/>
-            <a:ext cx="6172200" cy="1006707"/>
-          </a:xfrm>
-        </p:spPr>
-        <p:txBody>
-          <a:bodyPr/>
-          <a:lstStyle/>
-          <a:p>
-            <a:pPr indent="-838200">
-              <a:lnSpc>
-                <a:spcPct val="110000"/>
-              </a:lnSpc>
-            </a:pPr>
-            <a:r>
-              <a:rPr lang="en-US" dirty="0" smtClean="0"/>
-              <a:t>Scaffolding</a:t>
-            </a:r>
-            <a:endParaRPr lang="bg-BG" dirty="0"/>
-          </a:p>
-        </p:txBody>
-      </p:sp>
-      <p:pic>
-        <p:nvPicPr>
-          <p:cNvPr id="3" name="Picture 2"/>
-          <p:cNvPicPr>
-            <a:picLocks noChangeAspect="1"/>
-          </p:cNvPicPr>
-          <p:nvPr/>
-        </p:nvPicPr>
-        <p:blipFill>
-          <a:blip r:embed="rId3"/>
-          <a:stretch>
-            <a:fillRect/>
-          </a:stretch>
-        </p:blipFill>
-        <p:spPr>
-          <a:xfrm>
-            <a:off x="1143000" y="1752600"/>
-            <a:ext cx="6858000" cy="4572000"/>
-          </a:xfrm>
-          <a:prstGeom prst="rect">
-            <a:avLst/>
-          </a:prstGeom>
-          <a:ln>
-            <a:noFill/>
-          </a:ln>
-          <a:effectLst>
-            <a:outerShdw blurRad="190500" algn="tl" rotWithShape="0">
-              <a:srgbClr val="000000">
-                <a:alpha val="70000"/>
-              </a:srgbClr>
-            </a:outerShdw>
-          </a:effectLst>
-        </p:spPr>
-      </p:pic>
-    </p:spTree>
-    <p:extLst>
-      <p:ext uri="{BB962C8B-B14F-4D97-AF65-F5344CB8AC3E}">
-        <p14:creationId xmlns:p14="http://schemas.microsoft.com/office/powerpoint/2010/main" val="3418975425"/>
-      </p:ext>
-    </p:extLst>
-  </p:cSld>
-  <p:clrMapOvr>
-    <a:masterClrMapping/>
-  </p:clrMapOvr>
-  <p:transition/>
-  <p:timing>
-    <p:tnLst>
-      <p:par>
-        <p:cTn id="1" dur="indefinite" restart="never" nodeType="tmRoot"/>
-      </p:par>
-    </p:tnLst>
-  </p:timing>
-</p:sld>
-</file>
-
-<file path=ppt/slides/slide4.xml><?xml version="1.0" encoding="utf-8"?>
-<p:sld xmlns:a="http://schemas.openxmlformats.org/drawingml/2006/main" xmlns:r="http://schemas.openxmlformats.org/officeDocument/2006/relationships" xmlns:p="http://schemas.openxmlformats.org/presentationml/2006/main">
-  <p:cSld>
-    <p:spTree>
-      <p:nvGrpSpPr>
-        <p:cNvPr id="1" name=""/>
-        <p:cNvGrpSpPr/>
-        <p:nvPr/>
-      </p:nvGrpSpPr>
-      <p:grpSpPr>
-        <a:xfrm>
-          <a:off x="0" y="0"/>
-          <a:ext cx="0" cy="0"/>
-          <a:chOff x="0" y="0"/>
-          <a:chExt cx="0" cy="0"/>
-        </a:xfrm>
-      </p:grpSpPr>
-      <p:sp>
-        <p:nvSpPr>
-          <p:cNvPr id="2" name="Title 1"/>
-          <p:cNvSpPr>
-            <a:spLocks noGrp="1"/>
-          </p:cNvSpPr>
-          <p:nvPr>
-            <p:ph type="title"/>
-          </p:nvPr>
-        </p:nvSpPr>
-        <p:spPr/>
-        <p:txBody>
-          <a:bodyPr/>
-          <a:lstStyle/>
-          <a:p>
-            <a:r>
-              <a:rPr lang="en-US" dirty="0" smtClean="0"/>
-              <a:t>What </a:t>
-            </a:r>
-            <a:r>
-              <a:rPr lang="en-US" dirty="0"/>
-              <a:t>is ASP.NET Scaffolding?</a:t>
-            </a:r>
-          </a:p>
-        </p:txBody>
-      </p:sp>
-      <p:sp>
-        <p:nvSpPr>
-          <p:cNvPr id="3" name="Content Placeholder 2"/>
-          <p:cNvSpPr>
-            <a:spLocks noGrp="1"/>
-          </p:cNvSpPr>
-          <p:nvPr>
-            <p:ph idx="1"/>
-          </p:nvPr>
-        </p:nvSpPr>
-        <p:spPr>
-          <a:xfrm>
-            <a:off x="228600" y="838200"/>
-            <a:ext cx="8686800" cy="5791200"/>
-          </a:xfrm>
-        </p:spPr>
-        <p:txBody>
-          <a:bodyPr/>
-          <a:lstStyle/>
-          <a:p>
-            <a:pPr>
-              <a:spcBef>
-                <a:spcPts val="0"/>
-              </a:spcBef>
-              <a:spcAft>
-                <a:spcPts val="300"/>
-              </a:spcAft>
-            </a:pPr>
-            <a:r>
-              <a:rPr lang="en-US" dirty="0" smtClean="0"/>
-              <a:t>Code </a:t>
-            </a:r>
-            <a:r>
-              <a:rPr lang="en-US" dirty="0"/>
-              <a:t>generation framework for </a:t>
-            </a:r>
-            <a:r>
-              <a:rPr lang="en-US" dirty="0" smtClean="0"/>
-              <a:t>ASP.NET</a:t>
-            </a:r>
-          </a:p>
-          <a:p>
-            <a:pPr lvl="1">
-              <a:spcBef>
-                <a:spcPts val="0"/>
-              </a:spcBef>
-              <a:spcAft>
-                <a:spcPts val="300"/>
-              </a:spcAft>
-            </a:pPr>
-            <a:r>
-              <a:rPr lang="en-US" dirty="0" smtClean="0"/>
-              <a:t>When </a:t>
-            </a:r>
-            <a:r>
-              <a:rPr lang="en-US" dirty="0"/>
-              <a:t>you want to quickly add boilerplate code that interacts with data </a:t>
-            </a:r>
-            <a:r>
-              <a:rPr lang="en-US" dirty="0" smtClean="0"/>
-              <a:t>models</a:t>
-            </a:r>
-          </a:p>
-          <a:p>
-            <a:pPr>
-              <a:spcBef>
-                <a:spcPts val="0"/>
-              </a:spcBef>
-              <a:spcAft>
-                <a:spcPts val="300"/>
-              </a:spcAft>
-            </a:pPr>
-            <a:r>
-              <a:rPr lang="en-US" dirty="0"/>
-              <a:t>Developer productivity enhancer</a:t>
-            </a:r>
-          </a:p>
-          <a:p>
-            <a:pPr lvl="1">
-              <a:spcBef>
-                <a:spcPts val="0"/>
-              </a:spcBef>
-              <a:spcAft>
-                <a:spcPts val="300"/>
-              </a:spcAft>
-            </a:pPr>
-            <a:r>
-              <a:rPr lang="en-US" dirty="0" smtClean="0"/>
-              <a:t>Can </a:t>
-            </a:r>
-            <a:r>
-              <a:rPr lang="en-US" dirty="0"/>
-              <a:t>reduce the amount of time to develop standard data operations in your </a:t>
-            </a:r>
-            <a:r>
-              <a:rPr lang="en-US" dirty="0" smtClean="0"/>
-              <a:t>project</a:t>
-            </a:r>
-          </a:p>
-          <a:p>
-            <a:pPr>
-              <a:spcBef>
-                <a:spcPts val="0"/>
-              </a:spcBef>
-              <a:spcAft>
-                <a:spcPts val="300"/>
-              </a:spcAft>
-            </a:pPr>
-            <a:r>
-              <a:rPr lang="en-US" dirty="0"/>
-              <a:t>Enables </a:t>
-            </a:r>
-            <a:r>
-              <a:rPr lang="en-US" dirty="0" smtClean="0"/>
-              <a:t>customization</a:t>
-            </a:r>
-          </a:p>
-          <a:p>
-            <a:pPr lvl="1">
-              <a:spcBef>
-                <a:spcPts val="0"/>
-              </a:spcBef>
-              <a:spcAft>
-                <a:spcPts val="300"/>
-              </a:spcAft>
-            </a:pPr>
-            <a:r>
-              <a:rPr lang="en-US" dirty="0" smtClean="0"/>
-              <a:t>Provides </a:t>
-            </a:r>
-            <a:r>
-              <a:rPr lang="en-US" dirty="0"/>
-              <a:t>an extensibility mechanism to customize generated code</a:t>
-            </a:r>
-          </a:p>
-          <a:p>
-            <a:pPr>
-              <a:spcBef>
-                <a:spcPts val="0"/>
-              </a:spcBef>
-              <a:spcAft>
-                <a:spcPts val="300"/>
-              </a:spcAft>
-            </a:pPr>
-            <a:r>
-              <a:rPr lang="en-US" dirty="0" smtClean="0"/>
-              <a:t>VS 2013 RC </a:t>
-            </a:r>
-            <a:r>
-              <a:rPr lang="en-US" dirty="0"/>
-              <a:t>includes pre-installed code generators for MVC, </a:t>
-            </a:r>
-            <a:r>
-              <a:rPr lang="en-US" dirty="0" smtClean="0"/>
-              <a:t>and </a:t>
-            </a:r>
-            <a:r>
-              <a:rPr lang="en-US" dirty="0"/>
-              <a:t>Web </a:t>
-            </a:r>
-            <a:r>
-              <a:rPr lang="en-US" dirty="0" smtClean="0"/>
-              <a:t>API</a:t>
-            </a:r>
-            <a:endParaRPr lang="en-US" dirty="0"/>
-          </a:p>
-        </p:txBody>
-      </p:sp>
-      <p:sp>
-        <p:nvSpPr>
-          <p:cNvPr id="4" name="Slide Number Placeholder 3"/>
-          <p:cNvSpPr>
-            <a:spLocks noGrp="1"/>
-          </p:cNvSpPr>
-          <p:nvPr>
-            <p:ph type="sldNum" sz="quarter" idx="10"/>
-          </p:nvPr>
-        </p:nvSpPr>
-        <p:spPr/>
-        <p:txBody>
-          <a:bodyPr/>
-          <a:lstStyle/>
-          <a:p>
-            <a:pPr>
-              <a:defRPr/>
-            </a:pPr>
-            <a:fld id="{58452FF4-89E3-4D1B-9927-2DBDC00E58D7}" type="slidenum">
-              <a:rPr lang="en-US" smtClean="0"/>
-              <a:pPr>
-                <a:defRPr/>
-              </a:pPr>
-              <a:t>4</a:t>
-            </a:fld>
-            <a:endParaRPr lang="en-US" dirty="0"/>
-          </a:p>
-        </p:txBody>
-      </p:sp>
-    </p:spTree>
-    <p:extLst>
-      <p:ext uri="{BB962C8B-B14F-4D97-AF65-F5344CB8AC3E}">
-        <p14:creationId xmlns:p14="http://schemas.microsoft.com/office/powerpoint/2010/main" val="3328479996"/>
       </p:ext>
     </p:extLst>
   </p:cSld>
@@ -12632,7 +19346,15 @@
           <a:p>
             <a:r>
               <a:rPr lang="en-US" dirty="0" smtClean="0"/>
-              <a:t>Create Web Forms pages with read/write actions, using Entity Framework</a:t>
+              <a:t>Create </a:t>
+            </a:r>
+            <a:r>
+              <a:rPr lang="en-US" dirty="0" smtClean="0"/>
+              <a:t>CRUD pages </a:t>
+            </a:r>
+            <a:r>
+              <a:rPr lang="en-US" dirty="0" smtClean="0"/>
+              <a:t>with read/write actions, using Entity Framework</a:t>
             </a:r>
             <a:endParaRPr lang="en-US" dirty="0"/>
           </a:p>
@@ -13268,48 +19990,53 @@
           <a:p>
             <a:r>
               <a:rPr lang="en-US" dirty="0" smtClean="0"/>
-              <a:t>Custom Model Binder</a:t>
+              <a:t>Model Binders</a:t>
             </a:r>
             <a:endParaRPr lang="en-US" dirty="0"/>
           </a:p>
         </p:txBody>
       </p:sp>
-      <p:pic>
-        <p:nvPicPr>
-          <p:cNvPr id="5" name="Content Placeholder 4"/>
-          <p:cNvPicPr>
-            <a:picLocks noGrp="1" noChangeAspect="1"/>
-          </p:cNvPicPr>
+      <p:sp>
+        <p:nvSpPr>
+          <p:cNvPr id="3" name="Content Placeholder 2"/>
+          <p:cNvSpPr>
+            <a:spLocks noGrp="1"/>
+          </p:cNvSpPr>
           <p:nvPr>
             <p:ph idx="1"/>
           </p:nvPr>
-        </p:nvPicPr>
-        <p:blipFill>
-          <a:blip r:embed="rId2"/>
-          <a:stretch>
-            <a:fillRect/>
-          </a:stretch>
-        </p:blipFill>
-        <p:spPr>
-          <a:xfrm>
-            <a:off x="457200" y="1066800"/>
-            <a:ext cx="8239125" cy="4133850"/>
-          </a:xfrm>
-          <a:prstGeom prst="rect">
-            <a:avLst/>
-          </a:prstGeom>
-          <a:ln>
-            <a:noFill/>
-          </a:ln>
-          <a:effectLst>
-            <a:outerShdw blurRad="190500" algn="tl" rotWithShape="0">
-              <a:srgbClr val="000000">
-                <a:alpha val="70000"/>
-              </a:srgbClr>
-            </a:outerShdw>
-          </a:effectLst>
-        </p:spPr>
-      </p:pic>
+        </p:nvSpPr>
+        <p:spPr/>
+        <p:txBody>
+          <a:bodyPr/>
+          <a:lstStyle/>
+          <a:p>
+            <a:r>
+              <a:rPr lang="en-US" dirty="0" smtClean="0"/>
+              <a:t>Parameter binding</a:t>
+            </a:r>
+          </a:p>
+          <a:p>
+            <a:pPr lvl="1"/>
+            <a:r>
+              <a:rPr lang="en-US" dirty="0" smtClean="0"/>
+              <a:t>The name attribute of the input HTML element should be the same as the name of </a:t>
+            </a:r>
+            <a:r>
+              <a:rPr lang="en-US" dirty="0" err="1" smtClean="0"/>
+              <a:t>pararameter</a:t>
+            </a:r>
+            <a:r>
+              <a:rPr lang="en-US" dirty="0" smtClean="0"/>
+              <a:t> in the action</a:t>
+            </a:r>
+          </a:p>
+          <a:p>
+            <a:pPr lvl="1"/>
+            <a:endParaRPr lang="en-US" dirty="0"/>
+          </a:p>
+        </p:txBody>
+      </p:sp>
       <p:sp>
         <p:nvSpPr>
           <p:cNvPr id="4" name="Slide Number Placeholder 3"/>
@@ -13341,42 +20068,116 @@
       </p:sp>
       <p:pic>
         <p:nvPicPr>
-          <p:cNvPr id="8" name="Picture 7"/>
+          <p:cNvPr id="1026" name="Picture 2"/>
           <p:cNvPicPr>
-            <a:picLocks noChangeAspect="1"/>
+            <a:picLocks noChangeAspect="1" noChangeArrowheads="1"/>
           </p:cNvPicPr>
           <p:nvPr/>
         </p:nvPicPr>
         <p:blipFill>
-          <a:blip r:embed="rId3"/>
+          <a:blip r:embed="rId2">
+            <a:extLst>
+              <a:ext uri="{28A0092B-C50C-407E-A947-70E740481C1C}">
+                <a14:useLocalDpi xmlns:a14="http://schemas.microsoft.com/office/drawing/2010/main" val="0"/>
+              </a:ext>
+            </a:extLst>
+          </a:blip>
+          <a:srcRect/>
           <a:stretch>
             <a:fillRect/>
           </a:stretch>
         </p:blipFill>
-        <p:spPr>
+        <p:spPr bwMode="auto">
           <a:xfrm>
-            <a:off x="714375" y="5029200"/>
-            <a:ext cx="8124825" cy="1247775"/>
+            <a:off x="1600200" y="3352800"/>
+            <a:ext cx="5996606" cy="892828"/>
           </a:xfrm>
           <a:prstGeom prst="rect">
             <a:avLst/>
           </a:prstGeom>
+          <a:noFill/>
           <a:ln>
             <a:noFill/>
           </a:ln>
-          <a:effectLst>
-            <a:outerShdw blurRad="190500" algn="tl" rotWithShape="0">
-              <a:srgbClr val="000000">
-                <a:alpha val="70000"/>
-              </a:srgbClr>
-            </a:outerShdw>
-          </a:effectLst>
+          <a:extLst>
+            <a:ext uri="{909E8E84-426E-40DD-AFC4-6F175D3DCCD1}">
+              <a14:hiddenFill xmlns:a14="http://schemas.microsoft.com/office/drawing/2010/main">
+                <a:solidFill>
+                  <a:schemeClr val="accent1"/>
+                </a:solidFill>
+              </a14:hiddenFill>
+            </a:ext>
+            <a:ext uri="{91240B29-F687-4F45-9708-019B960494DF}">
+              <a14:hiddenLine xmlns:a14="http://schemas.microsoft.com/office/drawing/2010/main" w="9525">
+                <a:solidFill>
+                  <a:schemeClr val="tx1"/>
+                </a:solidFill>
+                <a:miter lim="800000"/>
+                <a:headEnd/>
+                <a:tailEnd/>
+              </a14:hiddenLine>
+            </a:ext>
+          </a:extLst>
+        </p:spPr>
+      </p:pic>
+      <p:pic>
+        <p:nvPicPr>
+          <p:cNvPr id="1027" name="Picture 3"/>
+          <p:cNvPicPr>
+            <a:picLocks noChangeAspect="1" noChangeArrowheads="1"/>
+          </p:cNvPicPr>
+          <p:nvPr/>
+        </p:nvPicPr>
+        <p:blipFill>
+          <a:blip r:embed="rId3">
+            <a:extLst>
+              <a:ext uri="{28A0092B-C50C-407E-A947-70E740481C1C}">
+                <a14:useLocalDpi xmlns:a14="http://schemas.microsoft.com/office/drawing/2010/main" val="0"/>
+              </a:ext>
+            </a:extLst>
+          </a:blip>
+          <a:srcRect/>
+          <a:stretch>
+            <a:fillRect/>
+          </a:stretch>
+        </p:blipFill>
+        <p:spPr bwMode="auto">
+          <a:xfrm>
+            <a:off x="1290099" y="4632512"/>
+            <a:ext cx="6616805" cy="1447800"/>
+          </a:xfrm>
+          <a:prstGeom prst="rect">
+            <a:avLst/>
+          </a:prstGeom>
+          <a:noFill/>
+          <a:ln>
+            <a:noFill/>
+          </a:ln>
+          <a:extLst>
+            <a:ext uri="{909E8E84-426E-40DD-AFC4-6F175D3DCCD1}">
+              <a14:hiddenFill xmlns:a14="http://schemas.microsoft.com/office/drawing/2010/main">
+                <a:solidFill>
+                  <a:schemeClr val="accent1"/>
+                </a:solidFill>
+              </a14:hiddenFill>
+            </a:ext>
+            <a:ext uri="{91240B29-F687-4F45-9708-019B960494DF}">
+              <a14:hiddenLine xmlns:a14="http://schemas.microsoft.com/office/drawing/2010/main" w="9525">
+                <a:solidFill>
+                  <a:schemeClr val="tx1"/>
+                </a:solidFill>
+                <a:miter lim="800000"/>
+                <a:headEnd/>
+                <a:tailEnd/>
+              </a14:hiddenLine>
+            </a:ext>
+          </a:extLst>
         </p:spPr>
       </p:pic>
     </p:spTree>
     <p:extLst>
       <p:ext uri="{BB962C8B-B14F-4D97-AF65-F5344CB8AC3E}">
-        <p14:creationId xmlns:p14="http://schemas.microsoft.com/office/powerpoint/2010/main" val="2823879330"/>
+        <p14:creationId xmlns:p14="http://schemas.microsoft.com/office/powerpoint/2010/main" val="1040887150"/>
       </p:ext>
     </p:extLst>
   </p:cSld>
@@ -13412,86 +20213,146 @@
       </p:grpSpPr>
       <p:sp>
         <p:nvSpPr>
-          <p:cNvPr id="501762" name="Rectangle 2"/>
+          <p:cNvPr id="2" name="Title 1"/>
           <p:cNvSpPr>
-            <a:spLocks noGrp="1" noChangeArrowheads="1"/>
+            <a:spLocks noGrp="1"/>
           </p:cNvSpPr>
           <p:nvPr>
-            <p:ph type="ctrTitle"/>
+            <p:ph type="title"/>
           </p:nvPr>
         </p:nvSpPr>
-        <p:spPr>
-          <a:xfrm>
-            <a:off x="1485900" y="1126893"/>
-            <a:ext cx="6172200" cy="1006707"/>
-          </a:xfrm>
-        </p:spPr>
+        <p:spPr/>
         <p:txBody>
           <a:bodyPr/>
           <a:lstStyle/>
           <a:p>
-            <a:pPr indent="-838200">
-              <a:lnSpc>
-                <a:spcPct val="110000"/>
-              </a:lnSpc>
-            </a:pPr>
             <a:r>
               <a:rPr lang="en-US" dirty="0" smtClean="0"/>
-              <a:t>Data Validation</a:t>
-            </a:r>
-            <a:endParaRPr lang="bg-BG" dirty="0"/>
+              <a:t>Model Binders</a:t>
+            </a:r>
+            <a:endParaRPr lang="en-US" dirty="0"/>
           </a:p>
         </p:txBody>
       </p:sp>
       <p:sp>
         <p:nvSpPr>
-          <p:cNvPr id="501763" name="Rectangle 3"/>
+          <p:cNvPr id="3" name="Content Placeholder 2"/>
           <p:cNvSpPr>
-            <a:spLocks noChangeArrowheads="1"/>
+            <a:spLocks noGrp="1"/>
           </p:cNvSpPr>
+          <p:nvPr>
+            <p:ph idx="1"/>
+          </p:nvPr>
+        </p:nvSpPr>
+        <p:spPr/>
+        <p:txBody>
+          <a:bodyPr/>
+          <a:lstStyle/>
+          <a:p>
+            <a:r>
+              <a:rPr lang="en-US" dirty="0" smtClean="0"/>
+              <a:t>Object binding</a:t>
+            </a:r>
+          </a:p>
+          <a:p>
+            <a:pPr lvl="1"/>
+            <a:r>
+              <a:rPr lang="en-US" dirty="0" smtClean="0"/>
+              <a:t>Model binder will try to "construct" the object based on the name attributes on the input HTML elements</a:t>
+            </a:r>
+          </a:p>
+          <a:p>
+            <a:pPr lvl="1"/>
+            <a:endParaRPr lang="en-US" dirty="0"/>
+          </a:p>
+        </p:txBody>
+      </p:sp>
+      <p:sp>
+        <p:nvSpPr>
+          <p:cNvPr id="4" name="Slide Number Placeholder 3"/>
+          <p:cNvSpPr>
+            <a:spLocks noGrp="1"/>
+          </p:cNvSpPr>
+          <p:nvPr>
+            <p:ph type="sldNum" sz="quarter" idx="10"/>
+          </p:nvPr>
+        </p:nvSpPr>
+        <p:spPr/>
+        <p:txBody>
+          <a:bodyPr/>
+          <a:lstStyle/>
+          <a:p>
+            <a:pPr>
+              <a:defRPr/>
+            </a:pPr>
+            <a:fld id="{58452FF4-89E3-4D1B-9927-2DBDC00E58D7}" type="slidenum">
+              <a:rPr lang="en-US" smtClean="0"/>
+              <a:pPr>
+                <a:defRPr/>
+              </a:pPr>
+              <a:t>9</a:t>
+            </a:fld>
+            <a:endParaRPr lang="en-US" dirty="0"/>
+          </a:p>
+        </p:txBody>
+      </p:sp>
+      <p:pic>
+        <p:nvPicPr>
+          <p:cNvPr id="2050" name="Picture 2"/>
+          <p:cNvPicPr>
+            <a:picLocks noChangeAspect="1" noChangeArrowheads="1"/>
+          </p:cNvPicPr>
           <p:nvPr/>
-        </p:nvSpPr>
+        </p:nvPicPr>
+        <p:blipFill>
+          <a:blip r:embed="rId2">
+            <a:extLst>
+              <a:ext uri="{28A0092B-C50C-407E-A947-70E740481C1C}">
+                <a14:useLocalDpi xmlns:a14="http://schemas.microsoft.com/office/drawing/2010/main" val="0"/>
+              </a:ext>
+            </a:extLst>
+          </a:blip>
+          <a:srcRect/>
+          <a:stretch>
+            <a:fillRect/>
+          </a:stretch>
+        </p:blipFill>
         <p:spPr bwMode="auto">
           <a:xfrm>
-            <a:off x="1187450" y="3463925"/>
-            <a:ext cx="6480175" cy="469900"/>
+            <a:off x="533400" y="3974385"/>
+            <a:ext cx="4343400" cy="478047"/>
           </a:xfrm>
           <a:prstGeom prst="rect">
             <a:avLst/>
           </a:prstGeom>
           <a:noFill/>
-          <a:ln w="9525">
+          <a:ln>
             <a:noFill/>
-            <a:miter lim="800000"/>
-            <a:headEnd/>
-            <a:tailEnd/>
           </a:ln>
-          <a:effectLst/>
+          <a:extLst>
+            <a:ext uri="{909E8E84-426E-40DD-AFC4-6F175D3DCCD1}">
+              <a14:hiddenFill xmlns:a14="http://schemas.microsoft.com/office/drawing/2010/main">
+                <a:solidFill>
+                  <a:schemeClr val="accent1"/>
+                </a:solidFill>
+              </a14:hiddenFill>
+            </a:ext>
+            <a:ext uri="{91240B29-F687-4F45-9708-019B960494DF}">
+              <a14:hiddenLine xmlns:a14="http://schemas.microsoft.com/office/drawing/2010/main" w="9525">
+                <a:solidFill>
+                  <a:schemeClr val="tx1"/>
+                </a:solidFill>
+                <a:miter lim="800000"/>
+                <a:headEnd/>
+                <a:tailEnd/>
+              </a14:hiddenLine>
+            </a:ext>
+          </a:extLst>
         </p:spPr>
-        <p:txBody>
-          <a:bodyPr lIns="0" tIns="0" rIns="0" bIns="0" anchor="b">
-            <a:spAutoFit/>
-          </a:bodyPr>
-          <a:lstStyle/>
-          <a:p>
-            <a:pPr algn="ctr">
-              <a:lnSpc>
-                <a:spcPct val="110000"/>
-              </a:lnSpc>
-            </a:pPr>
-            <a:endParaRPr lang="bg-BG" sz="2800" dirty="0">
-              <a:effectLst>
-                <a:outerShdw blurRad="38100" dist="38100" dir="2700000" algn="tl">
-                  <a:srgbClr val="FFFFFF"/>
-                </a:outerShdw>
-              </a:effectLst>
-            </a:endParaRPr>
-          </a:p>
-        </p:txBody>
-      </p:sp>
+      </p:pic>
       <p:pic>
         <p:nvPicPr>
-          <p:cNvPr id="3074" name="Picture 2" descr="http://www.theorem.co.uk/images/validateandcheck.jpg"/>
+          <p:cNvPr id="2051" name="Picture 3"/>
           <p:cNvPicPr>
             <a:picLocks noChangeAspect="1" noChangeArrowheads="1"/>
           </p:cNvPicPr>
@@ -13512,43 +20373,141 @@
         </p:blipFill>
         <p:spPr bwMode="auto">
           <a:xfrm>
-            <a:off x="1943100" y="2514600"/>
-            <a:ext cx="5257800" cy="3333750"/>
+            <a:off x="1371600" y="4800600"/>
+            <a:ext cx="6172200" cy="1517989"/>
           </a:xfrm>
           <a:prstGeom prst="rect">
             <a:avLst/>
           </a:prstGeom>
-          <a:ln w="127000" cap="rnd">
-            <a:solidFill>
-              <a:srgbClr val="FFFFFF"/>
-            </a:solidFill>
+          <a:noFill/>
+          <a:ln>
+            <a:noFill/>
           </a:ln>
-          <a:effectLst>
-            <a:outerShdw blurRad="76200" dist="95250" dir="10500000" sx="97000" sy="23000" kx="900000" algn="br" rotWithShape="0">
-              <a:srgbClr val="000000">
-                <a:alpha val="20000"/>
-              </a:srgbClr>
-            </a:outerShdw>
-          </a:effectLst>
-          <a:scene3d>
-            <a:camera prst="orthographicFront"/>
-            <a:lightRig rig="twoPt" dir="t">
-              <a:rot lat="0" lon="0" rev="7800000"/>
-            </a:lightRig>
-          </a:scene3d>
-          <a:sp3d contourW="6350">
-            <a:bevelT w="50800" h="16510"/>
-            <a:contourClr>
-              <a:srgbClr val="C0C0C0"/>
-            </a:contourClr>
-          </a:sp3d>
           <a:extLst>
             <a:ext uri="{909E8E84-426E-40DD-AFC4-6F175D3DCCD1}">
               <a14:hiddenFill xmlns:a14="http://schemas.microsoft.com/office/drawing/2010/main">
                 <a:solidFill>
-                  <a:srgbClr val="FFFFFF"/>
+                  <a:schemeClr val="accent1"/>
                 </a:solidFill>
               </a14:hiddenFill>
+            </a:ext>
+            <a:ext uri="{91240B29-F687-4F45-9708-019B960494DF}">
+              <a14:hiddenLine xmlns:a14="http://schemas.microsoft.com/office/drawing/2010/main" w="9525">
+                <a:solidFill>
+                  <a:schemeClr val="tx1"/>
+                </a:solidFill>
+                <a:miter lim="800000"/>
+                <a:headEnd/>
+                <a:tailEnd/>
+              </a14:hiddenLine>
+            </a:ext>
+          </a:extLst>
+        </p:spPr>
+      </p:pic>
+      <p:pic>
+        <p:nvPicPr>
+          <p:cNvPr id="2052" name="Picture 4"/>
+          <p:cNvPicPr>
+            <a:picLocks noChangeAspect="1" noChangeArrowheads="1"/>
+          </p:cNvPicPr>
+          <p:nvPr/>
+        </p:nvPicPr>
+        <p:blipFill>
+          <a:blip r:embed="rId4">
+            <a:extLst>
+              <a:ext uri="{28A0092B-C50C-407E-A947-70E740481C1C}">
+                <a14:useLocalDpi xmlns:a14="http://schemas.microsoft.com/office/drawing/2010/main" val="0"/>
+              </a:ext>
+            </a:extLst>
+          </a:blip>
+          <a:srcRect/>
+          <a:stretch>
+            <a:fillRect/>
+          </a:stretch>
+        </p:blipFill>
+        <p:spPr bwMode="auto">
+          <a:xfrm>
+            <a:off x="5791200" y="3233451"/>
+            <a:ext cx="2924175" cy="1266825"/>
+          </a:xfrm>
+          <a:prstGeom prst="rect">
+            <a:avLst/>
+          </a:prstGeom>
+          <a:noFill/>
+          <a:ln>
+            <a:noFill/>
+          </a:ln>
+          <a:extLst>
+            <a:ext uri="{909E8E84-426E-40DD-AFC4-6F175D3DCCD1}">
+              <a14:hiddenFill xmlns:a14="http://schemas.microsoft.com/office/drawing/2010/main">
+                <a:solidFill>
+                  <a:schemeClr val="accent1"/>
+                </a:solidFill>
+              </a14:hiddenFill>
+            </a:ext>
+            <a:ext uri="{91240B29-F687-4F45-9708-019B960494DF}">
+              <a14:hiddenLine xmlns:a14="http://schemas.microsoft.com/office/drawing/2010/main" w="9525">
+                <a:solidFill>
+                  <a:schemeClr val="tx1"/>
+                </a:solidFill>
+                <a:miter lim="800000"/>
+                <a:headEnd/>
+                <a:tailEnd/>
+              </a14:hiddenLine>
+            </a:ext>
+          </a:extLst>
+        </p:spPr>
+      </p:pic>
+      <p:pic>
+        <p:nvPicPr>
+          <p:cNvPr id="2053" name="Picture 5"/>
+          <p:cNvPicPr>
+            <a:picLocks noChangeAspect="1" noChangeArrowheads="1"/>
+          </p:cNvPicPr>
+          <p:nvPr/>
+        </p:nvPicPr>
+        <p:blipFill>
+          <a:blip r:embed="rId5">
+            <a:extLst>
+              <a:ext uri="{28A0092B-C50C-407E-A947-70E740481C1C}">
+                <a14:useLocalDpi xmlns:a14="http://schemas.microsoft.com/office/drawing/2010/main" val="0"/>
+              </a:ext>
+            </a:extLst>
+          </a:blip>
+          <a:srcRect/>
+          <a:stretch>
+            <a:fillRect/>
+          </a:stretch>
+        </p:blipFill>
+        <p:spPr bwMode="auto">
+          <a:xfrm>
+            <a:off x="838200" y="3310905"/>
+            <a:ext cx="4343400" cy="239897"/>
+          </a:xfrm>
+          <a:prstGeom prst="rect">
+            <a:avLst/>
+          </a:prstGeom>
+          <a:noFill/>
+          <a:ln>
+            <a:noFill/>
+          </a:ln>
+          <a:extLst>
+            <a:ext uri="{909E8E84-426E-40DD-AFC4-6F175D3DCCD1}">
+              <a14:hiddenFill xmlns:a14="http://schemas.microsoft.com/office/drawing/2010/main">
+                <a:solidFill>
+                  <a:schemeClr val="accent1"/>
+                </a:solidFill>
+              </a14:hiddenFill>
+            </a:ext>
+            <a:ext uri="{91240B29-F687-4F45-9708-019B960494DF}">
+              <a14:hiddenLine xmlns:a14="http://schemas.microsoft.com/office/drawing/2010/main" w="9525">
+                <a:solidFill>
+                  <a:schemeClr val="tx1"/>
+                </a:solidFill>
+                <a:miter lim="800000"/>
+                <a:headEnd/>
+                <a:tailEnd/>
+              </a14:hiddenLine>
             </a:ext>
           </a:extLst>
         </p:spPr>
@@ -13556,14 +20515,13 @@
     </p:spTree>
     <p:extLst>
       <p:ext uri="{BB962C8B-B14F-4D97-AF65-F5344CB8AC3E}">
-        <p14:creationId xmlns:p14="http://schemas.microsoft.com/office/powerpoint/2010/main" val="846635487"/>
+        <p14:creationId xmlns:p14="http://schemas.microsoft.com/office/powerpoint/2010/main" val="522959738"/>
       </p:ext>
     </p:extLst>
   </p:cSld>
   <p:clrMapOvr>
     <a:masterClrMapping/>
   </p:clrMapOvr>
-  <p:transition/>
   <p:timing>
     <p:tnLst>
       <p:par>
